--- a/Presentations/Nederlands/08 - Decorators.pptx
+++ b/Presentations/Nederlands/08 - Decorators.pptx
@@ -2,56 +2,63 @@
 <file path=ppt/presentation.xml><?xml version="1.0" encoding="utf-8"?>
 <p:presentation xmlns:a="http://schemas.openxmlformats.org/drawingml/2006/main" xmlns:r="http://schemas.openxmlformats.org/officeDocument/2006/relationships" xmlns:p="http://schemas.openxmlformats.org/presentationml/2006/main" strictFirstAndLastChars="0" embedTrueTypeFonts="1" saveSubsetFonts="1" autoCompressPictures="0">
   <p:sldMasterIdLst>
-    <p:sldMasterId id="2147483659" r:id="rId1"/>
-    <p:sldMasterId id="2147483660" r:id="rId2"/>
+    <p:sldMasterId id="2147483659" r:id="rId4"/>
+    <p:sldMasterId id="2147483660" r:id="rId5"/>
   </p:sldMasterIdLst>
   <p:notesMasterIdLst>
-    <p:notesMasterId r:id="rId15"/>
+    <p:notesMasterId r:id="rId18"/>
   </p:notesMasterIdLst>
   <p:sldIdLst>
-    <p:sldId id="266" r:id="rId3"/>
-    <p:sldId id="256" r:id="rId4"/>
-    <p:sldId id="257" r:id="rId5"/>
-    <p:sldId id="258" r:id="rId6"/>
-    <p:sldId id="259" r:id="rId7"/>
-    <p:sldId id="260" r:id="rId8"/>
-    <p:sldId id="261" r:id="rId9"/>
-    <p:sldId id="262" r:id="rId10"/>
-    <p:sldId id="263" r:id="rId11"/>
-    <p:sldId id="264" r:id="rId12"/>
-    <p:sldId id="265" r:id="rId13"/>
-    <p:sldId id="267" r:id="rId14"/>
+    <p:sldId id="266" r:id="rId6"/>
+    <p:sldId id="256" r:id="rId7"/>
+    <p:sldId id="257" r:id="rId8"/>
+    <p:sldId id="258" r:id="rId9"/>
+    <p:sldId id="259" r:id="rId10"/>
+    <p:sldId id="260" r:id="rId11"/>
+    <p:sldId id="261" r:id="rId12"/>
+    <p:sldId id="262" r:id="rId13"/>
+    <p:sldId id="263" r:id="rId14"/>
+    <p:sldId id="264" r:id="rId15"/>
+    <p:sldId id="265" r:id="rId16"/>
+    <p:sldId id="267" r:id="rId17"/>
   </p:sldIdLst>
   <p:sldSz cx="9906000" cy="6858000" type="A4"/>
   <p:notesSz cx="6858000" cy="9144000"/>
   <p:embeddedFontLst>
     <p:embeddedFont>
       <p:font typeface="Calibri" panose="020F0502020204030204" pitchFamily="34" charset="0"/>
-      <p:regular r:id="rId16"/>
-      <p:bold r:id="rId17"/>
-      <p:italic r:id="rId18"/>
-      <p:boldItalic r:id="rId19"/>
+      <p:regular r:id="rId19"/>
+      <p:bold r:id="rId20"/>
+      <p:italic r:id="rId21"/>
+      <p:boldItalic r:id="rId22"/>
+    </p:embeddedFont>
+    <p:embeddedFont>
+      <p:font typeface="Cascadia Mono" panose="020B0609020000020004" pitchFamily="49" charset="0"/>
+      <p:regular r:id="rId23"/>
+      <p:bold r:id="rId24"/>
+      <p:italic r:id="rId25"/>
+      <p:boldItalic r:id="rId26"/>
     </p:embeddedFont>
     <p:embeddedFont>
       <p:font typeface="Montserrat" panose="00000500000000000000" pitchFamily="2" charset="0"/>
-      <p:regular r:id="rId20"/>
-      <p:bold r:id="rId21"/>
-      <p:italic r:id="rId22"/>
-      <p:boldItalic r:id="rId23"/>
+      <p:regular r:id="rId27"/>
+      <p:bold r:id="rId28"/>
+      <p:italic r:id="rId29"/>
+      <p:boldItalic r:id="rId30"/>
     </p:embeddedFont>
     <p:embeddedFont>
       <p:font typeface="Overpass" panose="020B0604020202020204" charset="0"/>
-      <p:regular r:id="rId24"/>
-      <p:bold r:id="rId25"/>
-      <p:italic r:id="rId26"/>
-      <p:boldItalic r:id="rId27"/>
+      <p:regular r:id="rId31"/>
+      <p:bold r:id="rId32"/>
+      <p:italic r:id="rId33"/>
+      <p:boldItalic r:id="rId34"/>
     </p:embeddedFont>
     <p:embeddedFont>
       <p:font typeface="Source Code Pro" panose="020B0509030403020204" pitchFamily="49" charset="0"/>
-      <p:regular r:id="rId28"/>
-      <p:bold r:id="rId29"/>
-      <p:italic r:id="rId30"/>
-      <p:boldItalic r:id="rId31"/>
+      <p:regular r:id="rId35"/>
+      <p:bold r:id="rId36"/>
+      <p:italic r:id="rId37"/>
+      <p:boldItalic r:id="rId38"/>
     </p:embeddedFont>
   </p:embeddedFontLst>
   <p:defaultTextStyle>
@@ -283,6 +290,11 @@
       </a:defRPr>
     </a:lvl9pPr>
   </p:defaultTextStyle>
+  <p:extLst>
+    <p:ext uri="{EFAFB233-063F-42B5-8137-9DF3F51BA10A}">
+      <p15:sldGuideLst xmlns:p15="http://schemas.microsoft.com/office/powerpoint/2012/main"/>
+    </p:ext>
+  </p:extLst>
 </p:presentation>
 </file>
 
@@ -8517,13 +8529,13 @@
   <p:clrMapOvr>
     <a:overrideClrMapping bg1="dk1" tx1="lt1" bg2="dk2" tx2="lt2" accent1="accent1" accent2="accent2" accent3="accent3" accent4="accent4" accent5="accent5" accent6="accent6" hlink="hlink" folHlink="folHlink"/>
   </p:clrMapOvr>
-  <mc:AlternateContent xmlns:mc="http://schemas.openxmlformats.org/markup-compatibility/2006">
-    <mc:Choice xmlns:p14="http://schemas.microsoft.com/office/powerpoint/2010/main" Requires="p14">
+  <mc:AlternateContent xmlns:mc="http://schemas.openxmlformats.org/markup-compatibility/2006" xmlns:p14="http://schemas.microsoft.com/office/powerpoint/2010/main">
+    <mc:Choice Requires="p14">
       <p:transition spd="slow" p14:dur="1500">
         <p:random/>
       </p:transition>
     </mc:Choice>
-    <mc:Fallback>
+    <mc:Fallback xmlns="">
       <p:transition spd="slow">
         <p:random/>
       </p:transition>
@@ -8725,6 +8737,668 @@
           </a:p>
         </p:txBody>
       </p:sp>
+      <p:pic>
+        <p:nvPicPr>
+          <p:cNvPr id="2" name="Picture 1">
+            <a:extLst>
+              <a:ext uri="{FF2B5EF4-FFF2-40B4-BE49-F238E27FC236}">
+                <a16:creationId xmlns:a16="http://schemas.microsoft.com/office/drawing/2014/main" id="{8AA565C1-D02A-9CC0-8EA4-7CE138BFFEE3}"/>
+              </a:ext>
+            </a:extLst>
+          </p:cNvPr>
+          <p:cNvPicPr>
+            <a:picLocks noChangeAspect="1"/>
+          </p:cNvPicPr>
+          <p:nvPr/>
+        </p:nvPicPr>
+        <p:blipFill>
+          <a:blip r:embed="rId3"/>
+          <a:stretch>
+            <a:fillRect/>
+          </a:stretch>
+        </p:blipFill>
+        <p:spPr>
+          <a:xfrm>
+            <a:off x="317513" y="305109"/>
+            <a:ext cx="552140" cy="552140"/>
+          </a:xfrm>
+          <a:prstGeom prst="roundRect">
+            <a:avLst>
+              <a:gd name="adj" fmla="val 8594"/>
+            </a:avLst>
+          </a:prstGeom>
+          <a:solidFill>
+            <a:srgbClr val="FFFFFF">
+              <a:shade val="85000"/>
+            </a:srgbClr>
+          </a:solidFill>
+          <a:ln>
+            <a:noFill/>
+          </a:ln>
+          <a:effectLst>
+            <a:reflection blurRad="12700" stA="38000" endPos="28000" dist="5000" dir="5400000" sy="-100000" algn="bl" rotWithShape="0"/>
+          </a:effectLst>
+        </p:spPr>
+      </p:pic>
+      <p:sp>
+        <p:nvSpPr>
+          <p:cNvPr id="3" name="Google Shape;69;p15">
+            <a:extLst>
+              <a:ext uri="{FF2B5EF4-FFF2-40B4-BE49-F238E27FC236}">
+                <a16:creationId xmlns:a16="http://schemas.microsoft.com/office/drawing/2014/main" id="{24C2023F-7113-3F54-EEEA-EAEEEBF322DA}"/>
+              </a:ext>
+            </a:extLst>
+          </p:cNvPr>
+          <p:cNvSpPr txBox="1">
+            <a:spLocks/>
+          </p:cNvSpPr>
+          <p:nvPr/>
+        </p:nvSpPr>
+        <p:spPr>
+          <a:xfrm>
+            <a:off x="6447895" y="250245"/>
+            <a:ext cx="3140592" cy="438149"/>
+          </a:xfrm>
+          <a:prstGeom prst="rect">
+            <a:avLst/>
+          </a:prstGeom>
+          <a:noFill/>
+          <a:ln>
+            <a:noFill/>
+          </a:ln>
+        </p:spPr>
+        <p:txBody>
+          <a:bodyPr spcFirstLastPara="1" wrap="square" lIns="91425" tIns="91425" rIns="91425" bIns="91425" anchor="t" anchorCtr="0">
+            <a:noAutofit/>
+          </a:bodyPr>
+          <a:lstStyle>
+            <a:defPPr marR="0" lvl="0" algn="l" rtl="0">
+              <a:lnSpc>
+                <a:spcPct val="100000"/>
+              </a:lnSpc>
+              <a:spcBef>
+                <a:spcPts val="0"/>
+              </a:spcBef>
+              <a:spcAft>
+                <a:spcPts val="0"/>
+              </a:spcAft>
+            </a:defPPr>
+            <a:lvl1pPr marR="0" lvl="0" algn="ctr" rtl="0">
+              <a:lnSpc>
+                <a:spcPct val="100000"/>
+              </a:lnSpc>
+              <a:spcBef>
+                <a:spcPts val="0"/>
+              </a:spcBef>
+              <a:spcAft>
+                <a:spcPts val="0"/>
+              </a:spcAft>
+              <a:buClr>
+                <a:schemeClr val="dk1"/>
+              </a:buClr>
+              <a:buSzPts val="5200"/>
+              <a:buFont typeface="Arial"/>
+              <a:buNone/>
+              <a:defRPr sz="5200" b="0" i="0" u="none" strike="noStrike" cap="none">
+                <a:solidFill>
+                  <a:schemeClr val="dk1"/>
+                </a:solidFill>
+                <a:latin typeface="Arial"/>
+                <a:ea typeface="Arial"/>
+                <a:cs typeface="Arial"/>
+                <a:sym typeface="Arial"/>
+              </a:defRPr>
+            </a:lvl1pPr>
+            <a:lvl2pPr marR="0" lvl="1" algn="ctr" rtl="0">
+              <a:lnSpc>
+                <a:spcPct val="100000"/>
+              </a:lnSpc>
+              <a:spcBef>
+                <a:spcPts val="0"/>
+              </a:spcBef>
+              <a:spcAft>
+                <a:spcPts val="0"/>
+              </a:spcAft>
+              <a:buClr>
+                <a:schemeClr val="dk1"/>
+              </a:buClr>
+              <a:buSzPts val="5200"/>
+              <a:buFont typeface="Arial"/>
+              <a:buNone/>
+              <a:defRPr sz="5200" b="0" i="0" u="none" strike="noStrike" cap="none">
+                <a:solidFill>
+                  <a:schemeClr val="dk1"/>
+                </a:solidFill>
+                <a:latin typeface="Arial"/>
+                <a:ea typeface="Arial"/>
+                <a:cs typeface="Arial"/>
+                <a:sym typeface="Arial"/>
+              </a:defRPr>
+            </a:lvl2pPr>
+            <a:lvl3pPr marR="0" lvl="2" algn="ctr" rtl="0">
+              <a:lnSpc>
+                <a:spcPct val="100000"/>
+              </a:lnSpc>
+              <a:spcBef>
+                <a:spcPts val="0"/>
+              </a:spcBef>
+              <a:spcAft>
+                <a:spcPts val="0"/>
+              </a:spcAft>
+              <a:buClr>
+                <a:schemeClr val="dk1"/>
+              </a:buClr>
+              <a:buSzPts val="5200"/>
+              <a:buFont typeface="Arial"/>
+              <a:buNone/>
+              <a:defRPr sz="5200" b="0" i="0" u="none" strike="noStrike" cap="none">
+                <a:solidFill>
+                  <a:schemeClr val="dk1"/>
+                </a:solidFill>
+                <a:latin typeface="Arial"/>
+                <a:ea typeface="Arial"/>
+                <a:cs typeface="Arial"/>
+                <a:sym typeface="Arial"/>
+              </a:defRPr>
+            </a:lvl3pPr>
+            <a:lvl4pPr marR="0" lvl="3" algn="ctr" rtl="0">
+              <a:lnSpc>
+                <a:spcPct val="100000"/>
+              </a:lnSpc>
+              <a:spcBef>
+                <a:spcPts val="0"/>
+              </a:spcBef>
+              <a:spcAft>
+                <a:spcPts val="0"/>
+              </a:spcAft>
+              <a:buClr>
+                <a:schemeClr val="dk1"/>
+              </a:buClr>
+              <a:buSzPts val="5200"/>
+              <a:buFont typeface="Arial"/>
+              <a:buNone/>
+              <a:defRPr sz="5200" b="0" i="0" u="none" strike="noStrike" cap="none">
+                <a:solidFill>
+                  <a:schemeClr val="dk1"/>
+                </a:solidFill>
+                <a:latin typeface="Arial"/>
+                <a:ea typeface="Arial"/>
+                <a:cs typeface="Arial"/>
+                <a:sym typeface="Arial"/>
+              </a:defRPr>
+            </a:lvl4pPr>
+            <a:lvl5pPr marR="0" lvl="4" algn="ctr" rtl="0">
+              <a:lnSpc>
+                <a:spcPct val="100000"/>
+              </a:lnSpc>
+              <a:spcBef>
+                <a:spcPts val="0"/>
+              </a:spcBef>
+              <a:spcAft>
+                <a:spcPts val="0"/>
+              </a:spcAft>
+              <a:buClr>
+                <a:schemeClr val="dk1"/>
+              </a:buClr>
+              <a:buSzPts val="5200"/>
+              <a:buFont typeface="Arial"/>
+              <a:buNone/>
+              <a:defRPr sz="5200" b="0" i="0" u="none" strike="noStrike" cap="none">
+                <a:solidFill>
+                  <a:schemeClr val="dk1"/>
+                </a:solidFill>
+                <a:latin typeface="Arial"/>
+                <a:ea typeface="Arial"/>
+                <a:cs typeface="Arial"/>
+                <a:sym typeface="Arial"/>
+              </a:defRPr>
+            </a:lvl5pPr>
+            <a:lvl6pPr marR="0" lvl="5" algn="ctr" rtl="0">
+              <a:lnSpc>
+                <a:spcPct val="100000"/>
+              </a:lnSpc>
+              <a:spcBef>
+                <a:spcPts val="0"/>
+              </a:spcBef>
+              <a:spcAft>
+                <a:spcPts val="0"/>
+              </a:spcAft>
+              <a:buClr>
+                <a:schemeClr val="dk1"/>
+              </a:buClr>
+              <a:buSzPts val="5200"/>
+              <a:buFont typeface="Arial"/>
+              <a:buNone/>
+              <a:defRPr sz="5200" b="0" i="0" u="none" strike="noStrike" cap="none">
+                <a:solidFill>
+                  <a:schemeClr val="dk1"/>
+                </a:solidFill>
+                <a:latin typeface="Arial"/>
+                <a:ea typeface="Arial"/>
+                <a:cs typeface="Arial"/>
+                <a:sym typeface="Arial"/>
+              </a:defRPr>
+            </a:lvl6pPr>
+            <a:lvl7pPr marR="0" lvl="6" algn="ctr" rtl="0">
+              <a:lnSpc>
+                <a:spcPct val="100000"/>
+              </a:lnSpc>
+              <a:spcBef>
+                <a:spcPts val="0"/>
+              </a:spcBef>
+              <a:spcAft>
+                <a:spcPts val="0"/>
+              </a:spcAft>
+              <a:buClr>
+                <a:schemeClr val="dk1"/>
+              </a:buClr>
+              <a:buSzPts val="5200"/>
+              <a:buFont typeface="Arial"/>
+              <a:buNone/>
+              <a:defRPr sz="5200" b="0" i="0" u="none" strike="noStrike" cap="none">
+                <a:solidFill>
+                  <a:schemeClr val="dk1"/>
+                </a:solidFill>
+                <a:latin typeface="Arial"/>
+                <a:ea typeface="Arial"/>
+                <a:cs typeface="Arial"/>
+                <a:sym typeface="Arial"/>
+              </a:defRPr>
+            </a:lvl7pPr>
+            <a:lvl8pPr marR="0" lvl="7" algn="ctr" rtl="0">
+              <a:lnSpc>
+                <a:spcPct val="100000"/>
+              </a:lnSpc>
+              <a:spcBef>
+                <a:spcPts val="0"/>
+              </a:spcBef>
+              <a:spcAft>
+                <a:spcPts val="0"/>
+              </a:spcAft>
+              <a:buClr>
+                <a:schemeClr val="dk1"/>
+              </a:buClr>
+              <a:buSzPts val="5200"/>
+              <a:buFont typeface="Arial"/>
+              <a:buNone/>
+              <a:defRPr sz="5200" b="0" i="0" u="none" strike="noStrike" cap="none">
+                <a:solidFill>
+                  <a:schemeClr val="dk1"/>
+                </a:solidFill>
+                <a:latin typeface="Arial"/>
+                <a:ea typeface="Arial"/>
+                <a:cs typeface="Arial"/>
+                <a:sym typeface="Arial"/>
+              </a:defRPr>
+            </a:lvl8pPr>
+            <a:lvl9pPr marR="0" lvl="8" algn="ctr" rtl="0">
+              <a:lnSpc>
+                <a:spcPct val="100000"/>
+              </a:lnSpc>
+              <a:spcBef>
+                <a:spcPts val="0"/>
+              </a:spcBef>
+              <a:spcAft>
+                <a:spcPts val="0"/>
+              </a:spcAft>
+              <a:buClr>
+                <a:schemeClr val="dk1"/>
+              </a:buClr>
+              <a:buSzPts val="5200"/>
+              <a:buFont typeface="Arial"/>
+              <a:buNone/>
+              <a:defRPr sz="5200" b="0" i="0" u="none" strike="noStrike" cap="none">
+                <a:solidFill>
+                  <a:schemeClr val="dk1"/>
+                </a:solidFill>
+                <a:latin typeface="Arial"/>
+                <a:ea typeface="Arial"/>
+                <a:cs typeface="Arial"/>
+                <a:sym typeface="Arial"/>
+              </a:defRPr>
+            </a:lvl9pPr>
+          </a:lstStyle>
+          <a:p>
+            <a:pPr algn="r"/>
+            <a:r>
+              <a:rPr lang="nl-BE" sz="1400" dirty="0">
+                <a:latin typeface="Cascadia Mono" panose="020B0609020000020004" pitchFamily="49" charset="0"/>
+                <a:ea typeface="Cascadia Mono" panose="020B0609020000020004" pitchFamily="49" charset="0"/>
+                <a:cs typeface="Cascadia Mono" panose="020B0609020000020004" pitchFamily="49" charset="0"/>
+                <a:sym typeface="Montserrat"/>
+              </a:rPr>
+              <a:t>Python Fundamentals</a:t>
+            </a:r>
+          </a:p>
+        </p:txBody>
+      </p:sp>
+      <p:sp>
+        <p:nvSpPr>
+          <p:cNvPr id="4" name="Google Shape;69;p15">
+            <a:extLst>
+              <a:ext uri="{FF2B5EF4-FFF2-40B4-BE49-F238E27FC236}">
+                <a16:creationId xmlns:a16="http://schemas.microsoft.com/office/drawing/2014/main" id="{05139F72-430C-4F4F-1B7B-9EF94A7C67F3}"/>
+              </a:ext>
+            </a:extLst>
+          </p:cNvPr>
+          <p:cNvSpPr txBox="1">
+            <a:spLocks/>
+          </p:cNvSpPr>
+          <p:nvPr/>
+        </p:nvSpPr>
+        <p:spPr>
+          <a:xfrm>
+            <a:off x="107431" y="6372226"/>
+            <a:ext cx="5769493" cy="438149"/>
+          </a:xfrm>
+          <a:prstGeom prst="rect">
+            <a:avLst/>
+          </a:prstGeom>
+          <a:noFill/>
+          <a:ln>
+            <a:noFill/>
+          </a:ln>
+        </p:spPr>
+        <p:txBody>
+          <a:bodyPr spcFirstLastPara="1" wrap="square" lIns="91425" tIns="91425" rIns="91425" bIns="91425" anchor="t" anchorCtr="0">
+            <a:noAutofit/>
+          </a:bodyPr>
+          <a:lstStyle>
+            <a:defPPr marR="0" lvl="0" algn="l" rtl="0">
+              <a:lnSpc>
+                <a:spcPct val="100000"/>
+              </a:lnSpc>
+              <a:spcBef>
+                <a:spcPts val="0"/>
+              </a:spcBef>
+              <a:spcAft>
+                <a:spcPts val="0"/>
+              </a:spcAft>
+            </a:defPPr>
+            <a:lvl1pPr marR="0" lvl="0" algn="ctr" rtl="0">
+              <a:lnSpc>
+                <a:spcPct val="100000"/>
+              </a:lnSpc>
+              <a:spcBef>
+                <a:spcPts val="0"/>
+              </a:spcBef>
+              <a:spcAft>
+                <a:spcPts val="0"/>
+              </a:spcAft>
+              <a:buClr>
+                <a:schemeClr val="dk1"/>
+              </a:buClr>
+              <a:buSzPts val="5200"/>
+              <a:buFont typeface="Arial"/>
+              <a:buNone/>
+              <a:defRPr sz="5200" b="0" i="0" u="none" strike="noStrike" cap="none">
+                <a:solidFill>
+                  <a:schemeClr val="dk1"/>
+                </a:solidFill>
+                <a:latin typeface="Arial"/>
+                <a:ea typeface="Arial"/>
+                <a:cs typeface="Arial"/>
+                <a:sym typeface="Arial"/>
+              </a:defRPr>
+            </a:lvl1pPr>
+            <a:lvl2pPr marR="0" lvl="1" algn="ctr" rtl="0">
+              <a:lnSpc>
+                <a:spcPct val="100000"/>
+              </a:lnSpc>
+              <a:spcBef>
+                <a:spcPts val="0"/>
+              </a:spcBef>
+              <a:spcAft>
+                <a:spcPts val="0"/>
+              </a:spcAft>
+              <a:buClr>
+                <a:schemeClr val="dk1"/>
+              </a:buClr>
+              <a:buSzPts val="5200"/>
+              <a:buFont typeface="Arial"/>
+              <a:buNone/>
+              <a:defRPr sz="5200" b="0" i="0" u="none" strike="noStrike" cap="none">
+                <a:solidFill>
+                  <a:schemeClr val="dk1"/>
+                </a:solidFill>
+                <a:latin typeface="Arial"/>
+                <a:ea typeface="Arial"/>
+                <a:cs typeface="Arial"/>
+                <a:sym typeface="Arial"/>
+              </a:defRPr>
+            </a:lvl2pPr>
+            <a:lvl3pPr marR="0" lvl="2" algn="ctr" rtl="0">
+              <a:lnSpc>
+                <a:spcPct val="100000"/>
+              </a:lnSpc>
+              <a:spcBef>
+                <a:spcPts val="0"/>
+              </a:spcBef>
+              <a:spcAft>
+                <a:spcPts val="0"/>
+              </a:spcAft>
+              <a:buClr>
+                <a:schemeClr val="dk1"/>
+              </a:buClr>
+              <a:buSzPts val="5200"/>
+              <a:buFont typeface="Arial"/>
+              <a:buNone/>
+              <a:defRPr sz="5200" b="0" i="0" u="none" strike="noStrike" cap="none">
+                <a:solidFill>
+                  <a:schemeClr val="dk1"/>
+                </a:solidFill>
+                <a:latin typeface="Arial"/>
+                <a:ea typeface="Arial"/>
+                <a:cs typeface="Arial"/>
+                <a:sym typeface="Arial"/>
+              </a:defRPr>
+            </a:lvl3pPr>
+            <a:lvl4pPr marR="0" lvl="3" algn="ctr" rtl="0">
+              <a:lnSpc>
+                <a:spcPct val="100000"/>
+              </a:lnSpc>
+              <a:spcBef>
+                <a:spcPts val="0"/>
+              </a:spcBef>
+              <a:spcAft>
+                <a:spcPts val="0"/>
+              </a:spcAft>
+              <a:buClr>
+                <a:schemeClr val="dk1"/>
+              </a:buClr>
+              <a:buSzPts val="5200"/>
+              <a:buFont typeface="Arial"/>
+              <a:buNone/>
+              <a:defRPr sz="5200" b="0" i="0" u="none" strike="noStrike" cap="none">
+                <a:solidFill>
+                  <a:schemeClr val="dk1"/>
+                </a:solidFill>
+                <a:latin typeface="Arial"/>
+                <a:ea typeface="Arial"/>
+                <a:cs typeface="Arial"/>
+                <a:sym typeface="Arial"/>
+              </a:defRPr>
+            </a:lvl4pPr>
+            <a:lvl5pPr marR="0" lvl="4" algn="ctr" rtl="0">
+              <a:lnSpc>
+                <a:spcPct val="100000"/>
+              </a:lnSpc>
+              <a:spcBef>
+                <a:spcPts val="0"/>
+              </a:spcBef>
+              <a:spcAft>
+                <a:spcPts val="0"/>
+              </a:spcAft>
+              <a:buClr>
+                <a:schemeClr val="dk1"/>
+              </a:buClr>
+              <a:buSzPts val="5200"/>
+              <a:buFont typeface="Arial"/>
+              <a:buNone/>
+              <a:defRPr sz="5200" b="0" i="0" u="none" strike="noStrike" cap="none">
+                <a:solidFill>
+                  <a:schemeClr val="dk1"/>
+                </a:solidFill>
+                <a:latin typeface="Arial"/>
+                <a:ea typeface="Arial"/>
+                <a:cs typeface="Arial"/>
+                <a:sym typeface="Arial"/>
+              </a:defRPr>
+            </a:lvl5pPr>
+            <a:lvl6pPr marR="0" lvl="5" algn="ctr" rtl="0">
+              <a:lnSpc>
+                <a:spcPct val="100000"/>
+              </a:lnSpc>
+              <a:spcBef>
+                <a:spcPts val="0"/>
+              </a:spcBef>
+              <a:spcAft>
+                <a:spcPts val="0"/>
+              </a:spcAft>
+              <a:buClr>
+                <a:schemeClr val="dk1"/>
+              </a:buClr>
+              <a:buSzPts val="5200"/>
+              <a:buFont typeface="Arial"/>
+              <a:buNone/>
+              <a:defRPr sz="5200" b="0" i="0" u="none" strike="noStrike" cap="none">
+                <a:solidFill>
+                  <a:schemeClr val="dk1"/>
+                </a:solidFill>
+                <a:latin typeface="Arial"/>
+                <a:ea typeface="Arial"/>
+                <a:cs typeface="Arial"/>
+                <a:sym typeface="Arial"/>
+              </a:defRPr>
+            </a:lvl6pPr>
+            <a:lvl7pPr marR="0" lvl="6" algn="ctr" rtl="0">
+              <a:lnSpc>
+                <a:spcPct val="100000"/>
+              </a:lnSpc>
+              <a:spcBef>
+                <a:spcPts val="0"/>
+              </a:spcBef>
+              <a:spcAft>
+                <a:spcPts val="0"/>
+              </a:spcAft>
+              <a:buClr>
+                <a:schemeClr val="dk1"/>
+              </a:buClr>
+              <a:buSzPts val="5200"/>
+              <a:buFont typeface="Arial"/>
+              <a:buNone/>
+              <a:defRPr sz="5200" b="0" i="0" u="none" strike="noStrike" cap="none">
+                <a:solidFill>
+                  <a:schemeClr val="dk1"/>
+                </a:solidFill>
+                <a:latin typeface="Arial"/>
+                <a:ea typeface="Arial"/>
+                <a:cs typeface="Arial"/>
+                <a:sym typeface="Arial"/>
+              </a:defRPr>
+            </a:lvl7pPr>
+            <a:lvl8pPr marR="0" lvl="7" algn="ctr" rtl="0">
+              <a:lnSpc>
+                <a:spcPct val="100000"/>
+              </a:lnSpc>
+              <a:spcBef>
+                <a:spcPts val="0"/>
+              </a:spcBef>
+              <a:spcAft>
+                <a:spcPts val="0"/>
+              </a:spcAft>
+              <a:buClr>
+                <a:schemeClr val="dk1"/>
+              </a:buClr>
+              <a:buSzPts val="5200"/>
+              <a:buFont typeface="Arial"/>
+              <a:buNone/>
+              <a:defRPr sz="5200" b="0" i="0" u="none" strike="noStrike" cap="none">
+                <a:solidFill>
+                  <a:schemeClr val="dk1"/>
+                </a:solidFill>
+                <a:latin typeface="Arial"/>
+                <a:ea typeface="Arial"/>
+                <a:cs typeface="Arial"/>
+                <a:sym typeface="Arial"/>
+              </a:defRPr>
+            </a:lvl8pPr>
+            <a:lvl9pPr marR="0" lvl="8" algn="ctr" rtl="0">
+              <a:lnSpc>
+                <a:spcPct val="100000"/>
+              </a:lnSpc>
+              <a:spcBef>
+                <a:spcPts val="0"/>
+              </a:spcBef>
+              <a:spcAft>
+                <a:spcPts val="0"/>
+              </a:spcAft>
+              <a:buClr>
+                <a:schemeClr val="dk1"/>
+              </a:buClr>
+              <a:buSzPts val="5200"/>
+              <a:buFont typeface="Arial"/>
+              <a:buNone/>
+              <a:defRPr sz="5200" b="0" i="0" u="none" strike="noStrike" cap="none">
+                <a:solidFill>
+                  <a:schemeClr val="dk1"/>
+                </a:solidFill>
+                <a:latin typeface="Arial"/>
+                <a:ea typeface="Arial"/>
+                <a:cs typeface="Arial"/>
+                <a:sym typeface="Arial"/>
+              </a:defRPr>
+            </a:lvl9pPr>
+          </a:lstStyle>
+          <a:p>
+            <a:pPr algn="l"/>
+            <a:r>
+              <a:rPr lang="nl-BE" sz="1400" dirty="0">
+                <a:latin typeface="Cascadia Mono" panose="020B0609020000020004" pitchFamily="49" charset="0"/>
+                <a:ea typeface="Cascadia Mono" panose="020B0609020000020004" pitchFamily="49" charset="0"/>
+                <a:cs typeface="Cascadia Mono" panose="020B0609020000020004" pitchFamily="49" charset="0"/>
+                <a:sym typeface="Montserrat"/>
+                <a:hlinkClick r:id="rId4"/>
+              </a:rPr>
+              <a:t>www.intecbrussel.be</a:t>
+            </a:r>
+            <a:r>
+              <a:rPr lang="nl-BE" sz="1400" dirty="0">
+                <a:latin typeface="Cascadia Mono" panose="020B0609020000020004" pitchFamily="49" charset="0"/>
+                <a:ea typeface="Cascadia Mono" panose="020B0609020000020004" pitchFamily="49" charset="0"/>
+                <a:cs typeface="Cascadia Mono" panose="020B0609020000020004" pitchFamily="49" charset="0"/>
+                <a:sym typeface="Montserrat"/>
+              </a:rPr>
+              <a:t> | </a:t>
+            </a:r>
+            <a:r>
+              <a:rPr lang="nl-BE" sz="1400" dirty="0">
+                <a:latin typeface="Cascadia Mono" panose="020B0609020000020004" pitchFamily="49" charset="0"/>
+                <a:ea typeface="Cascadia Mono" panose="020B0609020000020004" pitchFamily="49" charset="0"/>
+                <a:cs typeface="Cascadia Mono" panose="020B0609020000020004" pitchFamily="49" charset="0"/>
+                <a:sym typeface="Montserrat"/>
+                <a:hlinkClick r:id="rId5"/>
+              </a:rPr>
+              <a:t>yilmaz.mustafa@intecbrussel.be</a:t>
+            </a:r>
+            <a:endParaRPr lang="nl-BE" sz="1400" dirty="0">
+              <a:latin typeface="Cascadia Mono" panose="020B0609020000020004" pitchFamily="49" charset="0"/>
+              <a:ea typeface="Cascadia Mono" panose="020B0609020000020004" pitchFamily="49" charset="0"/>
+              <a:cs typeface="Cascadia Mono" panose="020B0609020000020004" pitchFamily="49" charset="0"/>
+              <a:sym typeface="Montserrat"/>
+            </a:endParaRPr>
+          </a:p>
+          <a:p>
+            <a:pPr algn="l"/>
+            <a:endParaRPr lang="nl-BE" sz="1400" dirty="0">
+              <a:latin typeface="Cascadia Mono" panose="020B0609020000020004" pitchFamily="49" charset="0"/>
+              <a:ea typeface="Cascadia Mono" panose="020B0609020000020004" pitchFamily="49" charset="0"/>
+              <a:cs typeface="Cascadia Mono" panose="020B0609020000020004" pitchFamily="49" charset="0"/>
+              <a:sym typeface="Montserrat"/>
+            </a:endParaRPr>
+          </a:p>
+        </p:txBody>
+      </p:sp>
     </p:spTree>
   </p:cSld>
   <p:clrMapOvr>
@@ -8839,6 +9513,668 @@
               <a:latin typeface="Montserrat"/>
               <a:ea typeface="Montserrat"/>
               <a:cs typeface="Montserrat"/>
+              <a:sym typeface="Montserrat"/>
+            </a:endParaRPr>
+          </a:p>
+        </p:txBody>
+      </p:sp>
+      <p:pic>
+        <p:nvPicPr>
+          <p:cNvPr id="2" name="Picture 1">
+            <a:extLst>
+              <a:ext uri="{FF2B5EF4-FFF2-40B4-BE49-F238E27FC236}">
+                <a16:creationId xmlns:a16="http://schemas.microsoft.com/office/drawing/2014/main" id="{A538986D-0CCB-4D46-50C1-4B92839FFC93}"/>
+              </a:ext>
+            </a:extLst>
+          </p:cNvPr>
+          <p:cNvPicPr>
+            <a:picLocks noChangeAspect="1"/>
+          </p:cNvPicPr>
+          <p:nvPr/>
+        </p:nvPicPr>
+        <p:blipFill>
+          <a:blip r:embed="rId3"/>
+          <a:stretch>
+            <a:fillRect/>
+          </a:stretch>
+        </p:blipFill>
+        <p:spPr>
+          <a:xfrm>
+            <a:off x="317513" y="305109"/>
+            <a:ext cx="552140" cy="552140"/>
+          </a:xfrm>
+          <a:prstGeom prst="roundRect">
+            <a:avLst>
+              <a:gd name="adj" fmla="val 8594"/>
+            </a:avLst>
+          </a:prstGeom>
+          <a:solidFill>
+            <a:srgbClr val="FFFFFF">
+              <a:shade val="85000"/>
+            </a:srgbClr>
+          </a:solidFill>
+          <a:ln>
+            <a:noFill/>
+          </a:ln>
+          <a:effectLst>
+            <a:reflection blurRad="12700" stA="38000" endPos="28000" dist="5000" dir="5400000" sy="-100000" algn="bl" rotWithShape="0"/>
+          </a:effectLst>
+        </p:spPr>
+      </p:pic>
+      <p:sp>
+        <p:nvSpPr>
+          <p:cNvPr id="3" name="Google Shape;69;p15">
+            <a:extLst>
+              <a:ext uri="{FF2B5EF4-FFF2-40B4-BE49-F238E27FC236}">
+                <a16:creationId xmlns:a16="http://schemas.microsoft.com/office/drawing/2014/main" id="{070596D1-67D4-10B5-0034-DD5F58886DE2}"/>
+              </a:ext>
+            </a:extLst>
+          </p:cNvPr>
+          <p:cNvSpPr txBox="1">
+            <a:spLocks/>
+          </p:cNvSpPr>
+          <p:nvPr/>
+        </p:nvSpPr>
+        <p:spPr>
+          <a:xfrm>
+            <a:off x="6447895" y="250245"/>
+            <a:ext cx="3140592" cy="438149"/>
+          </a:xfrm>
+          <a:prstGeom prst="rect">
+            <a:avLst/>
+          </a:prstGeom>
+          <a:noFill/>
+          <a:ln>
+            <a:noFill/>
+          </a:ln>
+        </p:spPr>
+        <p:txBody>
+          <a:bodyPr spcFirstLastPara="1" wrap="square" lIns="91425" tIns="91425" rIns="91425" bIns="91425" anchor="t" anchorCtr="0">
+            <a:noAutofit/>
+          </a:bodyPr>
+          <a:lstStyle>
+            <a:defPPr marR="0" lvl="0" algn="l" rtl="0">
+              <a:lnSpc>
+                <a:spcPct val="100000"/>
+              </a:lnSpc>
+              <a:spcBef>
+                <a:spcPts val="0"/>
+              </a:spcBef>
+              <a:spcAft>
+                <a:spcPts val="0"/>
+              </a:spcAft>
+            </a:defPPr>
+            <a:lvl1pPr marR="0" lvl="0" algn="ctr" rtl="0">
+              <a:lnSpc>
+                <a:spcPct val="100000"/>
+              </a:lnSpc>
+              <a:spcBef>
+                <a:spcPts val="0"/>
+              </a:spcBef>
+              <a:spcAft>
+                <a:spcPts val="0"/>
+              </a:spcAft>
+              <a:buClr>
+                <a:schemeClr val="dk1"/>
+              </a:buClr>
+              <a:buSzPts val="5200"/>
+              <a:buFont typeface="Arial"/>
+              <a:buNone/>
+              <a:defRPr sz="5200" b="0" i="0" u="none" strike="noStrike" cap="none">
+                <a:solidFill>
+                  <a:schemeClr val="dk1"/>
+                </a:solidFill>
+                <a:latin typeface="Arial"/>
+                <a:ea typeface="Arial"/>
+                <a:cs typeface="Arial"/>
+                <a:sym typeface="Arial"/>
+              </a:defRPr>
+            </a:lvl1pPr>
+            <a:lvl2pPr marR="0" lvl="1" algn="ctr" rtl="0">
+              <a:lnSpc>
+                <a:spcPct val="100000"/>
+              </a:lnSpc>
+              <a:spcBef>
+                <a:spcPts val="0"/>
+              </a:spcBef>
+              <a:spcAft>
+                <a:spcPts val="0"/>
+              </a:spcAft>
+              <a:buClr>
+                <a:schemeClr val="dk1"/>
+              </a:buClr>
+              <a:buSzPts val="5200"/>
+              <a:buFont typeface="Arial"/>
+              <a:buNone/>
+              <a:defRPr sz="5200" b="0" i="0" u="none" strike="noStrike" cap="none">
+                <a:solidFill>
+                  <a:schemeClr val="dk1"/>
+                </a:solidFill>
+                <a:latin typeface="Arial"/>
+                <a:ea typeface="Arial"/>
+                <a:cs typeface="Arial"/>
+                <a:sym typeface="Arial"/>
+              </a:defRPr>
+            </a:lvl2pPr>
+            <a:lvl3pPr marR="0" lvl="2" algn="ctr" rtl="0">
+              <a:lnSpc>
+                <a:spcPct val="100000"/>
+              </a:lnSpc>
+              <a:spcBef>
+                <a:spcPts val="0"/>
+              </a:spcBef>
+              <a:spcAft>
+                <a:spcPts val="0"/>
+              </a:spcAft>
+              <a:buClr>
+                <a:schemeClr val="dk1"/>
+              </a:buClr>
+              <a:buSzPts val="5200"/>
+              <a:buFont typeface="Arial"/>
+              <a:buNone/>
+              <a:defRPr sz="5200" b="0" i="0" u="none" strike="noStrike" cap="none">
+                <a:solidFill>
+                  <a:schemeClr val="dk1"/>
+                </a:solidFill>
+                <a:latin typeface="Arial"/>
+                <a:ea typeface="Arial"/>
+                <a:cs typeface="Arial"/>
+                <a:sym typeface="Arial"/>
+              </a:defRPr>
+            </a:lvl3pPr>
+            <a:lvl4pPr marR="0" lvl="3" algn="ctr" rtl="0">
+              <a:lnSpc>
+                <a:spcPct val="100000"/>
+              </a:lnSpc>
+              <a:spcBef>
+                <a:spcPts val="0"/>
+              </a:spcBef>
+              <a:spcAft>
+                <a:spcPts val="0"/>
+              </a:spcAft>
+              <a:buClr>
+                <a:schemeClr val="dk1"/>
+              </a:buClr>
+              <a:buSzPts val="5200"/>
+              <a:buFont typeface="Arial"/>
+              <a:buNone/>
+              <a:defRPr sz="5200" b="0" i="0" u="none" strike="noStrike" cap="none">
+                <a:solidFill>
+                  <a:schemeClr val="dk1"/>
+                </a:solidFill>
+                <a:latin typeface="Arial"/>
+                <a:ea typeface="Arial"/>
+                <a:cs typeface="Arial"/>
+                <a:sym typeface="Arial"/>
+              </a:defRPr>
+            </a:lvl4pPr>
+            <a:lvl5pPr marR="0" lvl="4" algn="ctr" rtl="0">
+              <a:lnSpc>
+                <a:spcPct val="100000"/>
+              </a:lnSpc>
+              <a:spcBef>
+                <a:spcPts val="0"/>
+              </a:spcBef>
+              <a:spcAft>
+                <a:spcPts val="0"/>
+              </a:spcAft>
+              <a:buClr>
+                <a:schemeClr val="dk1"/>
+              </a:buClr>
+              <a:buSzPts val="5200"/>
+              <a:buFont typeface="Arial"/>
+              <a:buNone/>
+              <a:defRPr sz="5200" b="0" i="0" u="none" strike="noStrike" cap="none">
+                <a:solidFill>
+                  <a:schemeClr val="dk1"/>
+                </a:solidFill>
+                <a:latin typeface="Arial"/>
+                <a:ea typeface="Arial"/>
+                <a:cs typeface="Arial"/>
+                <a:sym typeface="Arial"/>
+              </a:defRPr>
+            </a:lvl5pPr>
+            <a:lvl6pPr marR="0" lvl="5" algn="ctr" rtl="0">
+              <a:lnSpc>
+                <a:spcPct val="100000"/>
+              </a:lnSpc>
+              <a:spcBef>
+                <a:spcPts val="0"/>
+              </a:spcBef>
+              <a:spcAft>
+                <a:spcPts val="0"/>
+              </a:spcAft>
+              <a:buClr>
+                <a:schemeClr val="dk1"/>
+              </a:buClr>
+              <a:buSzPts val="5200"/>
+              <a:buFont typeface="Arial"/>
+              <a:buNone/>
+              <a:defRPr sz="5200" b="0" i="0" u="none" strike="noStrike" cap="none">
+                <a:solidFill>
+                  <a:schemeClr val="dk1"/>
+                </a:solidFill>
+                <a:latin typeface="Arial"/>
+                <a:ea typeface="Arial"/>
+                <a:cs typeface="Arial"/>
+                <a:sym typeface="Arial"/>
+              </a:defRPr>
+            </a:lvl6pPr>
+            <a:lvl7pPr marR="0" lvl="6" algn="ctr" rtl="0">
+              <a:lnSpc>
+                <a:spcPct val="100000"/>
+              </a:lnSpc>
+              <a:spcBef>
+                <a:spcPts val="0"/>
+              </a:spcBef>
+              <a:spcAft>
+                <a:spcPts val="0"/>
+              </a:spcAft>
+              <a:buClr>
+                <a:schemeClr val="dk1"/>
+              </a:buClr>
+              <a:buSzPts val="5200"/>
+              <a:buFont typeface="Arial"/>
+              <a:buNone/>
+              <a:defRPr sz="5200" b="0" i="0" u="none" strike="noStrike" cap="none">
+                <a:solidFill>
+                  <a:schemeClr val="dk1"/>
+                </a:solidFill>
+                <a:latin typeface="Arial"/>
+                <a:ea typeface="Arial"/>
+                <a:cs typeface="Arial"/>
+                <a:sym typeface="Arial"/>
+              </a:defRPr>
+            </a:lvl7pPr>
+            <a:lvl8pPr marR="0" lvl="7" algn="ctr" rtl="0">
+              <a:lnSpc>
+                <a:spcPct val="100000"/>
+              </a:lnSpc>
+              <a:spcBef>
+                <a:spcPts val="0"/>
+              </a:spcBef>
+              <a:spcAft>
+                <a:spcPts val="0"/>
+              </a:spcAft>
+              <a:buClr>
+                <a:schemeClr val="dk1"/>
+              </a:buClr>
+              <a:buSzPts val="5200"/>
+              <a:buFont typeface="Arial"/>
+              <a:buNone/>
+              <a:defRPr sz="5200" b="0" i="0" u="none" strike="noStrike" cap="none">
+                <a:solidFill>
+                  <a:schemeClr val="dk1"/>
+                </a:solidFill>
+                <a:latin typeface="Arial"/>
+                <a:ea typeface="Arial"/>
+                <a:cs typeface="Arial"/>
+                <a:sym typeface="Arial"/>
+              </a:defRPr>
+            </a:lvl8pPr>
+            <a:lvl9pPr marR="0" lvl="8" algn="ctr" rtl="0">
+              <a:lnSpc>
+                <a:spcPct val="100000"/>
+              </a:lnSpc>
+              <a:spcBef>
+                <a:spcPts val="0"/>
+              </a:spcBef>
+              <a:spcAft>
+                <a:spcPts val="0"/>
+              </a:spcAft>
+              <a:buClr>
+                <a:schemeClr val="dk1"/>
+              </a:buClr>
+              <a:buSzPts val="5200"/>
+              <a:buFont typeface="Arial"/>
+              <a:buNone/>
+              <a:defRPr sz="5200" b="0" i="0" u="none" strike="noStrike" cap="none">
+                <a:solidFill>
+                  <a:schemeClr val="dk1"/>
+                </a:solidFill>
+                <a:latin typeface="Arial"/>
+                <a:ea typeface="Arial"/>
+                <a:cs typeface="Arial"/>
+                <a:sym typeface="Arial"/>
+              </a:defRPr>
+            </a:lvl9pPr>
+          </a:lstStyle>
+          <a:p>
+            <a:pPr algn="r"/>
+            <a:r>
+              <a:rPr lang="nl-BE" sz="1400" dirty="0">
+                <a:latin typeface="Cascadia Mono" panose="020B0609020000020004" pitchFamily="49" charset="0"/>
+                <a:ea typeface="Cascadia Mono" panose="020B0609020000020004" pitchFamily="49" charset="0"/>
+                <a:cs typeface="Cascadia Mono" panose="020B0609020000020004" pitchFamily="49" charset="0"/>
+                <a:sym typeface="Montserrat"/>
+              </a:rPr>
+              <a:t>Python Fundamentals</a:t>
+            </a:r>
+          </a:p>
+        </p:txBody>
+      </p:sp>
+      <p:sp>
+        <p:nvSpPr>
+          <p:cNvPr id="4" name="Google Shape;69;p15">
+            <a:extLst>
+              <a:ext uri="{FF2B5EF4-FFF2-40B4-BE49-F238E27FC236}">
+                <a16:creationId xmlns:a16="http://schemas.microsoft.com/office/drawing/2014/main" id="{FB0361FD-246F-FB2F-174A-14EC6E710A9D}"/>
+              </a:ext>
+            </a:extLst>
+          </p:cNvPr>
+          <p:cNvSpPr txBox="1">
+            <a:spLocks/>
+          </p:cNvSpPr>
+          <p:nvPr/>
+        </p:nvSpPr>
+        <p:spPr>
+          <a:xfrm>
+            <a:off x="107431" y="6372226"/>
+            <a:ext cx="5769493" cy="438149"/>
+          </a:xfrm>
+          <a:prstGeom prst="rect">
+            <a:avLst/>
+          </a:prstGeom>
+          <a:noFill/>
+          <a:ln>
+            <a:noFill/>
+          </a:ln>
+        </p:spPr>
+        <p:txBody>
+          <a:bodyPr spcFirstLastPara="1" wrap="square" lIns="91425" tIns="91425" rIns="91425" bIns="91425" anchor="t" anchorCtr="0">
+            <a:noAutofit/>
+          </a:bodyPr>
+          <a:lstStyle>
+            <a:defPPr marR="0" lvl="0" algn="l" rtl="0">
+              <a:lnSpc>
+                <a:spcPct val="100000"/>
+              </a:lnSpc>
+              <a:spcBef>
+                <a:spcPts val="0"/>
+              </a:spcBef>
+              <a:spcAft>
+                <a:spcPts val="0"/>
+              </a:spcAft>
+            </a:defPPr>
+            <a:lvl1pPr marR="0" lvl="0" algn="ctr" rtl="0">
+              <a:lnSpc>
+                <a:spcPct val="100000"/>
+              </a:lnSpc>
+              <a:spcBef>
+                <a:spcPts val="0"/>
+              </a:spcBef>
+              <a:spcAft>
+                <a:spcPts val="0"/>
+              </a:spcAft>
+              <a:buClr>
+                <a:schemeClr val="dk1"/>
+              </a:buClr>
+              <a:buSzPts val="5200"/>
+              <a:buFont typeface="Arial"/>
+              <a:buNone/>
+              <a:defRPr sz="5200" b="0" i="0" u="none" strike="noStrike" cap="none">
+                <a:solidFill>
+                  <a:schemeClr val="dk1"/>
+                </a:solidFill>
+                <a:latin typeface="Arial"/>
+                <a:ea typeface="Arial"/>
+                <a:cs typeface="Arial"/>
+                <a:sym typeface="Arial"/>
+              </a:defRPr>
+            </a:lvl1pPr>
+            <a:lvl2pPr marR="0" lvl="1" algn="ctr" rtl="0">
+              <a:lnSpc>
+                <a:spcPct val="100000"/>
+              </a:lnSpc>
+              <a:spcBef>
+                <a:spcPts val="0"/>
+              </a:spcBef>
+              <a:spcAft>
+                <a:spcPts val="0"/>
+              </a:spcAft>
+              <a:buClr>
+                <a:schemeClr val="dk1"/>
+              </a:buClr>
+              <a:buSzPts val="5200"/>
+              <a:buFont typeface="Arial"/>
+              <a:buNone/>
+              <a:defRPr sz="5200" b="0" i="0" u="none" strike="noStrike" cap="none">
+                <a:solidFill>
+                  <a:schemeClr val="dk1"/>
+                </a:solidFill>
+                <a:latin typeface="Arial"/>
+                <a:ea typeface="Arial"/>
+                <a:cs typeface="Arial"/>
+                <a:sym typeface="Arial"/>
+              </a:defRPr>
+            </a:lvl2pPr>
+            <a:lvl3pPr marR="0" lvl="2" algn="ctr" rtl="0">
+              <a:lnSpc>
+                <a:spcPct val="100000"/>
+              </a:lnSpc>
+              <a:spcBef>
+                <a:spcPts val="0"/>
+              </a:spcBef>
+              <a:spcAft>
+                <a:spcPts val="0"/>
+              </a:spcAft>
+              <a:buClr>
+                <a:schemeClr val="dk1"/>
+              </a:buClr>
+              <a:buSzPts val="5200"/>
+              <a:buFont typeface="Arial"/>
+              <a:buNone/>
+              <a:defRPr sz="5200" b="0" i="0" u="none" strike="noStrike" cap="none">
+                <a:solidFill>
+                  <a:schemeClr val="dk1"/>
+                </a:solidFill>
+                <a:latin typeface="Arial"/>
+                <a:ea typeface="Arial"/>
+                <a:cs typeface="Arial"/>
+                <a:sym typeface="Arial"/>
+              </a:defRPr>
+            </a:lvl3pPr>
+            <a:lvl4pPr marR="0" lvl="3" algn="ctr" rtl="0">
+              <a:lnSpc>
+                <a:spcPct val="100000"/>
+              </a:lnSpc>
+              <a:spcBef>
+                <a:spcPts val="0"/>
+              </a:spcBef>
+              <a:spcAft>
+                <a:spcPts val="0"/>
+              </a:spcAft>
+              <a:buClr>
+                <a:schemeClr val="dk1"/>
+              </a:buClr>
+              <a:buSzPts val="5200"/>
+              <a:buFont typeface="Arial"/>
+              <a:buNone/>
+              <a:defRPr sz="5200" b="0" i="0" u="none" strike="noStrike" cap="none">
+                <a:solidFill>
+                  <a:schemeClr val="dk1"/>
+                </a:solidFill>
+                <a:latin typeface="Arial"/>
+                <a:ea typeface="Arial"/>
+                <a:cs typeface="Arial"/>
+                <a:sym typeface="Arial"/>
+              </a:defRPr>
+            </a:lvl4pPr>
+            <a:lvl5pPr marR="0" lvl="4" algn="ctr" rtl="0">
+              <a:lnSpc>
+                <a:spcPct val="100000"/>
+              </a:lnSpc>
+              <a:spcBef>
+                <a:spcPts val="0"/>
+              </a:spcBef>
+              <a:spcAft>
+                <a:spcPts val="0"/>
+              </a:spcAft>
+              <a:buClr>
+                <a:schemeClr val="dk1"/>
+              </a:buClr>
+              <a:buSzPts val="5200"/>
+              <a:buFont typeface="Arial"/>
+              <a:buNone/>
+              <a:defRPr sz="5200" b="0" i="0" u="none" strike="noStrike" cap="none">
+                <a:solidFill>
+                  <a:schemeClr val="dk1"/>
+                </a:solidFill>
+                <a:latin typeface="Arial"/>
+                <a:ea typeface="Arial"/>
+                <a:cs typeface="Arial"/>
+                <a:sym typeface="Arial"/>
+              </a:defRPr>
+            </a:lvl5pPr>
+            <a:lvl6pPr marR="0" lvl="5" algn="ctr" rtl="0">
+              <a:lnSpc>
+                <a:spcPct val="100000"/>
+              </a:lnSpc>
+              <a:spcBef>
+                <a:spcPts val="0"/>
+              </a:spcBef>
+              <a:spcAft>
+                <a:spcPts val="0"/>
+              </a:spcAft>
+              <a:buClr>
+                <a:schemeClr val="dk1"/>
+              </a:buClr>
+              <a:buSzPts val="5200"/>
+              <a:buFont typeface="Arial"/>
+              <a:buNone/>
+              <a:defRPr sz="5200" b="0" i="0" u="none" strike="noStrike" cap="none">
+                <a:solidFill>
+                  <a:schemeClr val="dk1"/>
+                </a:solidFill>
+                <a:latin typeface="Arial"/>
+                <a:ea typeface="Arial"/>
+                <a:cs typeface="Arial"/>
+                <a:sym typeface="Arial"/>
+              </a:defRPr>
+            </a:lvl6pPr>
+            <a:lvl7pPr marR="0" lvl="6" algn="ctr" rtl="0">
+              <a:lnSpc>
+                <a:spcPct val="100000"/>
+              </a:lnSpc>
+              <a:spcBef>
+                <a:spcPts val="0"/>
+              </a:spcBef>
+              <a:spcAft>
+                <a:spcPts val="0"/>
+              </a:spcAft>
+              <a:buClr>
+                <a:schemeClr val="dk1"/>
+              </a:buClr>
+              <a:buSzPts val="5200"/>
+              <a:buFont typeface="Arial"/>
+              <a:buNone/>
+              <a:defRPr sz="5200" b="0" i="0" u="none" strike="noStrike" cap="none">
+                <a:solidFill>
+                  <a:schemeClr val="dk1"/>
+                </a:solidFill>
+                <a:latin typeface="Arial"/>
+                <a:ea typeface="Arial"/>
+                <a:cs typeface="Arial"/>
+                <a:sym typeface="Arial"/>
+              </a:defRPr>
+            </a:lvl7pPr>
+            <a:lvl8pPr marR="0" lvl="7" algn="ctr" rtl="0">
+              <a:lnSpc>
+                <a:spcPct val="100000"/>
+              </a:lnSpc>
+              <a:spcBef>
+                <a:spcPts val="0"/>
+              </a:spcBef>
+              <a:spcAft>
+                <a:spcPts val="0"/>
+              </a:spcAft>
+              <a:buClr>
+                <a:schemeClr val="dk1"/>
+              </a:buClr>
+              <a:buSzPts val="5200"/>
+              <a:buFont typeface="Arial"/>
+              <a:buNone/>
+              <a:defRPr sz="5200" b="0" i="0" u="none" strike="noStrike" cap="none">
+                <a:solidFill>
+                  <a:schemeClr val="dk1"/>
+                </a:solidFill>
+                <a:latin typeface="Arial"/>
+                <a:ea typeface="Arial"/>
+                <a:cs typeface="Arial"/>
+                <a:sym typeface="Arial"/>
+              </a:defRPr>
+            </a:lvl8pPr>
+            <a:lvl9pPr marR="0" lvl="8" algn="ctr" rtl="0">
+              <a:lnSpc>
+                <a:spcPct val="100000"/>
+              </a:lnSpc>
+              <a:spcBef>
+                <a:spcPts val="0"/>
+              </a:spcBef>
+              <a:spcAft>
+                <a:spcPts val="0"/>
+              </a:spcAft>
+              <a:buClr>
+                <a:schemeClr val="dk1"/>
+              </a:buClr>
+              <a:buSzPts val="5200"/>
+              <a:buFont typeface="Arial"/>
+              <a:buNone/>
+              <a:defRPr sz="5200" b="0" i="0" u="none" strike="noStrike" cap="none">
+                <a:solidFill>
+                  <a:schemeClr val="dk1"/>
+                </a:solidFill>
+                <a:latin typeface="Arial"/>
+                <a:ea typeface="Arial"/>
+                <a:cs typeface="Arial"/>
+                <a:sym typeface="Arial"/>
+              </a:defRPr>
+            </a:lvl9pPr>
+          </a:lstStyle>
+          <a:p>
+            <a:pPr algn="l"/>
+            <a:r>
+              <a:rPr lang="nl-BE" sz="1400" dirty="0">
+                <a:latin typeface="Cascadia Mono" panose="020B0609020000020004" pitchFamily="49" charset="0"/>
+                <a:ea typeface="Cascadia Mono" panose="020B0609020000020004" pitchFamily="49" charset="0"/>
+                <a:cs typeface="Cascadia Mono" panose="020B0609020000020004" pitchFamily="49" charset="0"/>
+                <a:sym typeface="Montserrat"/>
+                <a:hlinkClick r:id="rId4"/>
+              </a:rPr>
+              <a:t>www.intecbrussel.be</a:t>
+            </a:r>
+            <a:r>
+              <a:rPr lang="nl-BE" sz="1400" dirty="0">
+                <a:latin typeface="Cascadia Mono" panose="020B0609020000020004" pitchFamily="49" charset="0"/>
+                <a:ea typeface="Cascadia Mono" panose="020B0609020000020004" pitchFamily="49" charset="0"/>
+                <a:cs typeface="Cascadia Mono" panose="020B0609020000020004" pitchFamily="49" charset="0"/>
+                <a:sym typeface="Montserrat"/>
+              </a:rPr>
+              <a:t> | </a:t>
+            </a:r>
+            <a:r>
+              <a:rPr lang="nl-BE" sz="1400" dirty="0">
+                <a:latin typeface="Cascadia Mono" panose="020B0609020000020004" pitchFamily="49" charset="0"/>
+                <a:ea typeface="Cascadia Mono" panose="020B0609020000020004" pitchFamily="49" charset="0"/>
+                <a:cs typeface="Cascadia Mono" panose="020B0609020000020004" pitchFamily="49" charset="0"/>
+                <a:sym typeface="Montserrat"/>
+                <a:hlinkClick r:id="rId5"/>
+              </a:rPr>
+              <a:t>yilmaz.mustafa@intecbrussel.be</a:t>
+            </a:r>
+            <a:endParaRPr lang="nl-BE" sz="1400" dirty="0">
+              <a:latin typeface="Cascadia Mono" panose="020B0609020000020004" pitchFamily="49" charset="0"/>
+              <a:ea typeface="Cascadia Mono" panose="020B0609020000020004" pitchFamily="49" charset="0"/>
+              <a:cs typeface="Cascadia Mono" panose="020B0609020000020004" pitchFamily="49" charset="0"/>
+              <a:sym typeface="Montserrat"/>
+            </a:endParaRPr>
+          </a:p>
+          <a:p>
+            <a:pPr algn="l"/>
+            <a:endParaRPr lang="nl-BE" sz="1400" dirty="0">
+              <a:latin typeface="Cascadia Mono" panose="020B0609020000020004" pitchFamily="49" charset="0"/>
+              <a:ea typeface="Cascadia Mono" panose="020B0609020000020004" pitchFamily="49" charset="0"/>
+              <a:cs typeface="Cascadia Mono" panose="020B0609020000020004" pitchFamily="49" charset="0"/>
               <a:sym typeface="Montserrat"/>
             </a:endParaRPr>
           </a:p>
@@ -8897,14 +10233,703 @@
         </p:blipFill>
         <p:spPr>
           <a:xfrm>
-            <a:off x="0" y="178201"/>
-            <a:ext cx="9906000" cy="6679799"/>
+            <a:off x="552450" y="289031"/>
+            <a:ext cx="8924925" cy="6018242"/>
           </a:xfrm>
           <a:prstGeom prst="rect">
             <a:avLst/>
           </a:prstGeom>
         </p:spPr>
       </p:pic>
+      <p:pic>
+        <p:nvPicPr>
+          <p:cNvPr id="2" name="Picture 1">
+            <a:extLst>
+              <a:ext uri="{FF2B5EF4-FFF2-40B4-BE49-F238E27FC236}">
+                <a16:creationId xmlns:a16="http://schemas.microsoft.com/office/drawing/2014/main" id="{F336A366-1ED7-7C46-D11D-0C9F96901C66}"/>
+              </a:ext>
+            </a:extLst>
+          </p:cNvPr>
+          <p:cNvPicPr>
+            <a:picLocks noChangeAspect="1"/>
+          </p:cNvPicPr>
+          <p:nvPr/>
+        </p:nvPicPr>
+        <p:blipFill>
+          <a:blip r:embed="rId4"/>
+          <a:stretch>
+            <a:fillRect/>
+          </a:stretch>
+        </p:blipFill>
+        <p:spPr>
+          <a:xfrm>
+            <a:off x="317513" y="305109"/>
+            <a:ext cx="552140" cy="552140"/>
+          </a:xfrm>
+          <a:prstGeom prst="roundRect">
+            <a:avLst>
+              <a:gd name="adj" fmla="val 8594"/>
+            </a:avLst>
+          </a:prstGeom>
+          <a:solidFill>
+            <a:srgbClr val="FFFFFF">
+              <a:shade val="85000"/>
+            </a:srgbClr>
+          </a:solidFill>
+          <a:ln>
+            <a:noFill/>
+          </a:ln>
+          <a:effectLst>
+            <a:reflection blurRad="12700" stA="38000" endPos="28000" dist="5000" dir="5400000" sy="-100000" algn="bl" rotWithShape="0"/>
+          </a:effectLst>
+        </p:spPr>
+      </p:pic>
+      <p:sp>
+        <p:nvSpPr>
+          <p:cNvPr id="3" name="Google Shape;69;p15">
+            <a:extLst>
+              <a:ext uri="{FF2B5EF4-FFF2-40B4-BE49-F238E27FC236}">
+                <a16:creationId xmlns:a16="http://schemas.microsoft.com/office/drawing/2014/main" id="{30DE6D89-FAF7-B7FE-1F69-C47A29C01990}"/>
+              </a:ext>
+            </a:extLst>
+          </p:cNvPr>
+          <p:cNvSpPr txBox="1">
+            <a:spLocks/>
+          </p:cNvSpPr>
+          <p:nvPr/>
+        </p:nvSpPr>
+        <p:spPr>
+          <a:xfrm>
+            <a:off x="6447895" y="250245"/>
+            <a:ext cx="3140592" cy="438149"/>
+          </a:xfrm>
+          <a:prstGeom prst="rect">
+            <a:avLst/>
+          </a:prstGeom>
+          <a:noFill/>
+          <a:ln>
+            <a:noFill/>
+          </a:ln>
+        </p:spPr>
+        <p:txBody>
+          <a:bodyPr spcFirstLastPara="1" wrap="square" lIns="91425" tIns="91425" rIns="91425" bIns="91425" anchor="t" anchorCtr="0">
+            <a:noAutofit/>
+          </a:bodyPr>
+          <a:lstStyle>
+            <a:defPPr marR="0" lvl="0" algn="l" rtl="0">
+              <a:lnSpc>
+                <a:spcPct val="100000"/>
+              </a:lnSpc>
+              <a:spcBef>
+                <a:spcPts val="0"/>
+              </a:spcBef>
+              <a:spcAft>
+                <a:spcPts val="0"/>
+              </a:spcAft>
+            </a:defPPr>
+            <a:lvl1pPr marR="0" lvl="0" algn="ctr" rtl="0">
+              <a:lnSpc>
+                <a:spcPct val="100000"/>
+              </a:lnSpc>
+              <a:spcBef>
+                <a:spcPts val="0"/>
+              </a:spcBef>
+              <a:spcAft>
+                <a:spcPts val="0"/>
+              </a:spcAft>
+              <a:buClr>
+                <a:schemeClr val="dk1"/>
+              </a:buClr>
+              <a:buSzPts val="5200"/>
+              <a:buFont typeface="Arial"/>
+              <a:buNone/>
+              <a:defRPr sz="5200" b="0" i="0" u="none" strike="noStrike" cap="none">
+                <a:solidFill>
+                  <a:schemeClr val="dk1"/>
+                </a:solidFill>
+                <a:latin typeface="Arial"/>
+                <a:ea typeface="Arial"/>
+                <a:cs typeface="Arial"/>
+                <a:sym typeface="Arial"/>
+              </a:defRPr>
+            </a:lvl1pPr>
+            <a:lvl2pPr marR="0" lvl="1" algn="ctr" rtl="0">
+              <a:lnSpc>
+                <a:spcPct val="100000"/>
+              </a:lnSpc>
+              <a:spcBef>
+                <a:spcPts val="0"/>
+              </a:spcBef>
+              <a:spcAft>
+                <a:spcPts val="0"/>
+              </a:spcAft>
+              <a:buClr>
+                <a:schemeClr val="dk1"/>
+              </a:buClr>
+              <a:buSzPts val="5200"/>
+              <a:buFont typeface="Arial"/>
+              <a:buNone/>
+              <a:defRPr sz="5200" b="0" i="0" u="none" strike="noStrike" cap="none">
+                <a:solidFill>
+                  <a:schemeClr val="dk1"/>
+                </a:solidFill>
+                <a:latin typeface="Arial"/>
+                <a:ea typeface="Arial"/>
+                <a:cs typeface="Arial"/>
+                <a:sym typeface="Arial"/>
+              </a:defRPr>
+            </a:lvl2pPr>
+            <a:lvl3pPr marR="0" lvl="2" algn="ctr" rtl="0">
+              <a:lnSpc>
+                <a:spcPct val="100000"/>
+              </a:lnSpc>
+              <a:spcBef>
+                <a:spcPts val="0"/>
+              </a:spcBef>
+              <a:spcAft>
+                <a:spcPts val="0"/>
+              </a:spcAft>
+              <a:buClr>
+                <a:schemeClr val="dk1"/>
+              </a:buClr>
+              <a:buSzPts val="5200"/>
+              <a:buFont typeface="Arial"/>
+              <a:buNone/>
+              <a:defRPr sz="5200" b="0" i="0" u="none" strike="noStrike" cap="none">
+                <a:solidFill>
+                  <a:schemeClr val="dk1"/>
+                </a:solidFill>
+                <a:latin typeface="Arial"/>
+                <a:ea typeface="Arial"/>
+                <a:cs typeface="Arial"/>
+                <a:sym typeface="Arial"/>
+              </a:defRPr>
+            </a:lvl3pPr>
+            <a:lvl4pPr marR="0" lvl="3" algn="ctr" rtl="0">
+              <a:lnSpc>
+                <a:spcPct val="100000"/>
+              </a:lnSpc>
+              <a:spcBef>
+                <a:spcPts val="0"/>
+              </a:spcBef>
+              <a:spcAft>
+                <a:spcPts val="0"/>
+              </a:spcAft>
+              <a:buClr>
+                <a:schemeClr val="dk1"/>
+              </a:buClr>
+              <a:buSzPts val="5200"/>
+              <a:buFont typeface="Arial"/>
+              <a:buNone/>
+              <a:defRPr sz="5200" b="0" i="0" u="none" strike="noStrike" cap="none">
+                <a:solidFill>
+                  <a:schemeClr val="dk1"/>
+                </a:solidFill>
+                <a:latin typeface="Arial"/>
+                <a:ea typeface="Arial"/>
+                <a:cs typeface="Arial"/>
+                <a:sym typeface="Arial"/>
+              </a:defRPr>
+            </a:lvl4pPr>
+            <a:lvl5pPr marR="0" lvl="4" algn="ctr" rtl="0">
+              <a:lnSpc>
+                <a:spcPct val="100000"/>
+              </a:lnSpc>
+              <a:spcBef>
+                <a:spcPts val="0"/>
+              </a:spcBef>
+              <a:spcAft>
+                <a:spcPts val="0"/>
+              </a:spcAft>
+              <a:buClr>
+                <a:schemeClr val="dk1"/>
+              </a:buClr>
+              <a:buSzPts val="5200"/>
+              <a:buFont typeface="Arial"/>
+              <a:buNone/>
+              <a:defRPr sz="5200" b="0" i="0" u="none" strike="noStrike" cap="none">
+                <a:solidFill>
+                  <a:schemeClr val="dk1"/>
+                </a:solidFill>
+                <a:latin typeface="Arial"/>
+                <a:ea typeface="Arial"/>
+                <a:cs typeface="Arial"/>
+                <a:sym typeface="Arial"/>
+              </a:defRPr>
+            </a:lvl5pPr>
+            <a:lvl6pPr marR="0" lvl="5" algn="ctr" rtl="0">
+              <a:lnSpc>
+                <a:spcPct val="100000"/>
+              </a:lnSpc>
+              <a:spcBef>
+                <a:spcPts val="0"/>
+              </a:spcBef>
+              <a:spcAft>
+                <a:spcPts val="0"/>
+              </a:spcAft>
+              <a:buClr>
+                <a:schemeClr val="dk1"/>
+              </a:buClr>
+              <a:buSzPts val="5200"/>
+              <a:buFont typeface="Arial"/>
+              <a:buNone/>
+              <a:defRPr sz="5200" b="0" i="0" u="none" strike="noStrike" cap="none">
+                <a:solidFill>
+                  <a:schemeClr val="dk1"/>
+                </a:solidFill>
+                <a:latin typeface="Arial"/>
+                <a:ea typeface="Arial"/>
+                <a:cs typeface="Arial"/>
+                <a:sym typeface="Arial"/>
+              </a:defRPr>
+            </a:lvl6pPr>
+            <a:lvl7pPr marR="0" lvl="6" algn="ctr" rtl="0">
+              <a:lnSpc>
+                <a:spcPct val="100000"/>
+              </a:lnSpc>
+              <a:spcBef>
+                <a:spcPts val="0"/>
+              </a:spcBef>
+              <a:spcAft>
+                <a:spcPts val="0"/>
+              </a:spcAft>
+              <a:buClr>
+                <a:schemeClr val="dk1"/>
+              </a:buClr>
+              <a:buSzPts val="5200"/>
+              <a:buFont typeface="Arial"/>
+              <a:buNone/>
+              <a:defRPr sz="5200" b="0" i="0" u="none" strike="noStrike" cap="none">
+                <a:solidFill>
+                  <a:schemeClr val="dk1"/>
+                </a:solidFill>
+                <a:latin typeface="Arial"/>
+                <a:ea typeface="Arial"/>
+                <a:cs typeface="Arial"/>
+                <a:sym typeface="Arial"/>
+              </a:defRPr>
+            </a:lvl7pPr>
+            <a:lvl8pPr marR="0" lvl="7" algn="ctr" rtl="0">
+              <a:lnSpc>
+                <a:spcPct val="100000"/>
+              </a:lnSpc>
+              <a:spcBef>
+                <a:spcPts val="0"/>
+              </a:spcBef>
+              <a:spcAft>
+                <a:spcPts val="0"/>
+              </a:spcAft>
+              <a:buClr>
+                <a:schemeClr val="dk1"/>
+              </a:buClr>
+              <a:buSzPts val="5200"/>
+              <a:buFont typeface="Arial"/>
+              <a:buNone/>
+              <a:defRPr sz="5200" b="0" i="0" u="none" strike="noStrike" cap="none">
+                <a:solidFill>
+                  <a:schemeClr val="dk1"/>
+                </a:solidFill>
+                <a:latin typeface="Arial"/>
+                <a:ea typeface="Arial"/>
+                <a:cs typeface="Arial"/>
+                <a:sym typeface="Arial"/>
+              </a:defRPr>
+            </a:lvl8pPr>
+            <a:lvl9pPr marR="0" lvl="8" algn="ctr" rtl="0">
+              <a:lnSpc>
+                <a:spcPct val="100000"/>
+              </a:lnSpc>
+              <a:spcBef>
+                <a:spcPts val="0"/>
+              </a:spcBef>
+              <a:spcAft>
+                <a:spcPts val="0"/>
+              </a:spcAft>
+              <a:buClr>
+                <a:schemeClr val="dk1"/>
+              </a:buClr>
+              <a:buSzPts val="5200"/>
+              <a:buFont typeface="Arial"/>
+              <a:buNone/>
+              <a:defRPr sz="5200" b="0" i="0" u="none" strike="noStrike" cap="none">
+                <a:solidFill>
+                  <a:schemeClr val="dk1"/>
+                </a:solidFill>
+                <a:latin typeface="Arial"/>
+                <a:ea typeface="Arial"/>
+                <a:cs typeface="Arial"/>
+                <a:sym typeface="Arial"/>
+              </a:defRPr>
+            </a:lvl9pPr>
+          </a:lstStyle>
+          <a:p>
+            <a:pPr algn="r"/>
+            <a:r>
+              <a:rPr lang="nl-BE" sz="1400" dirty="0">
+                <a:latin typeface="Cascadia Mono" panose="020B0609020000020004" pitchFamily="49" charset="0"/>
+                <a:ea typeface="Cascadia Mono" panose="020B0609020000020004" pitchFamily="49" charset="0"/>
+                <a:cs typeface="Cascadia Mono" panose="020B0609020000020004" pitchFamily="49" charset="0"/>
+                <a:sym typeface="Montserrat"/>
+              </a:rPr>
+              <a:t>Python Fundamentals</a:t>
+            </a:r>
+          </a:p>
+        </p:txBody>
+      </p:sp>
+      <p:sp>
+        <p:nvSpPr>
+          <p:cNvPr id="5" name="Google Shape;69;p15">
+            <a:extLst>
+              <a:ext uri="{FF2B5EF4-FFF2-40B4-BE49-F238E27FC236}">
+                <a16:creationId xmlns:a16="http://schemas.microsoft.com/office/drawing/2014/main" id="{639C6F75-5B79-C608-339A-A7E546393380}"/>
+              </a:ext>
+            </a:extLst>
+          </p:cNvPr>
+          <p:cNvSpPr txBox="1">
+            <a:spLocks/>
+          </p:cNvSpPr>
+          <p:nvPr/>
+        </p:nvSpPr>
+        <p:spPr>
+          <a:xfrm>
+            <a:off x="145531" y="6407044"/>
+            <a:ext cx="4636019" cy="323849"/>
+          </a:xfrm>
+          <a:prstGeom prst="rect">
+            <a:avLst/>
+          </a:prstGeom>
+          <a:noFill/>
+          <a:ln>
+            <a:noFill/>
+          </a:ln>
+        </p:spPr>
+        <p:txBody>
+          <a:bodyPr spcFirstLastPara="1" wrap="square" lIns="91425" tIns="91425" rIns="91425" bIns="91425" anchor="t" anchorCtr="0">
+            <a:noAutofit/>
+          </a:bodyPr>
+          <a:lstStyle>
+            <a:defPPr marR="0" lvl="0" algn="l" rtl="0">
+              <a:lnSpc>
+                <a:spcPct val="100000"/>
+              </a:lnSpc>
+              <a:spcBef>
+                <a:spcPts val="0"/>
+              </a:spcBef>
+              <a:spcAft>
+                <a:spcPts val="0"/>
+              </a:spcAft>
+            </a:defPPr>
+            <a:lvl1pPr marR="0" lvl="0" algn="ctr" rtl="0">
+              <a:lnSpc>
+                <a:spcPct val="100000"/>
+              </a:lnSpc>
+              <a:spcBef>
+                <a:spcPts val="0"/>
+              </a:spcBef>
+              <a:spcAft>
+                <a:spcPts val="0"/>
+              </a:spcAft>
+              <a:buClr>
+                <a:schemeClr val="dk1"/>
+              </a:buClr>
+              <a:buSzPts val="5200"/>
+              <a:buFont typeface="Arial"/>
+              <a:buNone/>
+              <a:defRPr sz="5200" b="0" i="0" u="none" strike="noStrike" cap="none">
+                <a:solidFill>
+                  <a:schemeClr val="dk1"/>
+                </a:solidFill>
+                <a:latin typeface="Arial"/>
+                <a:ea typeface="Arial"/>
+                <a:cs typeface="Arial"/>
+                <a:sym typeface="Arial"/>
+              </a:defRPr>
+            </a:lvl1pPr>
+            <a:lvl2pPr marR="0" lvl="1" algn="ctr" rtl="0">
+              <a:lnSpc>
+                <a:spcPct val="100000"/>
+              </a:lnSpc>
+              <a:spcBef>
+                <a:spcPts val="0"/>
+              </a:spcBef>
+              <a:spcAft>
+                <a:spcPts val="0"/>
+              </a:spcAft>
+              <a:buClr>
+                <a:schemeClr val="dk1"/>
+              </a:buClr>
+              <a:buSzPts val="5200"/>
+              <a:buFont typeface="Arial"/>
+              <a:buNone/>
+              <a:defRPr sz="5200" b="0" i="0" u="none" strike="noStrike" cap="none">
+                <a:solidFill>
+                  <a:schemeClr val="dk1"/>
+                </a:solidFill>
+                <a:latin typeface="Arial"/>
+                <a:ea typeface="Arial"/>
+                <a:cs typeface="Arial"/>
+                <a:sym typeface="Arial"/>
+              </a:defRPr>
+            </a:lvl2pPr>
+            <a:lvl3pPr marR="0" lvl="2" algn="ctr" rtl="0">
+              <a:lnSpc>
+                <a:spcPct val="100000"/>
+              </a:lnSpc>
+              <a:spcBef>
+                <a:spcPts val="0"/>
+              </a:spcBef>
+              <a:spcAft>
+                <a:spcPts val="0"/>
+              </a:spcAft>
+              <a:buClr>
+                <a:schemeClr val="dk1"/>
+              </a:buClr>
+              <a:buSzPts val="5200"/>
+              <a:buFont typeface="Arial"/>
+              <a:buNone/>
+              <a:defRPr sz="5200" b="0" i="0" u="none" strike="noStrike" cap="none">
+                <a:solidFill>
+                  <a:schemeClr val="dk1"/>
+                </a:solidFill>
+                <a:latin typeface="Arial"/>
+                <a:ea typeface="Arial"/>
+                <a:cs typeface="Arial"/>
+                <a:sym typeface="Arial"/>
+              </a:defRPr>
+            </a:lvl3pPr>
+            <a:lvl4pPr marR="0" lvl="3" algn="ctr" rtl="0">
+              <a:lnSpc>
+                <a:spcPct val="100000"/>
+              </a:lnSpc>
+              <a:spcBef>
+                <a:spcPts val="0"/>
+              </a:spcBef>
+              <a:spcAft>
+                <a:spcPts val="0"/>
+              </a:spcAft>
+              <a:buClr>
+                <a:schemeClr val="dk1"/>
+              </a:buClr>
+              <a:buSzPts val="5200"/>
+              <a:buFont typeface="Arial"/>
+              <a:buNone/>
+              <a:defRPr sz="5200" b="0" i="0" u="none" strike="noStrike" cap="none">
+                <a:solidFill>
+                  <a:schemeClr val="dk1"/>
+                </a:solidFill>
+                <a:latin typeface="Arial"/>
+                <a:ea typeface="Arial"/>
+                <a:cs typeface="Arial"/>
+                <a:sym typeface="Arial"/>
+              </a:defRPr>
+            </a:lvl4pPr>
+            <a:lvl5pPr marR="0" lvl="4" algn="ctr" rtl="0">
+              <a:lnSpc>
+                <a:spcPct val="100000"/>
+              </a:lnSpc>
+              <a:spcBef>
+                <a:spcPts val="0"/>
+              </a:spcBef>
+              <a:spcAft>
+                <a:spcPts val="0"/>
+              </a:spcAft>
+              <a:buClr>
+                <a:schemeClr val="dk1"/>
+              </a:buClr>
+              <a:buSzPts val="5200"/>
+              <a:buFont typeface="Arial"/>
+              <a:buNone/>
+              <a:defRPr sz="5200" b="0" i="0" u="none" strike="noStrike" cap="none">
+                <a:solidFill>
+                  <a:schemeClr val="dk1"/>
+                </a:solidFill>
+                <a:latin typeface="Arial"/>
+                <a:ea typeface="Arial"/>
+                <a:cs typeface="Arial"/>
+                <a:sym typeface="Arial"/>
+              </a:defRPr>
+            </a:lvl5pPr>
+            <a:lvl6pPr marR="0" lvl="5" algn="ctr" rtl="0">
+              <a:lnSpc>
+                <a:spcPct val="100000"/>
+              </a:lnSpc>
+              <a:spcBef>
+                <a:spcPts val="0"/>
+              </a:spcBef>
+              <a:spcAft>
+                <a:spcPts val="0"/>
+              </a:spcAft>
+              <a:buClr>
+                <a:schemeClr val="dk1"/>
+              </a:buClr>
+              <a:buSzPts val="5200"/>
+              <a:buFont typeface="Arial"/>
+              <a:buNone/>
+              <a:defRPr sz="5200" b="0" i="0" u="none" strike="noStrike" cap="none">
+                <a:solidFill>
+                  <a:schemeClr val="dk1"/>
+                </a:solidFill>
+                <a:latin typeface="Arial"/>
+                <a:ea typeface="Arial"/>
+                <a:cs typeface="Arial"/>
+                <a:sym typeface="Arial"/>
+              </a:defRPr>
+            </a:lvl6pPr>
+            <a:lvl7pPr marR="0" lvl="6" algn="ctr" rtl="0">
+              <a:lnSpc>
+                <a:spcPct val="100000"/>
+              </a:lnSpc>
+              <a:spcBef>
+                <a:spcPts val="0"/>
+              </a:spcBef>
+              <a:spcAft>
+                <a:spcPts val="0"/>
+              </a:spcAft>
+              <a:buClr>
+                <a:schemeClr val="dk1"/>
+              </a:buClr>
+              <a:buSzPts val="5200"/>
+              <a:buFont typeface="Arial"/>
+              <a:buNone/>
+              <a:defRPr sz="5200" b="0" i="0" u="none" strike="noStrike" cap="none">
+                <a:solidFill>
+                  <a:schemeClr val="dk1"/>
+                </a:solidFill>
+                <a:latin typeface="Arial"/>
+                <a:ea typeface="Arial"/>
+                <a:cs typeface="Arial"/>
+                <a:sym typeface="Arial"/>
+              </a:defRPr>
+            </a:lvl7pPr>
+            <a:lvl8pPr marR="0" lvl="7" algn="ctr" rtl="0">
+              <a:lnSpc>
+                <a:spcPct val="100000"/>
+              </a:lnSpc>
+              <a:spcBef>
+                <a:spcPts val="0"/>
+              </a:spcBef>
+              <a:spcAft>
+                <a:spcPts val="0"/>
+              </a:spcAft>
+              <a:buClr>
+                <a:schemeClr val="dk1"/>
+              </a:buClr>
+              <a:buSzPts val="5200"/>
+              <a:buFont typeface="Arial"/>
+              <a:buNone/>
+              <a:defRPr sz="5200" b="0" i="0" u="none" strike="noStrike" cap="none">
+                <a:solidFill>
+                  <a:schemeClr val="dk1"/>
+                </a:solidFill>
+                <a:latin typeface="Arial"/>
+                <a:ea typeface="Arial"/>
+                <a:cs typeface="Arial"/>
+                <a:sym typeface="Arial"/>
+              </a:defRPr>
+            </a:lvl8pPr>
+            <a:lvl9pPr marR="0" lvl="8" algn="ctr" rtl="0">
+              <a:lnSpc>
+                <a:spcPct val="100000"/>
+              </a:lnSpc>
+              <a:spcBef>
+                <a:spcPts val="0"/>
+              </a:spcBef>
+              <a:spcAft>
+                <a:spcPts val="0"/>
+              </a:spcAft>
+              <a:buClr>
+                <a:schemeClr val="dk1"/>
+              </a:buClr>
+              <a:buSzPts val="5200"/>
+              <a:buFont typeface="Arial"/>
+              <a:buNone/>
+              <a:defRPr sz="5200" b="0" i="0" u="none" strike="noStrike" cap="none">
+                <a:solidFill>
+                  <a:schemeClr val="dk1"/>
+                </a:solidFill>
+                <a:latin typeface="Arial"/>
+                <a:ea typeface="Arial"/>
+                <a:cs typeface="Arial"/>
+                <a:sym typeface="Arial"/>
+              </a:defRPr>
+            </a:lvl9pPr>
+          </a:lstStyle>
+          <a:p>
+            <a:pPr algn="l"/>
+            <a:r>
+              <a:rPr lang="nl-BE" sz="1100" dirty="0">
+                <a:solidFill>
+                  <a:schemeClr val="tx1"/>
+                </a:solidFill>
+                <a:latin typeface="Cascadia Mono" panose="020B0609020000020004" pitchFamily="49" charset="0"/>
+                <a:ea typeface="Cascadia Mono" panose="020B0609020000020004" pitchFamily="49" charset="0"/>
+                <a:cs typeface="Cascadia Mono" panose="020B0609020000020004" pitchFamily="49" charset="0"/>
+                <a:sym typeface="Montserrat"/>
+                <a:hlinkClick r:id="rId5">
+                  <a:extLst>
+                    <a:ext uri="{A12FA001-AC4F-418D-AE19-62706E023703}">
+                      <ahyp:hlinkClr xmlns:ahyp="http://schemas.microsoft.com/office/drawing/2018/hyperlinkcolor" val="tx"/>
+                    </a:ext>
+                  </a:extLst>
+                </a:hlinkClick>
+              </a:rPr>
+              <a:t>www.intecbrussel.be</a:t>
+            </a:r>
+            <a:r>
+              <a:rPr lang="nl-BE" sz="1100" dirty="0">
+                <a:solidFill>
+                  <a:schemeClr val="tx1"/>
+                </a:solidFill>
+                <a:latin typeface="Cascadia Mono" panose="020B0609020000020004" pitchFamily="49" charset="0"/>
+                <a:ea typeface="Cascadia Mono" panose="020B0609020000020004" pitchFamily="49" charset="0"/>
+                <a:cs typeface="Cascadia Mono" panose="020B0609020000020004" pitchFamily="49" charset="0"/>
+                <a:sym typeface="Montserrat"/>
+              </a:rPr>
+              <a:t> | </a:t>
+            </a:r>
+            <a:r>
+              <a:rPr lang="nl-BE" sz="1100" dirty="0">
+                <a:solidFill>
+                  <a:schemeClr val="tx1"/>
+                </a:solidFill>
+                <a:latin typeface="Cascadia Mono" panose="020B0609020000020004" pitchFamily="49" charset="0"/>
+                <a:ea typeface="Cascadia Mono" panose="020B0609020000020004" pitchFamily="49" charset="0"/>
+                <a:cs typeface="Cascadia Mono" panose="020B0609020000020004" pitchFamily="49" charset="0"/>
+                <a:sym typeface="Montserrat"/>
+                <a:hlinkClick r:id="rId6">
+                  <a:extLst>
+                    <a:ext uri="{A12FA001-AC4F-418D-AE19-62706E023703}">
+                      <ahyp:hlinkClr xmlns:ahyp="http://schemas.microsoft.com/office/drawing/2018/hyperlinkcolor" val="tx"/>
+                    </a:ext>
+                  </a:extLst>
+                </a:hlinkClick>
+              </a:rPr>
+              <a:t>yilmaz.mustafa@intecbrussel.be</a:t>
+            </a:r>
+            <a:endParaRPr lang="nl-BE" sz="1100" dirty="0">
+              <a:solidFill>
+                <a:schemeClr val="tx1"/>
+              </a:solidFill>
+              <a:latin typeface="Cascadia Mono" panose="020B0609020000020004" pitchFamily="49" charset="0"/>
+              <a:ea typeface="Cascadia Mono" panose="020B0609020000020004" pitchFamily="49" charset="0"/>
+              <a:cs typeface="Cascadia Mono" panose="020B0609020000020004" pitchFamily="49" charset="0"/>
+              <a:sym typeface="Montserrat"/>
+            </a:endParaRPr>
+          </a:p>
+          <a:p>
+            <a:pPr algn="l"/>
+            <a:endParaRPr lang="nl-BE" sz="1100" dirty="0">
+              <a:solidFill>
+                <a:schemeClr val="tx1"/>
+              </a:solidFill>
+              <a:latin typeface="Cascadia Mono" panose="020B0609020000020004" pitchFamily="49" charset="0"/>
+              <a:ea typeface="Cascadia Mono" panose="020B0609020000020004" pitchFamily="49" charset="0"/>
+              <a:cs typeface="Cascadia Mono" panose="020B0609020000020004" pitchFamily="49" charset="0"/>
+              <a:sym typeface="Montserrat"/>
+            </a:endParaRPr>
+          </a:p>
+        </p:txBody>
+      </p:sp>
     </p:spTree>
     <p:extLst>
       <p:ext uri="{BB962C8B-B14F-4D97-AF65-F5344CB8AC3E}">
@@ -8978,6 +11003,668 @@
           </a:p>
         </p:txBody>
       </p:sp>
+      <p:pic>
+        <p:nvPicPr>
+          <p:cNvPr id="2" name="Picture 1">
+            <a:extLst>
+              <a:ext uri="{FF2B5EF4-FFF2-40B4-BE49-F238E27FC236}">
+                <a16:creationId xmlns:a16="http://schemas.microsoft.com/office/drawing/2014/main" id="{D3F97D01-94A7-C2E0-F3E0-8B0BA05BD9B3}"/>
+              </a:ext>
+            </a:extLst>
+          </p:cNvPr>
+          <p:cNvPicPr>
+            <a:picLocks noChangeAspect="1"/>
+          </p:cNvPicPr>
+          <p:nvPr/>
+        </p:nvPicPr>
+        <p:blipFill>
+          <a:blip r:embed="rId3"/>
+          <a:stretch>
+            <a:fillRect/>
+          </a:stretch>
+        </p:blipFill>
+        <p:spPr>
+          <a:xfrm>
+            <a:off x="317513" y="305109"/>
+            <a:ext cx="552140" cy="552140"/>
+          </a:xfrm>
+          <a:prstGeom prst="roundRect">
+            <a:avLst>
+              <a:gd name="adj" fmla="val 8594"/>
+            </a:avLst>
+          </a:prstGeom>
+          <a:solidFill>
+            <a:srgbClr val="FFFFFF">
+              <a:shade val="85000"/>
+            </a:srgbClr>
+          </a:solidFill>
+          <a:ln>
+            <a:noFill/>
+          </a:ln>
+          <a:effectLst>
+            <a:reflection blurRad="12700" stA="38000" endPos="28000" dist="5000" dir="5400000" sy="-100000" algn="bl" rotWithShape="0"/>
+          </a:effectLst>
+        </p:spPr>
+      </p:pic>
+      <p:sp>
+        <p:nvSpPr>
+          <p:cNvPr id="3" name="Google Shape;69;p15">
+            <a:extLst>
+              <a:ext uri="{FF2B5EF4-FFF2-40B4-BE49-F238E27FC236}">
+                <a16:creationId xmlns:a16="http://schemas.microsoft.com/office/drawing/2014/main" id="{E81CFA71-EDE3-D20A-9189-DA8214102F44}"/>
+              </a:ext>
+            </a:extLst>
+          </p:cNvPr>
+          <p:cNvSpPr txBox="1">
+            <a:spLocks/>
+          </p:cNvSpPr>
+          <p:nvPr/>
+        </p:nvSpPr>
+        <p:spPr>
+          <a:xfrm>
+            <a:off x="6447895" y="250245"/>
+            <a:ext cx="3140592" cy="438149"/>
+          </a:xfrm>
+          <a:prstGeom prst="rect">
+            <a:avLst/>
+          </a:prstGeom>
+          <a:noFill/>
+          <a:ln>
+            <a:noFill/>
+          </a:ln>
+        </p:spPr>
+        <p:txBody>
+          <a:bodyPr spcFirstLastPara="1" wrap="square" lIns="91425" tIns="91425" rIns="91425" bIns="91425" anchor="t" anchorCtr="0">
+            <a:noAutofit/>
+          </a:bodyPr>
+          <a:lstStyle>
+            <a:defPPr marR="0" lvl="0" algn="l" rtl="0">
+              <a:lnSpc>
+                <a:spcPct val="100000"/>
+              </a:lnSpc>
+              <a:spcBef>
+                <a:spcPts val="0"/>
+              </a:spcBef>
+              <a:spcAft>
+                <a:spcPts val="0"/>
+              </a:spcAft>
+            </a:defPPr>
+            <a:lvl1pPr marR="0" lvl="0" algn="ctr" rtl="0">
+              <a:lnSpc>
+                <a:spcPct val="100000"/>
+              </a:lnSpc>
+              <a:spcBef>
+                <a:spcPts val="0"/>
+              </a:spcBef>
+              <a:spcAft>
+                <a:spcPts val="0"/>
+              </a:spcAft>
+              <a:buClr>
+                <a:schemeClr val="dk1"/>
+              </a:buClr>
+              <a:buSzPts val="5200"/>
+              <a:buFont typeface="Arial"/>
+              <a:buNone/>
+              <a:defRPr sz="5200" b="0" i="0" u="none" strike="noStrike" cap="none">
+                <a:solidFill>
+                  <a:schemeClr val="dk1"/>
+                </a:solidFill>
+                <a:latin typeface="Arial"/>
+                <a:ea typeface="Arial"/>
+                <a:cs typeface="Arial"/>
+                <a:sym typeface="Arial"/>
+              </a:defRPr>
+            </a:lvl1pPr>
+            <a:lvl2pPr marR="0" lvl="1" algn="ctr" rtl="0">
+              <a:lnSpc>
+                <a:spcPct val="100000"/>
+              </a:lnSpc>
+              <a:spcBef>
+                <a:spcPts val="0"/>
+              </a:spcBef>
+              <a:spcAft>
+                <a:spcPts val="0"/>
+              </a:spcAft>
+              <a:buClr>
+                <a:schemeClr val="dk1"/>
+              </a:buClr>
+              <a:buSzPts val="5200"/>
+              <a:buFont typeface="Arial"/>
+              <a:buNone/>
+              <a:defRPr sz="5200" b="0" i="0" u="none" strike="noStrike" cap="none">
+                <a:solidFill>
+                  <a:schemeClr val="dk1"/>
+                </a:solidFill>
+                <a:latin typeface="Arial"/>
+                <a:ea typeface="Arial"/>
+                <a:cs typeface="Arial"/>
+                <a:sym typeface="Arial"/>
+              </a:defRPr>
+            </a:lvl2pPr>
+            <a:lvl3pPr marR="0" lvl="2" algn="ctr" rtl="0">
+              <a:lnSpc>
+                <a:spcPct val="100000"/>
+              </a:lnSpc>
+              <a:spcBef>
+                <a:spcPts val="0"/>
+              </a:spcBef>
+              <a:spcAft>
+                <a:spcPts val="0"/>
+              </a:spcAft>
+              <a:buClr>
+                <a:schemeClr val="dk1"/>
+              </a:buClr>
+              <a:buSzPts val="5200"/>
+              <a:buFont typeface="Arial"/>
+              <a:buNone/>
+              <a:defRPr sz="5200" b="0" i="0" u="none" strike="noStrike" cap="none">
+                <a:solidFill>
+                  <a:schemeClr val="dk1"/>
+                </a:solidFill>
+                <a:latin typeface="Arial"/>
+                <a:ea typeface="Arial"/>
+                <a:cs typeface="Arial"/>
+                <a:sym typeface="Arial"/>
+              </a:defRPr>
+            </a:lvl3pPr>
+            <a:lvl4pPr marR="0" lvl="3" algn="ctr" rtl="0">
+              <a:lnSpc>
+                <a:spcPct val="100000"/>
+              </a:lnSpc>
+              <a:spcBef>
+                <a:spcPts val="0"/>
+              </a:spcBef>
+              <a:spcAft>
+                <a:spcPts val="0"/>
+              </a:spcAft>
+              <a:buClr>
+                <a:schemeClr val="dk1"/>
+              </a:buClr>
+              <a:buSzPts val="5200"/>
+              <a:buFont typeface="Arial"/>
+              <a:buNone/>
+              <a:defRPr sz="5200" b="0" i="0" u="none" strike="noStrike" cap="none">
+                <a:solidFill>
+                  <a:schemeClr val="dk1"/>
+                </a:solidFill>
+                <a:latin typeface="Arial"/>
+                <a:ea typeface="Arial"/>
+                <a:cs typeface="Arial"/>
+                <a:sym typeface="Arial"/>
+              </a:defRPr>
+            </a:lvl4pPr>
+            <a:lvl5pPr marR="0" lvl="4" algn="ctr" rtl="0">
+              <a:lnSpc>
+                <a:spcPct val="100000"/>
+              </a:lnSpc>
+              <a:spcBef>
+                <a:spcPts val="0"/>
+              </a:spcBef>
+              <a:spcAft>
+                <a:spcPts val="0"/>
+              </a:spcAft>
+              <a:buClr>
+                <a:schemeClr val="dk1"/>
+              </a:buClr>
+              <a:buSzPts val="5200"/>
+              <a:buFont typeface="Arial"/>
+              <a:buNone/>
+              <a:defRPr sz="5200" b="0" i="0" u="none" strike="noStrike" cap="none">
+                <a:solidFill>
+                  <a:schemeClr val="dk1"/>
+                </a:solidFill>
+                <a:latin typeface="Arial"/>
+                <a:ea typeface="Arial"/>
+                <a:cs typeface="Arial"/>
+                <a:sym typeface="Arial"/>
+              </a:defRPr>
+            </a:lvl5pPr>
+            <a:lvl6pPr marR="0" lvl="5" algn="ctr" rtl="0">
+              <a:lnSpc>
+                <a:spcPct val="100000"/>
+              </a:lnSpc>
+              <a:spcBef>
+                <a:spcPts val="0"/>
+              </a:spcBef>
+              <a:spcAft>
+                <a:spcPts val="0"/>
+              </a:spcAft>
+              <a:buClr>
+                <a:schemeClr val="dk1"/>
+              </a:buClr>
+              <a:buSzPts val="5200"/>
+              <a:buFont typeface="Arial"/>
+              <a:buNone/>
+              <a:defRPr sz="5200" b="0" i="0" u="none" strike="noStrike" cap="none">
+                <a:solidFill>
+                  <a:schemeClr val="dk1"/>
+                </a:solidFill>
+                <a:latin typeface="Arial"/>
+                <a:ea typeface="Arial"/>
+                <a:cs typeface="Arial"/>
+                <a:sym typeface="Arial"/>
+              </a:defRPr>
+            </a:lvl6pPr>
+            <a:lvl7pPr marR="0" lvl="6" algn="ctr" rtl="0">
+              <a:lnSpc>
+                <a:spcPct val="100000"/>
+              </a:lnSpc>
+              <a:spcBef>
+                <a:spcPts val="0"/>
+              </a:spcBef>
+              <a:spcAft>
+                <a:spcPts val="0"/>
+              </a:spcAft>
+              <a:buClr>
+                <a:schemeClr val="dk1"/>
+              </a:buClr>
+              <a:buSzPts val="5200"/>
+              <a:buFont typeface="Arial"/>
+              <a:buNone/>
+              <a:defRPr sz="5200" b="0" i="0" u="none" strike="noStrike" cap="none">
+                <a:solidFill>
+                  <a:schemeClr val="dk1"/>
+                </a:solidFill>
+                <a:latin typeface="Arial"/>
+                <a:ea typeface="Arial"/>
+                <a:cs typeface="Arial"/>
+                <a:sym typeface="Arial"/>
+              </a:defRPr>
+            </a:lvl7pPr>
+            <a:lvl8pPr marR="0" lvl="7" algn="ctr" rtl="0">
+              <a:lnSpc>
+                <a:spcPct val="100000"/>
+              </a:lnSpc>
+              <a:spcBef>
+                <a:spcPts val="0"/>
+              </a:spcBef>
+              <a:spcAft>
+                <a:spcPts val="0"/>
+              </a:spcAft>
+              <a:buClr>
+                <a:schemeClr val="dk1"/>
+              </a:buClr>
+              <a:buSzPts val="5200"/>
+              <a:buFont typeface="Arial"/>
+              <a:buNone/>
+              <a:defRPr sz="5200" b="0" i="0" u="none" strike="noStrike" cap="none">
+                <a:solidFill>
+                  <a:schemeClr val="dk1"/>
+                </a:solidFill>
+                <a:latin typeface="Arial"/>
+                <a:ea typeface="Arial"/>
+                <a:cs typeface="Arial"/>
+                <a:sym typeface="Arial"/>
+              </a:defRPr>
+            </a:lvl8pPr>
+            <a:lvl9pPr marR="0" lvl="8" algn="ctr" rtl="0">
+              <a:lnSpc>
+                <a:spcPct val="100000"/>
+              </a:lnSpc>
+              <a:spcBef>
+                <a:spcPts val="0"/>
+              </a:spcBef>
+              <a:spcAft>
+                <a:spcPts val="0"/>
+              </a:spcAft>
+              <a:buClr>
+                <a:schemeClr val="dk1"/>
+              </a:buClr>
+              <a:buSzPts val="5200"/>
+              <a:buFont typeface="Arial"/>
+              <a:buNone/>
+              <a:defRPr sz="5200" b="0" i="0" u="none" strike="noStrike" cap="none">
+                <a:solidFill>
+                  <a:schemeClr val="dk1"/>
+                </a:solidFill>
+                <a:latin typeface="Arial"/>
+                <a:ea typeface="Arial"/>
+                <a:cs typeface="Arial"/>
+                <a:sym typeface="Arial"/>
+              </a:defRPr>
+            </a:lvl9pPr>
+          </a:lstStyle>
+          <a:p>
+            <a:pPr algn="r"/>
+            <a:r>
+              <a:rPr lang="nl-BE" sz="1400" dirty="0">
+                <a:latin typeface="Cascadia Mono" panose="020B0609020000020004" pitchFamily="49" charset="0"/>
+                <a:ea typeface="Cascadia Mono" panose="020B0609020000020004" pitchFamily="49" charset="0"/>
+                <a:cs typeface="Cascadia Mono" panose="020B0609020000020004" pitchFamily="49" charset="0"/>
+                <a:sym typeface="Montserrat"/>
+              </a:rPr>
+              <a:t>Python Fundamentals</a:t>
+            </a:r>
+          </a:p>
+        </p:txBody>
+      </p:sp>
+      <p:sp>
+        <p:nvSpPr>
+          <p:cNvPr id="4" name="Google Shape;69;p15">
+            <a:extLst>
+              <a:ext uri="{FF2B5EF4-FFF2-40B4-BE49-F238E27FC236}">
+                <a16:creationId xmlns:a16="http://schemas.microsoft.com/office/drawing/2014/main" id="{EC54D229-0CC2-49C5-5837-7FA77E54E4B3}"/>
+              </a:ext>
+            </a:extLst>
+          </p:cNvPr>
+          <p:cNvSpPr txBox="1">
+            <a:spLocks/>
+          </p:cNvSpPr>
+          <p:nvPr/>
+        </p:nvSpPr>
+        <p:spPr>
+          <a:xfrm>
+            <a:off x="107431" y="6372226"/>
+            <a:ext cx="5769493" cy="438149"/>
+          </a:xfrm>
+          <a:prstGeom prst="rect">
+            <a:avLst/>
+          </a:prstGeom>
+          <a:noFill/>
+          <a:ln>
+            <a:noFill/>
+          </a:ln>
+        </p:spPr>
+        <p:txBody>
+          <a:bodyPr spcFirstLastPara="1" wrap="square" lIns="91425" tIns="91425" rIns="91425" bIns="91425" anchor="t" anchorCtr="0">
+            <a:noAutofit/>
+          </a:bodyPr>
+          <a:lstStyle>
+            <a:defPPr marR="0" lvl="0" algn="l" rtl="0">
+              <a:lnSpc>
+                <a:spcPct val="100000"/>
+              </a:lnSpc>
+              <a:spcBef>
+                <a:spcPts val="0"/>
+              </a:spcBef>
+              <a:spcAft>
+                <a:spcPts val="0"/>
+              </a:spcAft>
+            </a:defPPr>
+            <a:lvl1pPr marR="0" lvl="0" algn="ctr" rtl="0">
+              <a:lnSpc>
+                <a:spcPct val="100000"/>
+              </a:lnSpc>
+              <a:spcBef>
+                <a:spcPts val="0"/>
+              </a:spcBef>
+              <a:spcAft>
+                <a:spcPts val="0"/>
+              </a:spcAft>
+              <a:buClr>
+                <a:schemeClr val="dk1"/>
+              </a:buClr>
+              <a:buSzPts val="5200"/>
+              <a:buFont typeface="Arial"/>
+              <a:buNone/>
+              <a:defRPr sz="5200" b="0" i="0" u="none" strike="noStrike" cap="none">
+                <a:solidFill>
+                  <a:schemeClr val="dk1"/>
+                </a:solidFill>
+                <a:latin typeface="Arial"/>
+                <a:ea typeface="Arial"/>
+                <a:cs typeface="Arial"/>
+                <a:sym typeface="Arial"/>
+              </a:defRPr>
+            </a:lvl1pPr>
+            <a:lvl2pPr marR="0" lvl="1" algn="ctr" rtl="0">
+              <a:lnSpc>
+                <a:spcPct val="100000"/>
+              </a:lnSpc>
+              <a:spcBef>
+                <a:spcPts val="0"/>
+              </a:spcBef>
+              <a:spcAft>
+                <a:spcPts val="0"/>
+              </a:spcAft>
+              <a:buClr>
+                <a:schemeClr val="dk1"/>
+              </a:buClr>
+              <a:buSzPts val="5200"/>
+              <a:buFont typeface="Arial"/>
+              <a:buNone/>
+              <a:defRPr sz="5200" b="0" i="0" u="none" strike="noStrike" cap="none">
+                <a:solidFill>
+                  <a:schemeClr val="dk1"/>
+                </a:solidFill>
+                <a:latin typeface="Arial"/>
+                <a:ea typeface="Arial"/>
+                <a:cs typeface="Arial"/>
+                <a:sym typeface="Arial"/>
+              </a:defRPr>
+            </a:lvl2pPr>
+            <a:lvl3pPr marR="0" lvl="2" algn="ctr" rtl="0">
+              <a:lnSpc>
+                <a:spcPct val="100000"/>
+              </a:lnSpc>
+              <a:spcBef>
+                <a:spcPts val="0"/>
+              </a:spcBef>
+              <a:spcAft>
+                <a:spcPts val="0"/>
+              </a:spcAft>
+              <a:buClr>
+                <a:schemeClr val="dk1"/>
+              </a:buClr>
+              <a:buSzPts val="5200"/>
+              <a:buFont typeface="Arial"/>
+              <a:buNone/>
+              <a:defRPr sz="5200" b="0" i="0" u="none" strike="noStrike" cap="none">
+                <a:solidFill>
+                  <a:schemeClr val="dk1"/>
+                </a:solidFill>
+                <a:latin typeface="Arial"/>
+                <a:ea typeface="Arial"/>
+                <a:cs typeface="Arial"/>
+                <a:sym typeface="Arial"/>
+              </a:defRPr>
+            </a:lvl3pPr>
+            <a:lvl4pPr marR="0" lvl="3" algn="ctr" rtl="0">
+              <a:lnSpc>
+                <a:spcPct val="100000"/>
+              </a:lnSpc>
+              <a:spcBef>
+                <a:spcPts val="0"/>
+              </a:spcBef>
+              <a:spcAft>
+                <a:spcPts val="0"/>
+              </a:spcAft>
+              <a:buClr>
+                <a:schemeClr val="dk1"/>
+              </a:buClr>
+              <a:buSzPts val="5200"/>
+              <a:buFont typeface="Arial"/>
+              <a:buNone/>
+              <a:defRPr sz="5200" b="0" i="0" u="none" strike="noStrike" cap="none">
+                <a:solidFill>
+                  <a:schemeClr val="dk1"/>
+                </a:solidFill>
+                <a:latin typeface="Arial"/>
+                <a:ea typeface="Arial"/>
+                <a:cs typeface="Arial"/>
+                <a:sym typeface="Arial"/>
+              </a:defRPr>
+            </a:lvl4pPr>
+            <a:lvl5pPr marR="0" lvl="4" algn="ctr" rtl="0">
+              <a:lnSpc>
+                <a:spcPct val="100000"/>
+              </a:lnSpc>
+              <a:spcBef>
+                <a:spcPts val="0"/>
+              </a:spcBef>
+              <a:spcAft>
+                <a:spcPts val="0"/>
+              </a:spcAft>
+              <a:buClr>
+                <a:schemeClr val="dk1"/>
+              </a:buClr>
+              <a:buSzPts val="5200"/>
+              <a:buFont typeface="Arial"/>
+              <a:buNone/>
+              <a:defRPr sz="5200" b="0" i="0" u="none" strike="noStrike" cap="none">
+                <a:solidFill>
+                  <a:schemeClr val="dk1"/>
+                </a:solidFill>
+                <a:latin typeface="Arial"/>
+                <a:ea typeface="Arial"/>
+                <a:cs typeface="Arial"/>
+                <a:sym typeface="Arial"/>
+              </a:defRPr>
+            </a:lvl5pPr>
+            <a:lvl6pPr marR="0" lvl="5" algn="ctr" rtl="0">
+              <a:lnSpc>
+                <a:spcPct val="100000"/>
+              </a:lnSpc>
+              <a:spcBef>
+                <a:spcPts val="0"/>
+              </a:spcBef>
+              <a:spcAft>
+                <a:spcPts val="0"/>
+              </a:spcAft>
+              <a:buClr>
+                <a:schemeClr val="dk1"/>
+              </a:buClr>
+              <a:buSzPts val="5200"/>
+              <a:buFont typeface="Arial"/>
+              <a:buNone/>
+              <a:defRPr sz="5200" b="0" i="0" u="none" strike="noStrike" cap="none">
+                <a:solidFill>
+                  <a:schemeClr val="dk1"/>
+                </a:solidFill>
+                <a:latin typeface="Arial"/>
+                <a:ea typeface="Arial"/>
+                <a:cs typeface="Arial"/>
+                <a:sym typeface="Arial"/>
+              </a:defRPr>
+            </a:lvl6pPr>
+            <a:lvl7pPr marR="0" lvl="6" algn="ctr" rtl="0">
+              <a:lnSpc>
+                <a:spcPct val="100000"/>
+              </a:lnSpc>
+              <a:spcBef>
+                <a:spcPts val="0"/>
+              </a:spcBef>
+              <a:spcAft>
+                <a:spcPts val="0"/>
+              </a:spcAft>
+              <a:buClr>
+                <a:schemeClr val="dk1"/>
+              </a:buClr>
+              <a:buSzPts val="5200"/>
+              <a:buFont typeface="Arial"/>
+              <a:buNone/>
+              <a:defRPr sz="5200" b="0" i="0" u="none" strike="noStrike" cap="none">
+                <a:solidFill>
+                  <a:schemeClr val="dk1"/>
+                </a:solidFill>
+                <a:latin typeface="Arial"/>
+                <a:ea typeface="Arial"/>
+                <a:cs typeface="Arial"/>
+                <a:sym typeface="Arial"/>
+              </a:defRPr>
+            </a:lvl7pPr>
+            <a:lvl8pPr marR="0" lvl="7" algn="ctr" rtl="0">
+              <a:lnSpc>
+                <a:spcPct val="100000"/>
+              </a:lnSpc>
+              <a:spcBef>
+                <a:spcPts val="0"/>
+              </a:spcBef>
+              <a:spcAft>
+                <a:spcPts val="0"/>
+              </a:spcAft>
+              <a:buClr>
+                <a:schemeClr val="dk1"/>
+              </a:buClr>
+              <a:buSzPts val="5200"/>
+              <a:buFont typeface="Arial"/>
+              <a:buNone/>
+              <a:defRPr sz="5200" b="0" i="0" u="none" strike="noStrike" cap="none">
+                <a:solidFill>
+                  <a:schemeClr val="dk1"/>
+                </a:solidFill>
+                <a:latin typeface="Arial"/>
+                <a:ea typeface="Arial"/>
+                <a:cs typeface="Arial"/>
+                <a:sym typeface="Arial"/>
+              </a:defRPr>
+            </a:lvl8pPr>
+            <a:lvl9pPr marR="0" lvl="8" algn="ctr" rtl="0">
+              <a:lnSpc>
+                <a:spcPct val="100000"/>
+              </a:lnSpc>
+              <a:spcBef>
+                <a:spcPts val="0"/>
+              </a:spcBef>
+              <a:spcAft>
+                <a:spcPts val="0"/>
+              </a:spcAft>
+              <a:buClr>
+                <a:schemeClr val="dk1"/>
+              </a:buClr>
+              <a:buSzPts val="5200"/>
+              <a:buFont typeface="Arial"/>
+              <a:buNone/>
+              <a:defRPr sz="5200" b="0" i="0" u="none" strike="noStrike" cap="none">
+                <a:solidFill>
+                  <a:schemeClr val="dk1"/>
+                </a:solidFill>
+                <a:latin typeface="Arial"/>
+                <a:ea typeface="Arial"/>
+                <a:cs typeface="Arial"/>
+                <a:sym typeface="Arial"/>
+              </a:defRPr>
+            </a:lvl9pPr>
+          </a:lstStyle>
+          <a:p>
+            <a:pPr algn="l"/>
+            <a:r>
+              <a:rPr lang="nl-BE" sz="1400" dirty="0">
+                <a:latin typeface="Cascadia Mono" panose="020B0609020000020004" pitchFamily="49" charset="0"/>
+                <a:ea typeface="Cascadia Mono" panose="020B0609020000020004" pitchFamily="49" charset="0"/>
+                <a:cs typeface="Cascadia Mono" panose="020B0609020000020004" pitchFamily="49" charset="0"/>
+                <a:sym typeface="Montserrat"/>
+                <a:hlinkClick r:id="rId4"/>
+              </a:rPr>
+              <a:t>www.intecbrussel.be</a:t>
+            </a:r>
+            <a:r>
+              <a:rPr lang="nl-BE" sz="1400" dirty="0">
+                <a:latin typeface="Cascadia Mono" panose="020B0609020000020004" pitchFamily="49" charset="0"/>
+                <a:ea typeface="Cascadia Mono" panose="020B0609020000020004" pitchFamily="49" charset="0"/>
+                <a:cs typeface="Cascadia Mono" panose="020B0609020000020004" pitchFamily="49" charset="0"/>
+                <a:sym typeface="Montserrat"/>
+              </a:rPr>
+              <a:t> | </a:t>
+            </a:r>
+            <a:r>
+              <a:rPr lang="nl-BE" sz="1400" dirty="0">
+                <a:latin typeface="Cascadia Mono" panose="020B0609020000020004" pitchFamily="49" charset="0"/>
+                <a:ea typeface="Cascadia Mono" panose="020B0609020000020004" pitchFamily="49" charset="0"/>
+                <a:cs typeface="Cascadia Mono" panose="020B0609020000020004" pitchFamily="49" charset="0"/>
+                <a:sym typeface="Montserrat"/>
+                <a:hlinkClick r:id="rId5"/>
+              </a:rPr>
+              <a:t>yilmaz.mustafa@intecbrussel.be</a:t>
+            </a:r>
+            <a:endParaRPr lang="nl-BE" sz="1400" dirty="0">
+              <a:latin typeface="Cascadia Mono" panose="020B0609020000020004" pitchFamily="49" charset="0"/>
+              <a:ea typeface="Cascadia Mono" panose="020B0609020000020004" pitchFamily="49" charset="0"/>
+              <a:cs typeface="Cascadia Mono" panose="020B0609020000020004" pitchFamily="49" charset="0"/>
+              <a:sym typeface="Montserrat"/>
+            </a:endParaRPr>
+          </a:p>
+          <a:p>
+            <a:pPr algn="l"/>
+            <a:endParaRPr lang="nl-BE" sz="1400" dirty="0">
+              <a:latin typeface="Cascadia Mono" panose="020B0609020000020004" pitchFamily="49" charset="0"/>
+              <a:ea typeface="Cascadia Mono" panose="020B0609020000020004" pitchFamily="49" charset="0"/>
+              <a:cs typeface="Cascadia Mono" panose="020B0609020000020004" pitchFamily="49" charset="0"/>
+              <a:sym typeface="Montserrat"/>
+            </a:endParaRPr>
+          </a:p>
+        </p:txBody>
+      </p:sp>
     </p:spTree>
   </p:cSld>
   <p:clrMapOvr>
@@ -9092,6 +11779,668 @@
               <a:latin typeface="Montserrat"/>
               <a:ea typeface="Montserrat"/>
               <a:cs typeface="Montserrat"/>
+              <a:sym typeface="Montserrat"/>
+            </a:endParaRPr>
+          </a:p>
+        </p:txBody>
+      </p:sp>
+      <p:pic>
+        <p:nvPicPr>
+          <p:cNvPr id="3" name="Picture 2">
+            <a:extLst>
+              <a:ext uri="{FF2B5EF4-FFF2-40B4-BE49-F238E27FC236}">
+                <a16:creationId xmlns:a16="http://schemas.microsoft.com/office/drawing/2014/main" id="{C5362593-A0D5-E67D-10A3-1B6DD2C7F661}"/>
+              </a:ext>
+            </a:extLst>
+          </p:cNvPr>
+          <p:cNvPicPr>
+            <a:picLocks noChangeAspect="1"/>
+          </p:cNvPicPr>
+          <p:nvPr/>
+        </p:nvPicPr>
+        <p:blipFill>
+          <a:blip r:embed="rId3"/>
+          <a:stretch>
+            <a:fillRect/>
+          </a:stretch>
+        </p:blipFill>
+        <p:spPr>
+          <a:xfrm>
+            <a:off x="317513" y="305109"/>
+            <a:ext cx="552140" cy="552140"/>
+          </a:xfrm>
+          <a:prstGeom prst="roundRect">
+            <a:avLst>
+              <a:gd name="adj" fmla="val 8594"/>
+            </a:avLst>
+          </a:prstGeom>
+          <a:solidFill>
+            <a:srgbClr val="FFFFFF">
+              <a:shade val="85000"/>
+            </a:srgbClr>
+          </a:solidFill>
+          <a:ln>
+            <a:noFill/>
+          </a:ln>
+          <a:effectLst>
+            <a:reflection blurRad="12700" stA="38000" endPos="28000" dist="5000" dir="5400000" sy="-100000" algn="bl" rotWithShape="0"/>
+          </a:effectLst>
+        </p:spPr>
+      </p:pic>
+      <p:sp>
+        <p:nvSpPr>
+          <p:cNvPr id="4" name="Google Shape;69;p15">
+            <a:extLst>
+              <a:ext uri="{FF2B5EF4-FFF2-40B4-BE49-F238E27FC236}">
+                <a16:creationId xmlns:a16="http://schemas.microsoft.com/office/drawing/2014/main" id="{E71C487A-15F7-408C-E5F7-79FAB74A2D82}"/>
+              </a:ext>
+            </a:extLst>
+          </p:cNvPr>
+          <p:cNvSpPr txBox="1">
+            <a:spLocks/>
+          </p:cNvSpPr>
+          <p:nvPr/>
+        </p:nvSpPr>
+        <p:spPr>
+          <a:xfrm>
+            <a:off x="6447895" y="250245"/>
+            <a:ext cx="3140592" cy="438149"/>
+          </a:xfrm>
+          <a:prstGeom prst="rect">
+            <a:avLst/>
+          </a:prstGeom>
+          <a:noFill/>
+          <a:ln>
+            <a:noFill/>
+          </a:ln>
+        </p:spPr>
+        <p:txBody>
+          <a:bodyPr spcFirstLastPara="1" wrap="square" lIns="91425" tIns="91425" rIns="91425" bIns="91425" anchor="t" anchorCtr="0">
+            <a:noAutofit/>
+          </a:bodyPr>
+          <a:lstStyle>
+            <a:defPPr marR="0" lvl="0" algn="l" rtl="0">
+              <a:lnSpc>
+                <a:spcPct val="100000"/>
+              </a:lnSpc>
+              <a:spcBef>
+                <a:spcPts val="0"/>
+              </a:spcBef>
+              <a:spcAft>
+                <a:spcPts val="0"/>
+              </a:spcAft>
+            </a:defPPr>
+            <a:lvl1pPr marR="0" lvl="0" algn="ctr" rtl="0">
+              <a:lnSpc>
+                <a:spcPct val="100000"/>
+              </a:lnSpc>
+              <a:spcBef>
+                <a:spcPts val="0"/>
+              </a:spcBef>
+              <a:spcAft>
+                <a:spcPts val="0"/>
+              </a:spcAft>
+              <a:buClr>
+                <a:schemeClr val="dk1"/>
+              </a:buClr>
+              <a:buSzPts val="5200"/>
+              <a:buFont typeface="Arial"/>
+              <a:buNone/>
+              <a:defRPr sz="5200" b="0" i="0" u="none" strike="noStrike" cap="none">
+                <a:solidFill>
+                  <a:schemeClr val="dk1"/>
+                </a:solidFill>
+                <a:latin typeface="Arial"/>
+                <a:ea typeface="Arial"/>
+                <a:cs typeface="Arial"/>
+                <a:sym typeface="Arial"/>
+              </a:defRPr>
+            </a:lvl1pPr>
+            <a:lvl2pPr marR="0" lvl="1" algn="ctr" rtl="0">
+              <a:lnSpc>
+                <a:spcPct val="100000"/>
+              </a:lnSpc>
+              <a:spcBef>
+                <a:spcPts val="0"/>
+              </a:spcBef>
+              <a:spcAft>
+                <a:spcPts val="0"/>
+              </a:spcAft>
+              <a:buClr>
+                <a:schemeClr val="dk1"/>
+              </a:buClr>
+              <a:buSzPts val="5200"/>
+              <a:buFont typeface="Arial"/>
+              <a:buNone/>
+              <a:defRPr sz="5200" b="0" i="0" u="none" strike="noStrike" cap="none">
+                <a:solidFill>
+                  <a:schemeClr val="dk1"/>
+                </a:solidFill>
+                <a:latin typeface="Arial"/>
+                <a:ea typeface="Arial"/>
+                <a:cs typeface="Arial"/>
+                <a:sym typeface="Arial"/>
+              </a:defRPr>
+            </a:lvl2pPr>
+            <a:lvl3pPr marR="0" lvl="2" algn="ctr" rtl="0">
+              <a:lnSpc>
+                <a:spcPct val="100000"/>
+              </a:lnSpc>
+              <a:spcBef>
+                <a:spcPts val="0"/>
+              </a:spcBef>
+              <a:spcAft>
+                <a:spcPts val="0"/>
+              </a:spcAft>
+              <a:buClr>
+                <a:schemeClr val="dk1"/>
+              </a:buClr>
+              <a:buSzPts val="5200"/>
+              <a:buFont typeface="Arial"/>
+              <a:buNone/>
+              <a:defRPr sz="5200" b="0" i="0" u="none" strike="noStrike" cap="none">
+                <a:solidFill>
+                  <a:schemeClr val="dk1"/>
+                </a:solidFill>
+                <a:latin typeface="Arial"/>
+                <a:ea typeface="Arial"/>
+                <a:cs typeface="Arial"/>
+                <a:sym typeface="Arial"/>
+              </a:defRPr>
+            </a:lvl3pPr>
+            <a:lvl4pPr marR="0" lvl="3" algn="ctr" rtl="0">
+              <a:lnSpc>
+                <a:spcPct val="100000"/>
+              </a:lnSpc>
+              <a:spcBef>
+                <a:spcPts val="0"/>
+              </a:spcBef>
+              <a:spcAft>
+                <a:spcPts val="0"/>
+              </a:spcAft>
+              <a:buClr>
+                <a:schemeClr val="dk1"/>
+              </a:buClr>
+              <a:buSzPts val="5200"/>
+              <a:buFont typeface="Arial"/>
+              <a:buNone/>
+              <a:defRPr sz="5200" b="0" i="0" u="none" strike="noStrike" cap="none">
+                <a:solidFill>
+                  <a:schemeClr val="dk1"/>
+                </a:solidFill>
+                <a:latin typeface="Arial"/>
+                <a:ea typeface="Arial"/>
+                <a:cs typeface="Arial"/>
+                <a:sym typeface="Arial"/>
+              </a:defRPr>
+            </a:lvl4pPr>
+            <a:lvl5pPr marR="0" lvl="4" algn="ctr" rtl="0">
+              <a:lnSpc>
+                <a:spcPct val="100000"/>
+              </a:lnSpc>
+              <a:spcBef>
+                <a:spcPts val="0"/>
+              </a:spcBef>
+              <a:spcAft>
+                <a:spcPts val="0"/>
+              </a:spcAft>
+              <a:buClr>
+                <a:schemeClr val="dk1"/>
+              </a:buClr>
+              <a:buSzPts val="5200"/>
+              <a:buFont typeface="Arial"/>
+              <a:buNone/>
+              <a:defRPr sz="5200" b="0" i="0" u="none" strike="noStrike" cap="none">
+                <a:solidFill>
+                  <a:schemeClr val="dk1"/>
+                </a:solidFill>
+                <a:latin typeface="Arial"/>
+                <a:ea typeface="Arial"/>
+                <a:cs typeface="Arial"/>
+                <a:sym typeface="Arial"/>
+              </a:defRPr>
+            </a:lvl5pPr>
+            <a:lvl6pPr marR="0" lvl="5" algn="ctr" rtl="0">
+              <a:lnSpc>
+                <a:spcPct val="100000"/>
+              </a:lnSpc>
+              <a:spcBef>
+                <a:spcPts val="0"/>
+              </a:spcBef>
+              <a:spcAft>
+                <a:spcPts val="0"/>
+              </a:spcAft>
+              <a:buClr>
+                <a:schemeClr val="dk1"/>
+              </a:buClr>
+              <a:buSzPts val="5200"/>
+              <a:buFont typeface="Arial"/>
+              <a:buNone/>
+              <a:defRPr sz="5200" b="0" i="0" u="none" strike="noStrike" cap="none">
+                <a:solidFill>
+                  <a:schemeClr val="dk1"/>
+                </a:solidFill>
+                <a:latin typeface="Arial"/>
+                <a:ea typeface="Arial"/>
+                <a:cs typeface="Arial"/>
+                <a:sym typeface="Arial"/>
+              </a:defRPr>
+            </a:lvl6pPr>
+            <a:lvl7pPr marR="0" lvl="6" algn="ctr" rtl="0">
+              <a:lnSpc>
+                <a:spcPct val="100000"/>
+              </a:lnSpc>
+              <a:spcBef>
+                <a:spcPts val="0"/>
+              </a:spcBef>
+              <a:spcAft>
+                <a:spcPts val="0"/>
+              </a:spcAft>
+              <a:buClr>
+                <a:schemeClr val="dk1"/>
+              </a:buClr>
+              <a:buSzPts val="5200"/>
+              <a:buFont typeface="Arial"/>
+              <a:buNone/>
+              <a:defRPr sz="5200" b="0" i="0" u="none" strike="noStrike" cap="none">
+                <a:solidFill>
+                  <a:schemeClr val="dk1"/>
+                </a:solidFill>
+                <a:latin typeface="Arial"/>
+                <a:ea typeface="Arial"/>
+                <a:cs typeface="Arial"/>
+                <a:sym typeface="Arial"/>
+              </a:defRPr>
+            </a:lvl7pPr>
+            <a:lvl8pPr marR="0" lvl="7" algn="ctr" rtl="0">
+              <a:lnSpc>
+                <a:spcPct val="100000"/>
+              </a:lnSpc>
+              <a:spcBef>
+                <a:spcPts val="0"/>
+              </a:spcBef>
+              <a:spcAft>
+                <a:spcPts val="0"/>
+              </a:spcAft>
+              <a:buClr>
+                <a:schemeClr val="dk1"/>
+              </a:buClr>
+              <a:buSzPts val="5200"/>
+              <a:buFont typeface="Arial"/>
+              <a:buNone/>
+              <a:defRPr sz="5200" b="0" i="0" u="none" strike="noStrike" cap="none">
+                <a:solidFill>
+                  <a:schemeClr val="dk1"/>
+                </a:solidFill>
+                <a:latin typeface="Arial"/>
+                <a:ea typeface="Arial"/>
+                <a:cs typeface="Arial"/>
+                <a:sym typeface="Arial"/>
+              </a:defRPr>
+            </a:lvl8pPr>
+            <a:lvl9pPr marR="0" lvl="8" algn="ctr" rtl="0">
+              <a:lnSpc>
+                <a:spcPct val="100000"/>
+              </a:lnSpc>
+              <a:spcBef>
+                <a:spcPts val="0"/>
+              </a:spcBef>
+              <a:spcAft>
+                <a:spcPts val="0"/>
+              </a:spcAft>
+              <a:buClr>
+                <a:schemeClr val="dk1"/>
+              </a:buClr>
+              <a:buSzPts val="5200"/>
+              <a:buFont typeface="Arial"/>
+              <a:buNone/>
+              <a:defRPr sz="5200" b="0" i="0" u="none" strike="noStrike" cap="none">
+                <a:solidFill>
+                  <a:schemeClr val="dk1"/>
+                </a:solidFill>
+                <a:latin typeface="Arial"/>
+                <a:ea typeface="Arial"/>
+                <a:cs typeface="Arial"/>
+                <a:sym typeface="Arial"/>
+              </a:defRPr>
+            </a:lvl9pPr>
+          </a:lstStyle>
+          <a:p>
+            <a:pPr algn="r"/>
+            <a:r>
+              <a:rPr lang="nl-BE" sz="1400" dirty="0">
+                <a:latin typeface="Cascadia Mono" panose="020B0609020000020004" pitchFamily="49" charset="0"/>
+                <a:ea typeface="Cascadia Mono" panose="020B0609020000020004" pitchFamily="49" charset="0"/>
+                <a:cs typeface="Cascadia Mono" panose="020B0609020000020004" pitchFamily="49" charset="0"/>
+                <a:sym typeface="Montserrat"/>
+              </a:rPr>
+              <a:t>Python Fundamentals</a:t>
+            </a:r>
+          </a:p>
+        </p:txBody>
+      </p:sp>
+      <p:sp>
+        <p:nvSpPr>
+          <p:cNvPr id="5" name="Google Shape;69;p15">
+            <a:extLst>
+              <a:ext uri="{FF2B5EF4-FFF2-40B4-BE49-F238E27FC236}">
+                <a16:creationId xmlns:a16="http://schemas.microsoft.com/office/drawing/2014/main" id="{ACC015B2-C80F-FE14-A09F-9343E1EB77E7}"/>
+              </a:ext>
+            </a:extLst>
+          </p:cNvPr>
+          <p:cNvSpPr txBox="1">
+            <a:spLocks/>
+          </p:cNvSpPr>
+          <p:nvPr/>
+        </p:nvSpPr>
+        <p:spPr>
+          <a:xfrm>
+            <a:off x="107431" y="6372226"/>
+            <a:ext cx="5769493" cy="438149"/>
+          </a:xfrm>
+          <a:prstGeom prst="rect">
+            <a:avLst/>
+          </a:prstGeom>
+          <a:noFill/>
+          <a:ln>
+            <a:noFill/>
+          </a:ln>
+        </p:spPr>
+        <p:txBody>
+          <a:bodyPr spcFirstLastPara="1" wrap="square" lIns="91425" tIns="91425" rIns="91425" bIns="91425" anchor="t" anchorCtr="0">
+            <a:noAutofit/>
+          </a:bodyPr>
+          <a:lstStyle>
+            <a:defPPr marR="0" lvl="0" algn="l" rtl="0">
+              <a:lnSpc>
+                <a:spcPct val="100000"/>
+              </a:lnSpc>
+              <a:spcBef>
+                <a:spcPts val="0"/>
+              </a:spcBef>
+              <a:spcAft>
+                <a:spcPts val="0"/>
+              </a:spcAft>
+            </a:defPPr>
+            <a:lvl1pPr marR="0" lvl="0" algn="ctr" rtl="0">
+              <a:lnSpc>
+                <a:spcPct val="100000"/>
+              </a:lnSpc>
+              <a:spcBef>
+                <a:spcPts val="0"/>
+              </a:spcBef>
+              <a:spcAft>
+                <a:spcPts val="0"/>
+              </a:spcAft>
+              <a:buClr>
+                <a:schemeClr val="dk1"/>
+              </a:buClr>
+              <a:buSzPts val="5200"/>
+              <a:buFont typeface="Arial"/>
+              <a:buNone/>
+              <a:defRPr sz="5200" b="0" i="0" u="none" strike="noStrike" cap="none">
+                <a:solidFill>
+                  <a:schemeClr val="dk1"/>
+                </a:solidFill>
+                <a:latin typeface="Arial"/>
+                <a:ea typeface="Arial"/>
+                <a:cs typeface="Arial"/>
+                <a:sym typeface="Arial"/>
+              </a:defRPr>
+            </a:lvl1pPr>
+            <a:lvl2pPr marR="0" lvl="1" algn="ctr" rtl="0">
+              <a:lnSpc>
+                <a:spcPct val="100000"/>
+              </a:lnSpc>
+              <a:spcBef>
+                <a:spcPts val="0"/>
+              </a:spcBef>
+              <a:spcAft>
+                <a:spcPts val="0"/>
+              </a:spcAft>
+              <a:buClr>
+                <a:schemeClr val="dk1"/>
+              </a:buClr>
+              <a:buSzPts val="5200"/>
+              <a:buFont typeface="Arial"/>
+              <a:buNone/>
+              <a:defRPr sz="5200" b="0" i="0" u="none" strike="noStrike" cap="none">
+                <a:solidFill>
+                  <a:schemeClr val="dk1"/>
+                </a:solidFill>
+                <a:latin typeface="Arial"/>
+                <a:ea typeface="Arial"/>
+                <a:cs typeface="Arial"/>
+                <a:sym typeface="Arial"/>
+              </a:defRPr>
+            </a:lvl2pPr>
+            <a:lvl3pPr marR="0" lvl="2" algn="ctr" rtl="0">
+              <a:lnSpc>
+                <a:spcPct val="100000"/>
+              </a:lnSpc>
+              <a:spcBef>
+                <a:spcPts val="0"/>
+              </a:spcBef>
+              <a:spcAft>
+                <a:spcPts val="0"/>
+              </a:spcAft>
+              <a:buClr>
+                <a:schemeClr val="dk1"/>
+              </a:buClr>
+              <a:buSzPts val="5200"/>
+              <a:buFont typeface="Arial"/>
+              <a:buNone/>
+              <a:defRPr sz="5200" b="0" i="0" u="none" strike="noStrike" cap="none">
+                <a:solidFill>
+                  <a:schemeClr val="dk1"/>
+                </a:solidFill>
+                <a:latin typeface="Arial"/>
+                <a:ea typeface="Arial"/>
+                <a:cs typeface="Arial"/>
+                <a:sym typeface="Arial"/>
+              </a:defRPr>
+            </a:lvl3pPr>
+            <a:lvl4pPr marR="0" lvl="3" algn="ctr" rtl="0">
+              <a:lnSpc>
+                <a:spcPct val="100000"/>
+              </a:lnSpc>
+              <a:spcBef>
+                <a:spcPts val="0"/>
+              </a:spcBef>
+              <a:spcAft>
+                <a:spcPts val="0"/>
+              </a:spcAft>
+              <a:buClr>
+                <a:schemeClr val="dk1"/>
+              </a:buClr>
+              <a:buSzPts val="5200"/>
+              <a:buFont typeface="Arial"/>
+              <a:buNone/>
+              <a:defRPr sz="5200" b="0" i="0" u="none" strike="noStrike" cap="none">
+                <a:solidFill>
+                  <a:schemeClr val="dk1"/>
+                </a:solidFill>
+                <a:latin typeface="Arial"/>
+                <a:ea typeface="Arial"/>
+                <a:cs typeface="Arial"/>
+                <a:sym typeface="Arial"/>
+              </a:defRPr>
+            </a:lvl4pPr>
+            <a:lvl5pPr marR="0" lvl="4" algn="ctr" rtl="0">
+              <a:lnSpc>
+                <a:spcPct val="100000"/>
+              </a:lnSpc>
+              <a:spcBef>
+                <a:spcPts val="0"/>
+              </a:spcBef>
+              <a:spcAft>
+                <a:spcPts val="0"/>
+              </a:spcAft>
+              <a:buClr>
+                <a:schemeClr val="dk1"/>
+              </a:buClr>
+              <a:buSzPts val="5200"/>
+              <a:buFont typeface="Arial"/>
+              <a:buNone/>
+              <a:defRPr sz="5200" b="0" i="0" u="none" strike="noStrike" cap="none">
+                <a:solidFill>
+                  <a:schemeClr val="dk1"/>
+                </a:solidFill>
+                <a:latin typeface="Arial"/>
+                <a:ea typeface="Arial"/>
+                <a:cs typeface="Arial"/>
+                <a:sym typeface="Arial"/>
+              </a:defRPr>
+            </a:lvl5pPr>
+            <a:lvl6pPr marR="0" lvl="5" algn="ctr" rtl="0">
+              <a:lnSpc>
+                <a:spcPct val="100000"/>
+              </a:lnSpc>
+              <a:spcBef>
+                <a:spcPts val="0"/>
+              </a:spcBef>
+              <a:spcAft>
+                <a:spcPts val="0"/>
+              </a:spcAft>
+              <a:buClr>
+                <a:schemeClr val="dk1"/>
+              </a:buClr>
+              <a:buSzPts val="5200"/>
+              <a:buFont typeface="Arial"/>
+              <a:buNone/>
+              <a:defRPr sz="5200" b="0" i="0" u="none" strike="noStrike" cap="none">
+                <a:solidFill>
+                  <a:schemeClr val="dk1"/>
+                </a:solidFill>
+                <a:latin typeface="Arial"/>
+                <a:ea typeface="Arial"/>
+                <a:cs typeface="Arial"/>
+                <a:sym typeface="Arial"/>
+              </a:defRPr>
+            </a:lvl6pPr>
+            <a:lvl7pPr marR="0" lvl="6" algn="ctr" rtl="0">
+              <a:lnSpc>
+                <a:spcPct val="100000"/>
+              </a:lnSpc>
+              <a:spcBef>
+                <a:spcPts val="0"/>
+              </a:spcBef>
+              <a:spcAft>
+                <a:spcPts val="0"/>
+              </a:spcAft>
+              <a:buClr>
+                <a:schemeClr val="dk1"/>
+              </a:buClr>
+              <a:buSzPts val="5200"/>
+              <a:buFont typeface="Arial"/>
+              <a:buNone/>
+              <a:defRPr sz="5200" b="0" i="0" u="none" strike="noStrike" cap="none">
+                <a:solidFill>
+                  <a:schemeClr val="dk1"/>
+                </a:solidFill>
+                <a:latin typeface="Arial"/>
+                <a:ea typeface="Arial"/>
+                <a:cs typeface="Arial"/>
+                <a:sym typeface="Arial"/>
+              </a:defRPr>
+            </a:lvl7pPr>
+            <a:lvl8pPr marR="0" lvl="7" algn="ctr" rtl="0">
+              <a:lnSpc>
+                <a:spcPct val="100000"/>
+              </a:lnSpc>
+              <a:spcBef>
+                <a:spcPts val="0"/>
+              </a:spcBef>
+              <a:spcAft>
+                <a:spcPts val="0"/>
+              </a:spcAft>
+              <a:buClr>
+                <a:schemeClr val="dk1"/>
+              </a:buClr>
+              <a:buSzPts val="5200"/>
+              <a:buFont typeface="Arial"/>
+              <a:buNone/>
+              <a:defRPr sz="5200" b="0" i="0" u="none" strike="noStrike" cap="none">
+                <a:solidFill>
+                  <a:schemeClr val="dk1"/>
+                </a:solidFill>
+                <a:latin typeface="Arial"/>
+                <a:ea typeface="Arial"/>
+                <a:cs typeface="Arial"/>
+                <a:sym typeface="Arial"/>
+              </a:defRPr>
+            </a:lvl8pPr>
+            <a:lvl9pPr marR="0" lvl="8" algn="ctr" rtl="0">
+              <a:lnSpc>
+                <a:spcPct val="100000"/>
+              </a:lnSpc>
+              <a:spcBef>
+                <a:spcPts val="0"/>
+              </a:spcBef>
+              <a:spcAft>
+                <a:spcPts val="0"/>
+              </a:spcAft>
+              <a:buClr>
+                <a:schemeClr val="dk1"/>
+              </a:buClr>
+              <a:buSzPts val="5200"/>
+              <a:buFont typeface="Arial"/>
+              <a:buNone/>
+              <a:defRPr sz="5200" b="0" i="0" u="none" strike="noStrike" cap="none">
+                <a:solidFill>
+                  <a:schemeClr val="dk1"/>
+                </a:solidFill>
+                <a:latin typeface="Arial"/>
+                <a:ea typeface="Arial"/>
+                <a:cs typeface="Arial"/>
+                <a:sym typeface="Arial"/>
+              </a:defRPr>
+            </a:lvl9pPr>
+          </a:lstStyle>
+          <a:p>
+            <a:pPr algn="l"/>
+            <a:r>
+              <a:rPr lang="nl-BE" sz="1400" dirty="0">
+                <a:latin typeface="Cascadia Mono" panose="020B0609020000020004" pitchFamily="49" charset="0"/>
+                <a:ea typeface="Cascadia Mono" panose="020B0609020000020004" pitchFamily="49" charset="0"/>
+                <a:cs typeface="Cascadia Mono" panose="020B0609020000020004" pitchFamily="49" charset="0"/>
+                <a:sym typeface="Montserrat"/>
+                <a:hlinkClick r:id="rId4"/>
+              </a:rPr>
+              <a:t>www.intecbrussel.be</a:t>
+            </a:r>
+            <a:r>
+              <a:rPr lang="nl-BE" sz="1400" dirty="0">
+                <a:latin typeface="Cascadia Mono" panose="020B0609020000020004" pitchFamily="49" charset="0"/>
+                <a:ea typeface="Cascadia Mono" panose="020B0609020000020004" pitchFamily="49" charset="0"/>
+                <a:cs typeface="Cascadia Mono" panose="020B0609020000020004" pitchFamily="49" charset="0"/>
+                <a:sym typeface="Montserrat"/>
+              </a:rPr>
+              <a:t> | </a:t>
+            </a:r>
+            <a:r>
+              <a:rPr lang="nl-BE" sz="1400" dirty="0">
+                <a:latin typeface="Cascadia Mono" panose="020B0609020000020004" pitchFamily="49" charset="0"/>
+                <a:ea typeface="Cascadia Mono" panose="020B0609020000020004" pitchFamily="49" charset="0"/>
+                <a:cs typeface="Cascadia Mono" panose="020B0609020000020004" pitchFamily="49" charset="0"/>
+                <a:sym typeface="Montserrat"/>
+                <a:hlinkClick r:id="rId5"/>
+              </a:rPr>
+              <a:t>yilmaz.mustafa@intecbrussel.be</a:t>
+            </a:r>
+            <a:endParaRPr lang="nl-BE" sz="1400" dirty="0">
+              <a:latin typeface="Cascadia Mono" panose="020B0609020000020004" pitchFamily="49" charset="0"/>
+              <a:ea typeface="Cascadia Mono" panose="020B0609020000020004" pitchFamily="49" charset="0"/>
+              <a:cs typeface="Cascadia Mono" panose="020B0609020000020004" pitchFamily="49" charset="0"/>
+              <a:sym typeface="Montserrat"/>
+            </a:endParaRPr>
+          </a:p>
+          <a:p>
+            <a:pPr algn="l"/>
+            <a:endParaRPr lang="nl-BE" sz="1400" dirty="0">
+              <a:latin typeface="Cascadia Mono" panose="020B0609020000020004" pitchFamily="49" charset="0"/>
+              <a:ea typeface="Cascadia Mono" panose="020B0609020000020004" pitchFamily="49" charset="0"/>
+              <a:cs typeface="Cascadia Mono" panose="020B0609020000020004" pitchFamily="49" charset="0"/>
               <a:sym typeface="Montserrat"/>
             </a:endParaRPr>
           </a:p>
@@ -9337,6 +12686,668 @@
           </a:p>
         </p:txBody>
       </p:sp>
+      <p:pic>
+        <p:nvPicPr>
+          <p:cNvPr id="2" name="Picture 1">
+            <a:extLst>
+              <a:ext uri="{FF2B5EF4-FFF2-40B4-BE49-F238E27FC236}">
+                <a16:creationId xmlns:a16="http://schemas.microsoft.com/office/drawing/2014/main" id="{07D1DAA9-9FD7-C447-6031-5ECBB5D90805}"/>
+              </a:ext>
+            </a:extLst>
+          </p:cNvPr>
+          <p:cNvPicPr>
+            <a:picLocks noChangeAspect="1"/>
+          </p:cNvPicPr>
+          <p:nvPr/>
+        </p:nvPicPr>
+        <p:blipFill>
+          <a:blip r:embed="rId3"/>
+          <a:stretch>
+            <a:fillRect/>
+          </a:stretch>
+        </p:blipFill>
+        <p:spPr>
+          <a:xfrm>
+            <a:off x="317513" y="305109"/>
+            <a:ext cx="552140" cy="552140"/>
+          </a:xfrm>
+          <a:prstGeom prst="roundRect">
+            <a:avLst>
+              <a:gd name="adj" fmla="val 8594"/>
+            </a:avLst>
+          </a:prstGeom>
+          <a:solidFill>
+            <a:srgbClr val="FFFFFF">
+              <a:shade val="85000"/>
+            </a:srgbClr>
+          </a:solidFill>
+          <a:ln>
+            <a:noFill/>
+          </a:ln>
+          <a:effectLst>
+            <a:reflection blurRad="12700" stA="38000" endPos="28000" dist="5000" dir="5400000" sy="-100000" algn="bl" rotWithShape="0"/>
+          </a:effectLst>
+        </p:spPr>
+      </p:pic>
+      <p:sp>
+        <p:nvSpPr>
+          <p:cNvPr id="3" name="Google Shape;69;p15">
+            <a:extLst>
+              <a:ext uri="{FF2B5EF4-FFF2-40B4-BE49-F238E27FC236}">
+                <a16:creationId xmlns:a16="http://schemas.microsoft.com/office/drawing/2014/main" id="{F02CAD75-9661-EB9E-8DCA-D4EE88CEC6E4}"/>
+              </a:ext>
+            </a:extLst>
+          </p:cNvPr>
+          <p:cNvSpPr txBox="1">
+            <a:spLocks/>
+          </p:cNvSpPr>
+          <p:nvPr/>
+        </p:nvSpPr>
+        <p:spPr>
+          <a:xfrm>
+            <a:off x="6447895" y="250245"/>
+            <a:ext cx="3140592" cy="438149"/>
+          </a:xfrm>
+          <a:prstGeom prst="rect">
+            <a:avLst/>
+          </a:prstGeom>
+          <a:noFill/>
+          <a:ln>
+            <a:noFill/>
+          </a:ln>
+        </p:spPr>
+        <p:txBody>
+          <a:bodyPr spcFirstLastPara="1" wrap="square" lIns="91425" tIns="91425" rIns="91425" bIns="91425" anchor="t" anchorCtr="0">
+            <a:noAutofit/>
+          </a:bodyPr>
+          <a:lstStyle>
+            <a:defPPr marR="0" lvl="0" algn="l" rtl="0">
+              <a:lnSpc>
+                <a:spcPct val="100000"/>
+              </a:lnSpc>
+              <a:spcBef>
+                <a:spcPts val="0"/>
+              </a:spcBef>
+              <a:spcAft>
+                <a:spcPts val="0"/>
+              </a:spcAft>
+            </a:defPPr>
+            <a:lvl1pPr marR="0" lvl="0" algn="ctr" rtl="0">
+              <a:lnSpc>
+                <a:spcPct val="100000"/>
+              </a:lnSpc>
+              <a:spcBef>
+                <a:spcPts val="0"/>
+              </a:spcBef>
+              <a:spcAft>
+                <a:spcPts val="0"/>
+              </a:spcAft>
+              <a:buClr>
+                <a:schemeClr val="dk1"/>
+              </a:buClr>
+              <a:buSzPts val="5200"/>
+              <a:buFont typeface="Arial"/>
+              <a:buNone/>
+              <a:defRPr sz="5200" b="0" i="0" u="none" strike="noStrike" cap="none">
+                <a:solidFill>
+                  <a:schemeClr val="dk1"/>
+                </a:solidFill>
+                <a:latin typeface="Arial"/>
+                <a:ea typeface="Arial"/>
+                <a:cs typeface="Arial"/>
+                <a:sym typeface="Arial"/>
+              </a:defRPr>
+            </a:lvl1pPr>
+            <a:lvl2pPr marR="0" lvl="1" algn="ctr" rtl="0">
+              <a:lnSpc>
+                <a:spcPct val="100000"/>
+              </a:lnSpc>
+              <a:spcBef>
+                <a:spcPts val="0"/>
+              </a:spcBef>
+              <a:spcAft>
+                <a:spcPts val="0"/>
+              </a:spcAft>
+              <a:buClr>
+                <a:schemeClr val="dk1"/>
+              </a:buClr>
+              <a:buSzPts val="5200"/>
+              <a:buFont typeface="Arial"/>
+              <a:buNone/>
+              <a:defRPr sz="5200" b="0" i="0" u="none" strike="noStrike" cap="none">
+                <a:solidFill>
+                  <a:schemeClr val="dk1"/>
+                </a:solidFill>
+                <a:latin typeface="Arial"/>
+                <a:ea typeface="Arial"/>
+                <a:cs typeface="Arial"/>
+                <a:sym typeface="Arial"/>
+              </a:defRPr>
+            </a:lvl2pPr>
+            <a:lvl3pPr marR="0" lvl="2" algn="ctr" rtl="0">
+              <a:lnSpc>
+                <a:spcPct val="100000"/>
+              </a:lnSpc>
+              <a:spcBef>
+                <a:spcPts val="0"/>
+              </a:spcBef>
+              <a:spcAft>
+                <a:spcPts val="0"/>
+              </a:spcAft>
+              <a:buClr>
+                <a:schemeClr val="dk1"/>
+              </a:buClr>
+              <a:buSzPts val="5200"/>
+              <a:buFont typeface="Arial"/>
+              <a:buNone/>
+              <a:defRPr sz="5200" b="0" i="0" u="none" strike="noStrike" cap="none">
+                <a:solidFill>
+                  <a:schemeClr val="dk1"/>
+                </a:solidFill>
+                <a:latin typeface="Arial"/>
+                <a:ea typeface="Arial"/>
+                <a:cs typeface="Arial"/>
+                <a:sym typeface="Arial"/>
+              </a:defRPr>
+            </a:lvl3pPr>
+            <a:lvl4pPr marR="0" lvl="3" algn="ctr" rtl="0">
+              <a:lnSpc>
+                <a:spcPct val="100000"/>
+              </a:lnSpc>
+              <a:spcBef>
+                <a:spcPts val="0"/>
+              </a:spcBef>
+              <a:spcAft>
+                <a:spcPts val="0"/>
+              </a:spcAft>
+              <a:buClr>
+                <a:schemeClr val="dk1"/>
+              </a:buClr>
+              <a:buSzPts val="5200"/>
+              <a:buFont typeface="Arial"/>
+              <a:buNone/>
+              <a:defRPr sz="5200" b="0" i="0" u="none" strike="noStrike" cap="none">
+                <a:solidFill>
+                  <a:schemeClr val="dk1"/>
+                </a:solidFill>
+                <a:latin typeface="Arial"/>
+                <a:ea typeface="Arial"/>
+                <a:cs typeface="Arial"/>
+                <a:sym typeface="Arial"/>
+              </a:defRPr>
+            </a:lvl4pPr>
+            <a:lvl5pPr marR="0" lvl="4" algn="ctr" rtl="0">
+              <a:lnSpc>
+                <a:spcPct val="100000"/>
+              </a:lnSpc>
+              <a:spcBef>
+                <a:spcPts val="0"/>
+              </a:spcBef>
+              <a:spcAft>
+                <a:spcPts val="0"/>
+              </a:spcAft>
+              <a:buClr>
+                <a:schemeClr val="dk1"/>
+              </a:buClr>
+              <a:buSzPts val="5200"/>
+              <a:buFont typeface="Arial"/>
+              <a:buNone/>
+              <a:defRPr sz="5200" b="0" i="0" u="none" strike="noStrike" cap="none">
+                <a:solidFill>
+                  <a:schemeClr val="dk1"/>
+                </a:solidFill>
+                <a:latin typeface="Arial"/>
+                <a:ea typeface="Arial"/>
+                <a:cs typeface="Arial"/>
+                <a:sym typeface="Arial"/>
+              </a:defRPr>
+            </a:lvl5pPr>
+            <a:lvl6pPr marR="0" lvl="5" algn="ctr" rtl="0">
+              <a:lnSpc>
+                <a:spcPct val="100000"/>
+              </a:lnSpc>
+              <a:spcBef>
+                <a:spcPts val="0"/>
+              </a:spcBef>
+              <a:spcAft>
+                <a:spcPts val="0"/>
+              </a:spcAft>
+              <a:buClr>
+                <a:schemeClr val="dk1"/>
+              </a:buClr>
+              <a:buSzPts val="5200"/>
+              <a:buFont typeface="Arial"/>
+              <a:buNone/>
+              <a:defRPr sz="5200" b="0" i="0" u="none" strike="noStrike" cap="none">
+                <a:solidFill>
+                  <a:schemeClr val="dk1"/>
+                </a:solidFill>
+                <a:latin typeface="Arial"/>
+                <a:ea typeface="Arial"/>
+                <a:cs typeface="Arial"/>
+                <a:sym typeface="Arial"/>
+              </a:defRPr>
+            </a:lvl6pPr>
+            <a:lvl7pPr marR="0" lvl="6" algn="ctr" rtl="0">
+              <a:lnSpc>
+                <a:spcPct val="100000"/>
+              </a:lnSpc>
+              <a:spcBef>
+                <a:spcPts val="0"/>
+              </a:spcBef>
+              <a:spcAft>
+                <a:spcPts val="0"/>
+              </a:spcAft>
+              <a:buClr>
+                <a:schemeClr val="dk1"/>
+              </a:buClr>
+              <a:buSzPts val="5200"/>
+              <a:buFont typeface="Arial"/>
+              <a:buNone/>
+              <a:defRPr sz="5200" b="0" i="0" u="none" strike="noStrike" cap="none">
+                <a:solidFill>
+                  <a:schemeClr val="dk1"/>
+                </a:solidFill>
+                <a:latin typeface="Arial"/>
+                <a:ea typeface="Arial"/>
+                <a:cs typeface="Arial"/>
+                <a:sym typeface="Arial"/>
+              </a:defRPr>
+            </a:lvl7pPr>
+            <a:lvl8pPr marR="0" lvl="7" algn="ctr" rtl="0">
+              <a:lnSpc>
+                <a:spcPct val="100000"/>
+              </a:lnSpc>
+              <a:spcBef>
+                <a:spcPts val="0"/>
+              </a:spcBef>
+              <a:spcAft>
+                <a:spcPts val="0"/>
+              </a:spcAft>
+              <a:buClr>
+                <a:schemeClr val="dk1"/>
+              </a:buClr>
+              <a:buSzPts val="5200"/>
+              <a:buFont typeface="Arial"/>
+              <a:buNone/>
+              <a:defRPr sz="5200" b="0" i="0" u="none" strike="noStrike" cap="none">
+                <a:solidFill>
+                  <a:schemeClr val="dk1"/>
+                </a:solidFill>
+                <a:latin typeface="Arial"/>
+                <a:ea typeface="Arial"/>
+                <a:cs typeface="Arial"/>
+                <a:sym typeface="Arial"/>
+              </a:defRPr>
+            </a:lvl8pPr>
+            <a:lvl9pPr marR="0" lvl="8" algn="ctr" rtl="0">
+              <a:lnSpc>
+                <a:spcPct val="100000"/>
+              </a:lnSpc>
+              <a:spcBef>
+                <a:spcPts val="0"/>
+              </a:spcBef>
+              <a:spcAft>
+                <a:spcPts val="0"/>
+              </a:spcAft>
+              <a:buClr>
+                <a:schemeClr val="dk1"/>
+              </a:buClr>
+              <a:buSzPts val="5200"/>
+              <a:buFont typeface="Arial"/>
+              <a:buNone/>
+              <a:defRPr sz="5200" b="0" i="0" u="none" strike="noStrike" cap="none">
+                <a:solidFill>
+                  <a:schemeClr val="dk1"/>
+                </a:solidFill>
+                <a:latin typeface="Arial"/>
+                <a:ea typeface="Arial"/>
+                <a:cs typeface="Arial"/>
+                <a:sym typeface="Arial"/>
+              </a:defRPr>
+            </a:lvl9pPr>
+          </a:lstStyle>
+          <a:p>
+            <a:pPr algn="r"/>
+            <a:r>
+              <a:rPr lang="nl-BE" sz="1400" dirty="0">
+                <a:latin typeface="Cascadia Mono" panose="020B0609020000020004" pitchFamily="49" charset="0"/>
+                <a:ea typeface="Cascadia Mono" panose="020B0609020000020004" pitchFamily="49" charset="0"/>
+                <a:cs typeface="Cascadia Mono" panose="020B0609020000020004" pitchFamily="49" charset="0"/>
+                <a:sym typeface="Montserrat"/>
+              </a:rPr>
+              <a:t>Python Fundamentals</a:t>
+            </a:r>
+          </a:p>
+        </p:txBody>
+      </p:sp>
+      <p:sp>
+        <p:nvSpPr>
+          <p:cNvPr id="4" name="Google Shape;69;p15">
+            <a:extLst>
+              <a:ext uri="{FF2B5EF4-FFF2-40B4-BE49-F238E27FC236}">
+                <a16:creationId xmlns:a16="http://schemas.microsoft.com/office/drawing/2014/main" id="{D8D8C595-7289-D0BE-2693-25866677CB24}"/>
+              </a:ext>
+            </a:extLst>
+          </p:cNvPr>
+          <p:cNvSpPr txBox="1">
+            <a:spLocks/>
+          </p:cNvSpPr>
+          <p:nvPr/>
+        </p:nvSpPr>
+        <p:spPr>
+          <a:xfrm>
+            <a:off x="107431" y="6372226"/>
+            <a:ext cx="5769493" cy="438149"/>
+          </a:xfrm>
+          <a:prstGeom prst="rect">
+            <a:avLst/>
+          </a:prstGeom>
+          <a:noFill/>
+          <a:ln>
+            <a:noFill/>
+          </a:ln>
+        </p:spPr>
+        <p:txBody>
+          <a:bodyPr spcFirstLastPara="1" wrap="square" lIns="91425" tIns="91425" rIns="91425" bIns="91425" anchor="t" anchorCtr="0">
+            <a:noAutofit/>
+          </a:bodyPr>
+          <a:lstStyle>
+            <a:defPPr marR="0" lvl="0" algn="l" rtl="0">
+              <a:lnSpc>
+                <a:spcPct val="100000"/>
+              </a:lnSpc>
+              <a:spcBef>
+                <a:spcPts val="0"/>
+              </a:spcBef>
+              <a:spcAft>
+                <a:spcPts val="0"/>
+              </a:spcAft>
+            </a:defPPr>
+            <a:lvl1pPr marR="0" lvl="0" algn="ctr" rtl="0">
+              <a:lnSpc>
+                <a:spcPct val="100000"/>
+              </a:lnSpc>
+              <a:spcBef>
+                <a:spcPts val="0"/>
+              </a:spcBef>
+              <a:spcAft>
+                <a:spcPts val="0"/>
+              </a:spcAft>
+              <a:buClr>
+                <a:schemeClr val="dk1"/>
+              </a:buClr>
+              <a:buSzPts val="5200"/>
+              <a:buFont typeface="Arial"/>
+              <a:buNone/>
+              <a:defRPr sz="5200" b="0" i="0" u="none" strike="noStrike" cap="none">
+                <a:solidFill>
+                  <a:schemeClr val="dk1"/>
+                </a:solidFill>
+                <a:latin typeface="Arial"/>
+                <a:ea typeface="Arial"/>
+                <a:cs typeface="Arial"/>
+                <a:sym typeface="Arial"/>
+              </a:defRPr>
+            </a:lvl1pPr>
+            <a:lvl2pPr marR="0" lvl="1" algn="ctr" rtl="0">
+              <a:lnSpc>
+                <a:spcPct val="100000"/>
+              </a:lnSpc>
+              <a:spcBef>
+                <a:spcPts val="0"/>
+              </a:spcBef>
+              <a:spcAft>
+                <a:spcPts val="0"/>
+              </a:spcAft>
+              <a:buClr>
+                <a:schemeClr val="dk1"/>
+              </a:buClr>
+              <a:buSzPts val="5200"/>
+              <a:buFont typeface="Arial"/>
+              <a:buNone/>
+              <a:defRPr sz="5200" b="0" i="0" u="none" strike="noStrike" cap="none">
+                <a:solidFill>
+                  <a:schemeClr val="dk1"/>
+                </a:solidFill>
+                <a:latin typeface="Arial"/>
+                <a:ea typeface="Arial"/>
+                <a:cs typeface="Arial"/>
+                <a:sym typeface="Arial"/>
+              </a:defRPr>
+            </a:lvl2pPr>
+            <a:lvl3pPr marR="0" lvl="2" algn="ctr" rtl="0">
+              <a:lnSpc>
+                <a:spcPct val="100000"/>
+              </a:lnSpc>
+              <a:spcBef>
+                <a:spcPts val="0"/>
+              </a:spcBef>
+              <a:spcAft>
+                <a:spcPts val="0"/>
+              </a:spcAft>
+              <a:buClr>
+                <a:schemeClr val="dk1"/>
+              </a:buClr>
+              <a:buSzPts val="5200"/>
+              <a:buFont typeface="Arial"/>
+              <a:buNone/>
+              <a:defRPr sz="5200" b="0" i="0" u="none" strike="noStrike" cap="none">
+                <a:solidFill>
+                  <a:schemeClr val="dk1"/>
+                </a:solidFill>
+                <a:latin typeface="Arial"/>
+                <a:ea typeface="Arial"/>
+                <a:cs typeface="Arial"/>
+                <a:sym typeface="Arial"/>
+              </a:defRPr>
+            </a:lvl3pPr>
+            <a:lvl4pPr marR="0" lvl="3" algn="ctr" rtl="0">
+              <a:lnSpc>
+                <a:spcPct val="100000"/>
+              </a:lnSpc>
+              <a:spcBef>
+                <a:spcPts val="0"/>
+              </a:spcBef>
+              <a:spcAft>
+                <a:spcPts val="0"/>
+              </a:spcAft>
+              <a:buClr>
+                <a:schemeClr val="dk1"/>
+              </a:buClr>
+              <a:buSzPts val="5200"/>
+              <a:buFont typeface="Arial"/>
+              <a:buNone/>
+              <a:defRPr sz="5200" b="0" i="0" u="none" strike="noStrike" cap="none">
+                <a:solidFill>
+                  <a:schemeClr val="dk1"/>
+                </a:solidFill>
+                <a:latin typeface="Arial"/>
+                <a:ea typeface="Arial"/>
+                <a:cs typeface="Arial"/>
+                <a:sym typeface="Arial"/>
+              </a:defRPr>
+            </a:lvl4pPr>
+            <a:lvl5pPr marR="0" lvl="4" algn="ctr" rtl="0">
+              <a:lnSpc>
+                <a:spcPct val="100000"/>
+              </a:lnSpc>
+              <a:spcBef>
+                <a:spcPts val="0"/>
+              </a:spcBef>
+              <a:spcAft>
+                <a:spcPts val="0"/>
+              </a:spcAft>
+              <a:buClr>
+                <a:schemeClr val="dk1"/>
+              </a:buClr>
+              <a:buSzPts val="5200"/>
+              <a:buFont typeface="Arial"/>
+              <a:buNone/>
+              <a:defRPr sz="5200" b="0" i="0" u="none" strike="noStrike" cap="none">
+                <a:solidFill>
+                  <a:schemeClr val="dk1"/>
+                </a:solidFill>
+                <a:latin typeface="Arial"/>
+                <a:ea typeface="Arial"/>
+                <a:cs typeface="Arial"/>
+                <a:sym typeface="Arial"/>
+              </a:defRPr>
+            </a:lvl5pPr>
+            <a:lvl6pPr marR="0" lvl="5" algn="ctr" rtl="0">
+              <a:lnSpc>
+                <a:spcPct val="100000"/>
+              </a:lnSpc>
+              <a:spcBef>
+                <a:spcPts val="0"/>
+              </a:spcBef>
+              <a:spcAft>
+                <a:spcPts val="0"/>
+              </a:spcAft>
+              <a:buClr>
+                <a:schemeClr val="dk1"/>
+              </a:buClr>
+              <a:buSzPts val="5200"/>
+              <a:buFont typeface="Arial"/>
+              <a:buNone/>
+              <a:defRPr sz="5200" b="0" i="0" u="none" strike="noStrike" cap="none">
+                <a:solidFill>
+                  <a:schemeClr val="dk1"/>
+                </a:solidFill>
+                <a:latin typeface="Arial"/>
+                <a:ea typeface="Arial"/>
+                <a:cs typeface="Arial"/>
+                <a:sym typeface="Arial"/>
+              </a:defRPr>
+            </a:lvl6pPr>
+            <a:lvl7pPr marR="0" lvl="6" algn="ctr" rtl="0">
+              <a:lnSpc>
+                <a:spcPct val="100000"/>
+              </a:lnSpc>
+              <a:spcBef>
+                <a:spcPts val="0"/>
+              </a:spcBef>
+              <a:spcAft>
+                <a:spcPts val="0"/>
+              </a:spcAft>
+              <a:buClr>
+                <a:schemeClr val="dk1"/>
+              </a:buClr>
+              <a:buSzPts val="5200"/>
+              <a:buFont typeface="Arial"/>
+              <a:buNone/>
+              <a:defRPr sz="5200" b="0" i="0" u="none" strike="noStrike" cap="none">
+                <a:solidFill>
+                  <a:schemeClr val="dk1"/>
+                </a:solidFill>
+                <a:latin typeface="Arial"/>
+                <a:ea typeface="Arial"/>
+                <a:cs typeface="Arial"/>
+                <a:sym typeface="Arial"/>
+              </a:defRPr>
+            </a:lvl7pPr>
+            <a:lvl8pPr marR="0" lvl="7" algn="ctr" rtl="0">
+              <a:lnSpc>
+                <a:spcPct val="100000"/>
+              </a:lnSpc>
+              <a:spcBef>
+                <a:spcPts val="0"/>
+              </a:spcBef>
+              <a:spcAft>
+                <a:spcPts val="0"/>
+              </a:spcAft>
+              <a:buClr>
+                <a:schemeClr val="dk1"/>
+              </a:buClr>
+              <a:buSzPts val="5200"/>
+              <a:buFont typeface="Arial"/>
+              <a:buNone/>
+              <a:defRPr sz="5200" b="0" i="0" u="none" strike="noStrike" cap="none">
+                <a:solidFill>
+                  <a:schemeClr val="dk1"/>
+                </a:solidFill>
+                <a:latin typeface="Arial"/>
+                <a:ea typeface="Arial"/>
+                <a:cs typeface="Arial"/>
+                <a:sym typeface="Arial"/>
+              </a:defRPr>
+            </a:lvl8pPr>
+            <a:lvl9pPr marR="0" lvl="8" algn="ctr" rtl="0">
+              <a:lnSpc>
+                <a:spcPct val="100000"/>
+              </a:lnSpc>
+              <a:spcBef>
+                <a:spcPts val="0"/>
+              </a:spcBef>
+              <a:spcAft>
+                <a:spcPts val="0"/>
+              </a:spcAft>
+              <a:buClr>
+                <a:schemeClr val="dk1"/>
+              </a:buClr>
+              <a:buSzPts val="5200"/>
+              <a:buFont typeface="Arial"/>
+              <a:buNone/>
+              <a:defRPr sz="5200" b="0" i="0" u="none" strike="noStrike" cap="none">
+                <a:solidFill>
+                  <a:schemeClr val="dk1"/>
+                </a:solidFill>
+                <a:latin typeface="Arial"/>
+                <a:ea typeface="Arial"/>
+                <a:cs typeface="Arial"/>
+                <a:sym typeface="Arial"/>
+              </a:defRPr>
+            </a:lvl9pPr>
+          </a:lstStyle>
+          <a:p>
+            <a:pPr algn="l"/>
+            <a:r>
+              <a:rPr lang="nl-BE" sz="1400" dirty="0">
+                <a:latin typeface="Cascadia Mono" panose="020B0609020000020004" pitchFamily="49" charset="0"/>
+                <a:ea typeface="Cascadia Mono" panose="020B0609020000020004" pitchFamily="49" charset="0"/>
+                <a:cs typeface="Cascadia Mono" panose="020B0609020000020004" pitchFamily="49" charset="0"/>
+                <a:sym typeface="Montserrat"/>
+                <a:hlinkClick r:id="rId4"/>
+              </a:rPr>
+              <a:t>www.intecbrussel.be</a:t>
+            </a:r>
+            <a:r>
+              <a:rPr lang="nl-BE" sz="1400" dirty="0">
+                <a:latin typeface="Cascadia Mono" panose="020B0609020000020004" pitchFamily="49" charset="0"/>
+                <a:ea typeface="Cascadia Mono" panose="020B0609020000020004" pitchFamily="49" charset="0"/>
+                <a:cs typeface="Cascadia Mono" panose="020B0609020000020004" pitchFamily="49" charset="0"/>
+                <a:sym typeface="Montserrat"/>
+              </a:rPr>
+              <a:t> | </a:t>
+            </a:r>
+            <a:r>
+              <a:rPr lang="nl-BE" sz="1400" dirty="0">
+                <a:latin typeface="Cascadia Mono" panose="020B0609020000020004" pitchFamily="49" charset="0"/>
+                <a:ea typeface="Cascadia Mono" panose="020B0609020000020004" pitchFamily="49" charset="0"/>
+                <a:cs typeface="Cascadia Mono" panose="020B0609020000020004" pitchFamily="49" charset="0"/>
+                <a:sym typeface="Montserrat"/>
+                <a:hlinkClick r:id="rId5"/>
+              </a:rPr>
+              <a:t>yilmaz.mustafa@intecbrussel.be</a:t>
+            </a:r>
+            <a:endParaRPr lang="nl-BE" sz="1400" dirty="0">
+              <a:latin typeface="Cascadia Mono" panose="020B0609020000020004" pitchFamily="49" charset="0"/>
+              <a:ea typeface="Cascadia Mono" panose="020B0609020000020004" pitchFamily="49" charset="0"/>
+              <a:cs typeface="Cascadia Mono" panose="020B0609020000020004" pitchFamily="49" charset="0"/>
+              <a:sym typeface="Montserrat"/>
+            </a:endParaRPr>
+          </a:p>
+          <a:p>
+            <a:pPr algn="l"/>
+            <a:endParaRPr lang="nl-BE" sz="1400" dirty="0">
+              <a:latin typeface="Cascadia Mono" panose="020B0609020000020004" pitchFamily="49" charset="0"/>
+              <a:ea typeface="Cascadia Mono" panose="020B0609020000020004" pitchFamily="49" charset="0"/>
+              <a:cs typeface="Cascadia Mono" panose="020B0609020000020004" pitchFamily="49" charset="0"/>
+              <a:sym typeface="Montserrat"/>
+            </a:endParaRPr>
+          </a:p>
+        </p:txBody>
+      </p:sp>
     </p:spTree>
   </p:cSld>
   <p:clrMapOvr>
@@ -9596,6 +13607,668 @@
               <a:latin typeface="Montserrat"/>
               <a:ea typeface="Montserrat"/>
               <a:cs typeface="Montserrat"/>
+              <a:sym typeface="Montserrat"/>
+            </a:endParaRPr>
+          </a:p>
+        </p:txBody>
+      </p:sp>
+      <p:pic>
+        <p:nvPicPr>
+          <p:cNvPr id="2" name="Picture 1">
+            <a:extLst>
+              <a:ext uri="{FF2B5EF4-FFF2-40B4-BE49-F238E27FC236}">
+                <a16:creationId xmlns:a16="http://schemas.microsoft.com/office/drawing/2014/main" id="{74277638-56C8-562C-0D37-7932A1903CF2}"/>
+              </a:ext>
+            </a:extLst>
+          </p:cNvPr>
+          <p:cNvPicPr>
+            <a:picLocks noChangeAspect="1"/>
+          </p:cNvPicPr>
+          <p:nvPr/>
+        </p:nvPicPr>
+        <p:blipFill>
+          <a:blip r:embed="rId3"/>
+          <a:stretch>
+            <a:fillRect/>
+          </a:stretch>
+        </p:blipFill>
+        <p:spPr>
+          <a:xfrm>
+            <a:off x="317513" y="305109"/>
+            <a:ext cx="552140" cy="552140"/>
+          </a:xfrm>
+          <a:prstGeom prst="roundRect">
+            <a:avLst>
+              <a:gd name="adj" fmla="val 8594"/>
+            </a:avLst>
+          </a:prstGeom>
+          <a:solidFill>
+            <a:srgbClr val="FFFFFF">
+              <a:shade val="85000"/>
+            </a:srgbClr>
+          </a:solidFill>
+          <a:ln>
+            <a:noFill/>
+          </a:ln>
+          <a:effectLst>
+            <a:reflection blurRad="12700" stA="38000" endPos="28000" dist="5000" dir="5400000" sy="-100000" algn="bl" rotWithShape="0"/>
+          </a:effectLst>
+        </p:spPr>
+      </p:pic>
+      <p:sp>
+        <p:nvSpPr>
+          <p:cNvPr id="3" name="Google Shape;69;p15">
+            <a:extLst>
+              <a:ext uri="{FF2B5EF4-FFF2-40B4-BE49-F238E27FC236}">
+                <a16:creationId xmlns:a16="http://schemas.microsoft.com/office/drawing/2014/main" id="{36445542-D9B3-B2E9-5529-B757E7CA1C21}"/>
+              </a:ext>
+            </a:extLst>
+          </p:cNvPr>
+          <p:cNvSpPr txBox="1">
+            <a:spLocks/>
+          </p:cNvSpPr>
+          <p:nvPr/>
+        </p:nvSpPr>
+        <p:spPr>
+          <a:xfrm>
+            <a:off x="6447895" y="250245"/>
+            <a:ext cx="3140592" cy="438149"/>
+          </a:xfrm>
+          <a:prstGeom prst="rect">
+            <a:avLst/>
+          </a:prstGeom>
+          <a:noFill/>
+          <a:ln>
+            <a:noFill/>
+          </a:ln>
+        </p:spPr>
+        <p:txBody>
+          <a:bodyPr spcFirstLastPara="1" wrap="square" lIns="91425" tIns="91425" rIns="91425" bIns="91425" anchor="t" anchorCtr="0">
+            <a:noAutofit/>
+          </a:bodyPr>
+          <a:lstStyle>
+            <a:defPPr marR="0" lvl="0" algn="l" rtl="0">
+              <a:lnSpc>
+                <a:spcPct val="100000"/>
+              </a:lnSpc>
+              <a:spcBef>
+                <a:spcPts val="0"/>
+              </a:spcBef>
+              <a:spcAft>
+                <a:spcPts val="0"/>
+              </a:spcAft>
+            </a:defPPr>
+            <a:lvl1pPr marR="0" lvl="0" algn="ctr" rtl="0">
+              <a:lnSpc>
+                <a:spcPct val="100000"/>
+              </a:lnSpc>
+              <a:spcBef>
+                <a:spcPts val="0"/>
+              </a:spcBef>
+              <a:spcAft>
+                <a:spcPts val="0"/>
+              </a:spcAft>
+              <a:buClr>
+                <a:schemeClr val="dk1"/>
+              </a:buClr>
+              <a:buSzPts val="5200"/>
+              <a:buFont typeface="Arial"/>
+              <a:buNone/>
+              <a:defRPr sz="5200" b="0" i="0" u="none" strike="noStrike" cap="none">
+                <a:solidFill>
+                  <a:schemeClr val="dk1"/>
+                </a:solidFill>
+                <a:latin typeface="Arial"/>
+                <a:ea typeface="Arial"/>
+                <a:cs typeface="Arial"/>
+                <a:sym typeface="Arial"/>
+              </a:defRPr>
+            </a:lvl1pPr>
+            <a:lvl2pPr marR="0" lvl="1" algn="ctr" rtl="0">
+              <a:lnSpc>
+                <a:spcPct val="100000"/>
+              </a:lnSpc>
+              <a:spcBef>
+                <a:spcPts val="0"/>
+              </a:spcBef>
+              <a:spcAft>
+                <a:spcPts val="0"/>
+              </a:spcAft>
+              <a:buClr>
+                <a:schemeClr val="dk1"/>
+              </a:buClr>
+              <a:buSzPts val="5200"/>
+              <a:buFont typeface="Arial"/>
+              <a:buNone/>
+              <a:defRPr sz="5200" b="0" i="0" u="none" strike="noStrike" cap="none">
+                <a:solidFill>
+                  <a:schemeClr val="dk1"/>
+                </a:solidFill>
+                <a:latin typeface="Arial"/>
+                <a:ea typeface="Arial"/>
+                <a:cs typeface="Arial"/>
+                <a:sym typeface="Arial"/>
+              </a:defRPr>
+            </a:lvl2pPr>
+            <a:lvl3pPr marR="0" lvl="2" algn="ctr" rtl="0">
+              <a:lnSpc>
+                <a:spcPct val="100000"/>
+              </a:lnSpc>
+              <a:spcBef>
+                <a:spcPts val="0"/>
+              </a:spcBef>
+              <a:spcAft>
+                <a:spcPts val="0"/>
+              </a:spcAft>
+              <a:buClr>
+                <a:schemeClr val="dk1"/>
+              </a:buClr>
+              <a:buSzPts val="5200"/>
+              <a:buFont typeface="Arial"/>
+              <a:buNone/>
+              <a:defRPr sz="5200" b="0" i="0" u="none" strike="noStrike" cap="none">
+                <a:solidFill>
+                  <a:schemeClr val="dk1"/>
+                </a:solidFill>
+                <a:latin typeface="Arial"/>
+                <a:ea typeface="Arial"/>
+                <a:cs typeface="Arial"/>
+                <a:sym typeface="Arial"/>
+              </a:defRPr>
+            </a:lvl3pPr>
+            <a:lvl4pPr marR="0" lvl="3" algn="ctr" rtl="0">
+              <a:lnSpc>
+                <a:spcPct val="100000"/>
+              </a:lnSpc>
+              <a:spcBef>
+                <a:spcPts val="0"/>
+              </a:spcBef>
+              <a:spcAft>
+                <a:spcPts val="0"/>
+              </a:spcAft>
+              <a:buClr>
+                <a:schemeClr val="dk1"/>
+              </a:buClr>
+              <a:buSzPts val="5200"/>
+              <a:buFont typeface="Arial"/>
+              <a:buNone/>
+              <a:defRPr sz="5200" b="0" i="0" u="none" strike="noStrike" cap="none">
+                <a:solidFill>
+                  <a:schemeClr val="dk1"/>
+                </a:solidFill>
+                <a:latin typeface="Arial"/>
+                <a:ea typeface="Arial"/>
+                <a:cs typeface="Arial"/>
+                <a:sym typeface="Arial"/>
+              </a:defRPr>
+            </a:lvl4pPr>
+            <a:lvl5pPr marR="0" lvl="4" algn="ctr" rtl="0">
+              <a:lnSpc>
+                <a:spcPct val="100000"/>
+              </a:lnSpc>
+              <a:spcBef>
+                <a:spcPts val="0"/>
+              </a:spcBef>
+              <a:spcAft>
+                <a:spcPts val="0"/>
+              </a:spcAft>
+              <a:buClr>
+                <a:schemeClr val="dk1"/>
+              </a:buClr>
+              <a:buSzPts val="5200"/>
+              <a:buFont typeface="Arial"/>
+              <a:buNone/>
+              <a:defRPr sz="5200" b="0" i="0" u="none" strike="noStrike" cap="none">
+                <a:solidFill>
+                  <a:schemeClr val="dk1"/>
+                </a:solidFill>
+                <a:latin typeface="Arial"/>
+                <a:ea typeface="Arial"/>
+                <a:cs typeface="Arial"/>
+                <a:sym typeface="Arial"/>
+              </a:defRPr>
+            </a:lvl5pPr>
+            <a:lvl6pPr marR="0" lvl="5" algn="ctr" rtl="0">
+              <a:lnSpc>
+                <a:spcPct val="100000"/>
+              </a:lnSpc>
+              <a:spcBef>
+                <a:spcPts val="0"/>
+              </a:spcBef>
+              <a:spcAft>
+                <a:spcPts val="0"/>
+              </a:spcAft>
+              <a:buClr>
+                <a:schemeClr val="dk1"/>
+              </a:buClr>
+              <a:buSzPts val="5200"/>
+              <a:buFont typeface="Arial"/>
+              <a:buNone/>
+              <a:defRPr sz="5200" b="0" i="0" u="none" strike="noStrike" cap="none">
+                <a:solidFill>
+                  <a:schemeClr val="dk1"/>
+                </a:solidFill>
+                <a:latin typeface="Arial"/>
+                <a:ea typeface="Arial"/>
+                <a:cs typeface="Arial"/>
+                <a:sym typeface="Arial"/>
+              </a:defRPr>
+            </a:lvl6pPr>
+            <a:lvl7pPr marR="0" lvl="6" algn="ctr" rtl="0">
+              <a:lnSpc>
+                <a:spcPct val="100000"/>
+              </a:lnSpc>
+              <a:spcBef>
+                <a:spcPts val="0"/>
+              </a:spcBef>
+              <a:spcAft>
+                <a:spcPts val="0"/>
+              </a:spcAft>
+              <a:buClr>
+                <a:schemeClr val="dk1"/>
+              </a:buClr>
+              <a:buSzPts val="5200"/>
+              <a:buFont typeface="Arial"/>
+              <a:buNone/>
+              <a:defRPr sz="5200" b="0" i="0" u="none" strike="noStrike" cap="none">
+                <a:solidFill>
+                  <a:schemeClr val="dk1"/>
+                </a:solidFill>
+                <a:latin typeface="Arial"/>
+                <a:ea typeface="Arial"/>
+                <a:cs typeface="Arial"/>
+                <a:sym typeface="Arial"/>
+              </a:defRPr>
+            </a:lvl7pPr>
+            <a:lvl8pPr marR="0" lvl="7" algn="ctr" rtl="0">
+              <a:lnSpc>
+                <a:spcPct val="100000"/>
+              </a:lnSpc>
+              <a:spcBef>
+                <a:spcPts val="0"/>
+              </a:spcBef>
+              <a:spcAft>
+                <a:spcPts val="0"/>
+              </a:spcAft>
+              <a:buClr>
+                <a:schemeClr val="dk1"/>
+              </a:buClr>
+              <a:buSzPts val="5200"/>
+              <a:buFont typeface="Arial"/>
+              <a:buNone/>
+              <a:defRPr sz="5200" b="0" i="0" u="none" strike="noStrike" cap="none">
+                <a:solidFill>
+                  <a:schemeClr val="dk1"/>
+                </a:solidFill>
+                <a:latin typeface="Arial"/>
+                <a:ea typeface="Arial"/>
+                <a:cs typeface="Arial"/>
+                <a:sym typeface="Arial"/>
+              </a:defRPr>
+            </a:lvl8pPr>
+            <a:lvl9pPr marR="0" lvl="8" algn="ctr" rtl="0">
+              <a:lnSpc>
+                <a:spcPct val="100000"/>
+              </a:lnSpc>
+              <a:spcBef>
+                <a:spcPts val="0"/>
+              </a:spcBef>
+              <a:spcAft>
+                <a:spcPts val="0"/>
+              </a:spcAft>
+              <a:buClr>
+                <a:schemeClr val="dk1"/>
+              </a:buClr>
+              <a:buSzPts val="5200"/>
+              <a:buFont typeface="Arial"/>
+              <a:buNone/>
+              <a:defRPr sz="5200" b="0" i="0" u="none" strike="noStrike" cap="none">
+                <a:solidFill>
+                  <a:schemeClr val="dk1"/>
+                </a:solidFill>
+                <a:latin typeface="Arial"/>
+                <a:ea typeface="Arial"/>
+                <a:cs typeface="Arial"/>
+                <a:sym typeface="Arial"/>
+              </a:defRPr>
+            </a:lvl9pPr>
+          </a:lstStyle>
+          <a:p>
+            <a:pPr algn="r"/>
+            <a:r>
+              <a:rPr lang="nl-BE" sz="1400" dirty="0">
+                <a:latin typeface="Cascadia Mono" panose="020B0609020000020004" pitchFamily="49" charset="0"/>
+                <a:ea typeface="Cascadia Mono" panose="020B0609020000020004" pitchFamily="49" charset="0"/>
+                <a:cs typeface="Cascadia Mono" panose="020B0609020000020004" pitchFamily="49" charset="0"/>
+                <a:sym typeface="Montserrat"/>
+              </a:rPr>
+              <a:t>Python Fundamentals</a:t>
+            </a:r>
+          </a:p>
+        </p:txBody>
+      </p:sp>
+      <p:sp>
+        <p:nvSpPr>
+          <p:cNvPr id="4" name="Google Shape;69;p15">
+            <a:extLst>
+              <a:ext uri="{FF2B5EF4-FFF2-40B4-BE49-F238E27FC236}">
+                <a16:creationId xmlns:a16="http://schemas.microsoft.com/office/drawing/2014/main" id="{5414FCF9-374B-09DF-A017-30B893103FE4}"/>
+              </a:ext>
+            </a:extLst>
+          </p:cNvPr>
+          <p:cNvSpPr txBox="1">
+            <a:spLocks/>
+          </p:cNvSpPr>
+          <p:nvPr/>
+        </p:nvSpPr>
+        <p:spPr>
+          <a:xfrm>
+            <a:off x="107431" y="6372226"/>
+            <a:ext cx="5769493" cy="438149"/>
+          </a:xfrm>
+          <a:prstGeom prst="rect">
+            <a:avLst/>
+          </a:prstGeom>
+          <a:noFill/>
+          <a:ln>
+            <a:noFill/>
+          </a:ln>
+        </p:spPr>
+        <p:txBody>
+          <a:bodyPr spcFirstLastPara="1" wrap="square" lIns="91425" tIns="91425" rIns="91425" bIns="91425" anchor="t" anchorCtr="0">
+            <a:noAutofit/>
+          </a:bodyPr>
+          <a:lstStyle>
+            <a:defPPr marR="0" lvl="0" algn="l" rtl="0">
+              <a:lnSpc>
+                <a:spcPct val="100000"/>
+              </a:lnSpc>
+              <a:spcBef>
+                <a:spcPts val="0"/>
+              </a:spcBef>
+              <a:spcAft>
+                <a:spcPts val="0"/>
+              </a:spcAft>
+            </a:defPPr>
+            <a:lvl1pPr marR="0" lvl="0" algn="ctr" rtl="0">
+              <a:lnSpc>
+                <a:spcPct val="100000"/>
+              </a:lnSpc>
+              <a:spcBef>
+                <a:spcPts val="0"/>
+              </a:spcBef>
+              <a:spcAft>
+                <a:spcPts val="0"/>
+              </a:spcAft>
+              <a:buClr>
+                <a:schemeClr val="dk1"/>
+              </a:buClr>
+              <a:buSzPts val="5200"/>
+              <a:buFont typeface="Arial"/>
+              <a:buNone/>
+              <a:defRPr sz="5200" b="0" i="0" u="none" strike="noStrike" cap="none">
+                <a:solidFill>
+                  <a:schemeClr val="dk1"/>
+                </a:solidFill>
+                <a:latin typeface="Arial"/>
+                <a:ea typeface="Arial"/>
+                <a:cs typeface="Arial"/>
+                <a:sym typeface="Arial"/>
+              </a:defRPr>
+            </a:lvl1pPr>
+            <a:lvl2pPr marR="0" lvl="1" algn="ctr" rtl="0">
+              <a:lnSpc>
+                <a:spcPct val="100000"/>
+              </a:lnSpc>
+              <a:spcBef>
+                <a:spcPts val="0"/>
+              </a:spcBef>
+              <a:spcAft>
+                <a:spcPts val="0"/>
+              </a:spcAft>
+              <a:buClr>
+                <a:schemeClr val="dk1"/>
+              </a:buClr>
+              <a:buSzPts val="5200"/>
+              <a:buFont typeface="Arial"/>
+              <a:buNone/>
+              <a:defRPr sz="5200" b="0" i="0" u="none" strike="noStrike" cap="none">
+                <a:solidFill>
+                  <a:schemeClr val="dk1"/>
+                </a:solidFill>
+                <a:latin typeface="Arial"/>
+                <a:ea typeface="Arial"/>
+                <a:cs typeface="Arial"/>
+                <a:sym typeface="Arial"/>
+              </a:defRPr>
+            </a:lvl2pPr>
+            <a:lvl3pPr marR="0" lvl="2" algn="ctr" rtl="0">
+              <a:lnSpc>
+                <a:spcPct val="100000"/>
+              </a:lnSpc>
+              <a:spcBef>
+                <a:spcPts val="0"/>
+              </a:spcBef>
+              <a:spcAft>
+                <a:spcPts val="0"/>
+              </a:spcAft>
+              <a:buClr>
+                <a:schemeClr val="dk1"/>
+              </a:buClr>
+              <a:buSzPts val="5200"/>
+              <a:buFont typeface="Arial"/>
+              <a:buNone/>
+              <a:defRPr sz="5200" b="0" i="0" u="none" strike="noStrike" cap="none">
+                <a:solidFill>
+                  <a:schemeClr val="dk1"/>
+                </a:solidFill>
+                <a:latin typeface="Arial"/>
+                <a:ea typeface="Arial"/>
+                <a:cs typeface="Arial"/>
+                <a:sym typeface="Arial"/>
+              </a:defRPr>
+            </a:lvl3pPr>
+            <a:lvl4pPr marR="0" lvl="3" algn="ctr" rtl="0">
+              <a:lnSpc>
+                <a:spcPct val="100000"/>
+              </a:lnSpc>
+              <a:spcBef>
+                <a:spcPts val="0"/>
+              </a:spcBef>
+              <a:spcAft>
+                <a:spcPts val="0"/>
+              </a:spcAft>
+              <a:buClr>
+                <a:schemeClr val="dk1"/>
+              </a:buClr>
+              <a:buSzPts val="5200"/>
+              <a:buFont typeface="Arial"/>
+              <a:buNone/>
+              <a:defRPr sz="5200" b="0" i="0" u="none" strike="noStrike" cap="none">
+                <a:solidFill>
+                  <a:schemeClr val="dk1"/>
+                </a:solidFill>
+                <a:latin typeface="Arial"/>
+                <a:ea typeface="Arial"/>
+                <a:cs typeface="Arial"/>
+                <a:sym typeface="Arial"/>
+              </a:defRPr>
+            </a:lvl4pPr>
+            <a:lvl5pPr marR="0" lvl="4" algn="ctr" rtl="0">
+              <a:lnSpc>
+                <a:spcPct val="100000"/>
+              </a:lnSpc>
+              <a:spcBef>
+                <a:spcPts val="0"/>
+              </a:spcBef>
+              <a:spcAft>
+                <a:spcPts val="0"/>
+              </a:spcAft>
+              <a:buClr>
+                <a:schemeClr val="dk1"/>
+              </a:buClr>
+              <a:buSzPts val="5200"/>
+              <a:buFont typeface="Arial"/>
+              <a:buNone/>
+              <a:defRPr sz="5200" b="0" i="0" u="none" strike="noStrike" cap="none">
+                <a:solidFill>
+                  <a:schemeClr val="dk1"/>
+                </a:solidFill>
+                <a:latin typeface="Arial"/>
+                <a:ea typeface="Arial"/>
+                <a:cs typeface="Arial"/>
+                <a:sym typeface="Arial"/>
+              </a:defRPr>
+            </a:lvl5pPr>
+            <a:lvl6pPr marR="0" lvl="5" algn="ctr" rtl="0">
+              <a:lnSpc>
+                <a:spcPct val="100000"/>
+              </a:lnSpc>
+              <a:spcBef>
+                <a:spcPts val="0"/>
+              </a:spcBef>
+              <a:spcAft>
+                <a:spcPts val="0"/>
+              </a:spcAft>
+              <a:buClr>
+                <a:schemeClr val="dk1"/>
+              </a:buClr>
+              <a:buSzPts val="5200"/>
+              <a:buFont typeface="Arial"/>
+              <a:buNone/>
+              <a:defRPr sz="5200" b="0" i="0" u="none" strike="noStrike" cap="none">
+                <a:solidFill>
+                  <a:schemeClr val="dk1"/>
+                </a:solidFill>
+                <a:latin typeface="Arial"/>
+                <a:ea typeface="Arial"/>
+                <a:cs typeface="Arial"/>
+                <a:sym typeface="Arial"/>
+              </a:defRPr>
+            </a:lvl6pPr>
+            <a:lvl7pPr marR="0" lvl="6" algn="ctr" rtl="0">
+              <a:lnSpc>
+                <a:spcPct val="100000"/>
+              </a:lnSpc>
+              <a:spcBef>
+                <a:spcPts val="0"/>
+              </a:spcBef>
+              <a:spcAft>
+                <a:spcPts val="0"/>
+              </a:spcAft>
+              <a:buClr>
+                <a:schemeClr val="dk1"/>
+              </a:buClr>
+              <a:buSzPts val="5200"/>
+              <a:buFont typeface="Arial"/>
+              <a:buNone/>
+              <a:defRPr sz="5200" b="0" i="0" u="none" strike="noStrike" cap="none">
+                <a:solidFill>
+                  <a:schemeClr val="dk1"/>
+                </a:solidFill>
+                <a:latin typeface="Arial"/>
+                <a:ea typeface="Arial"/>
+                <a:cs typeface="Arial"/>
+                <a:sym typeface="Arial"/>
+              </a:defRPr>
+            </a:lvl7pPr>
+            <a:lvl8pPr marR="0" lvl="7" algn="ctr" rtl="0">
+              <a:lnSpc>
+                <a:spcPct val="100000"/>
+              </a:lnSpc>
+              <a:spcBef>
+                <a:spcPts val="0"/>
+              </a:spcBef>
+              <a:spcAft>
+                <a:spcPts val="0"/>
+              </a:spcAft>
+              <a:buClr>
+                <a:schemeClr val="dk1"/>
+              </a:buClr>
+              <a:buSzPts val="5200"/>
+              <a:buFont typeface="Arial"/>
+              <a:buNone/>
+              <a:defRPr sz="5200" b="0" i="0" u="none" strike="noStrike" cap="none">
+                <a:solidFill>
+                  <a:schemeClr val="dk1"/>
+                </a:solidFill>
+                <a:latin typeface="Arial"/>
+                <a:ea typeface="Arial"/>
+                <a:cs typeface="Arial"/>
+                <a:sym typeface="Arial"/>
+              </a:defRPr>
+            </a:lvl8pPr>
+            <a:lvl9pPr marR="0" lvl="8" algn="ctr" rtl="0">
+              <a:lnSpc>
+                <a:spcPct val="100000"/>
+              </a:lnSpc>
+              <a:spcBef>
+                <a:spcPts val="0"/>
+              </a:spcBef>
+              <a:spcAft>
+                <a:spcPts val="0"/>
+              </a:spcAft>
+              <a:buClr>
+                <a:schemeClr val="dk1"/>
+              </a:buClr>
+              <a:buSzPts val="5200"/>
+              <a:buFont typeface="Arial"/>
+              <a:buNone/>
+              <a:defRPr sz="5200" b="0" i="0" u="none" strike="noStrike" cap="none">
+                <a:solidFill>
+                  <a:schemeClr val="dk1"/>
+                </a:solidFill>
+                <a:latin typeface="Arial"/>
+                <a:ea typeface="Arial"/>
+                <a:cs typeface="Arial"/>
+                <a:sym typeface="Arial"/>
+              </a:defRPr>
+            </a:lvl9pPr>
+          </a:lstStyle>
+          <a:p>
+            <a:pPr algn="l"/>
+            <a:r>
+              <a:rPr lang="nl-BE" sz="1400" dirty="0">
+                <a:latin typeface="Cascadia Mono" panose="020B0609020000020004" pitchFamily="49" charset="0"/>
+                <a:ea typeface="Cascadia Mono" panose="020B0609020000020004" pitchFamily="49" charset="0"/>
+                <a:cs typeface="Cascadia Mono" panose="020B0609020000020004" pitchFamily="49" charset="0"/>
+                <a:sym typeface="Montserrat"/>
+                <a:hlinkClick r:id="rId4"/>
+              </a:rPr>
+              <a:t>www.intecbrussel.be</a:t>
+            </a:r>
+            <a:r>
+              <a:rPr lang="nl-BE" sz="1400" dirty="0">
+                <a:latin typeface="Cascadia Mono" panose="020B0609020000020004" pitchFamily="49" charset="0"/>
+                <a:ea typeface="Cascadia Mono" panose="020B0609020000020004" pitchFamily="49" charset="0"/>
+                <a:cs typeface="Cascadia Mono" panose="020B0609020000020004" pitchFamily="49" charset="0"/>
+                <a:sym typeface="Montserrat"/>
+              </a:rPr>
+              <a:t> | </a:t>
+            </a:r>
+            <a:r>
+              <a:rPr lang="nl-BE" sz="1400" dirty="0">
+                <a:latin typeface="Cascadia Mono" panose="020B0609020000020004" pitchFamily="49" charset="0"/>
+                <a:ea typeface="Cascadia Mono" panose="020B0609020000020004" pitchFamily="49" charset="0"/>
+                <a:cs typeface="Cascadia Mono" panose="020B0609020000020004" pitchFamily="49" charset="0"/>
+                <a:sym typeface="Montserrat"/>
+                <a:hlinkClick r:id="rId5"/>
+              </a:rPr>
+              <a:t>yilmaz.mustafa@intecbrussel.be</a:t>
+            </a:r>
+            <a:endParaRPr lang="nl-BE" sz="1400" dirty="0">
+              <a:latin typeface="Cascadia Mono" panose="020B0609020000020004" pitchFamily="49" charset="0"/>
+              <a:ea typeface="Cascadia Mono" panose="020B0609020000020004" pitchFamily="49" charset="0"/>
+              <a:cs typeface="Cascadia Mono" panose="020B0609020000020004" pitchFamily="49" charset="0"/>
+              <a:sym typeface="Montserrat"/>
+            </a:endParaRPr>
+          </a:p>
+          <a:p>
+            <a:pPr algn="l"/>
+            <a:endParaRPr lang="nl-BE" sz="1400" dirty="0">
+              <a:latin typeface="Cascadia Mono" panose="020B0609020000020004" pitchFamily="49" charset="0"/>
+              <a:ea typeface="Cascadia Mono" panose="020B0609020000020004" pitchFamily="49" charset="0"/>
+              <a:cs typeface="Cascadia Mono" panose="020B0609020000020004" pitchFamily="49" charset="0"/>
               <a:sym typeface="Montserrat"/>
             </a:endParaRPr>
           </a:p>
@@ -9760,6 +14433,668 @@
           </a:p>
         </p:txBody>
       </p:sp>
+      <p:pic>
+        <p:nvPicPr>
+          <p:cNvPr id="2" name="Picture 1">
+            <a:extLst>
+              <a:ext uri="{FF2B5EF4-FFF2-40B4-BE49-F238E27FC236}">
+                <a16:creationId xmlns:a16="http://schemas.microsoft.com/office/drawing/2014/main" id="{1110816D-C0DF-5135-FDF0-6E1F3AD684B2}"/>
+              </a:ext>
+            </a:extLst>
+          </p:cNvPr>
+          <p:cNvPicPr>
+            <a:picLocks noChangeAspect="1"/>
+          </p:cNvPicPr>
+          <p:nvPr/>
+        </p:nvPicPr>
+        <p:blipFill>
+          <a:blip r:embed="rId3"/>
+          <a:stretch>
+            <a:fillRect/>
+          </a:stretch>
+        </p:blipFill>
+        <p:spPr>
+          <a:xfrm>
+            <a:off x="317513" y="305109"/>
+            <a:ext cx="552140" cy="552140"/>
+          </a:xfrm>
+          <a:prstGeom prst="roundRect">
+            <a:avLst>
+              <a:gd name="adj" fmla="val 8594"/>
+            </a:avLst>
+          </a:prstGeom>
+          <a:solidFill>
+            <a:srgbClr val="FFFFFF">
+              <a:shade val="85000"/>
+            </a:srgbClr>
+          </a:solidFill>
+          <a:ln>
+            <a:noFill/>
+          </a:ln>
+          <a:effectLst>
+            <a:reflection blurRad="12700" stA="38000" endPos="28000" dist="5000" dir="5400000" sy="-100000" algn="bl" rotWithShape="0"/>
+          </a:effectLst>
+        </p:spPr>
+      </p:pic>
+      <p:sp>
+        <p:nvSpPr>
+          <p:cNvPr id="3" name="Google Shape;69;p15">
+            <a:extLst>
+              <a:ext uri="{FF2B5EF4-FFF2-40B4-BE49-F238E27FC236}">
+                <a16:creationId xmlns:a16="http://schemas.microsoft.com/office/drawing/2014/main" id="{40A208C7-CA29-1BCC-7CD2-347CF7364FC2}"/>
+              </a:ext>
+            </a:extLst>
+          </p:cNvPr>
+          <p:cNvSpPr txBox="1">
+            <a:spLocks/>
+          </p:cNvSpPr>
+          <p:nvPr/>
+        </p:nvSpPr>
+        <p:spPr>
+          <a:xfrm>
+            <a:off x="6447895" y="250245"/>
+            <a:ext cx="3140592" cy="438149"/>
+          </a:xfrm>
+          <a:prstGeom prst="rect">
+            <a:avLst/>
+          </a:prstGeom>
+          <a:noFill/>
+          <a:ln>
+            <a:noFill/>
+          </a:ln>
+        </p:spPr>
+        <p:txBody>
+          <a:bodyPr spcFirstLastPara="1" wrap="square" lIns="91425" tIns="91425" rIns="91425" bIns="91425" anchor="t" anchorCtr="0">
+            <a:noAutofit/>
+          </a:bodyPr>
+          <a:lstStyle>
+            <a:defPPr marR="0" lvl="0" algn="l" rtl="0">
+              <a:lnSpc>
+                <a:spcPct val="100000"/>
+              </a:lnSpc>
+              <a:spcBef>
+                <a:spcPts val="0"/>
+              </a:spcBef>
+              <a:spcAft>
+                <a:spcPts val="0"/>
+              </a:spcAft>
+            </a:defPPr>
+            <a:lvl1pPr marR="0" lvl="0" algn="ctr" rtl="0">
+              <a:lnSpc>
+                <a:spcPct val="100000"/>
+              </a:lnSpc>
+              <a:spcBef>
+                <a:spcPts val="0"/>
+              </a:spcBef>
+              <a:spcAft>
+                <a:spcPts val="0"/>
+              </a:spcAft>
+              <a:buClr>
+                <a:schemeClr val="dk1"/>
+              </a:buClr>
+              <a:buSzPts val="5200"/>
+              <a:buFont typeface="Arial"/>
+              <a:buNone/>
+              <a:defRPr sz="5200" b="0" i="0" u="none" strike="noStrike" cap="none">
+                <a:solidFill>
+                  <a:schemeClr val="dk1"/>
+                </a:solidFill>
+                <a:latin typeface="Arial"/>
+                <a:ea typeface="Arial"/>
+                <a:cs typeface="Arial"/>
+                <a:sym typeface="Arial"/>
+              </a:defRPr>
+            </a:lvl1pPr>
+            <a:lvl2pPr marR="0" lvl="1" algn="ctr" rtl="0">
+              <a:lnSpc>
+                <a:spcPct val="100000"/>
+              </a:lnSpc>
+              <a:spcBef>
+                <a:spcPts val="0"/>
+              </a:spcBef>
+              <a:spcAft>
+                <a:spcPts val="0"/>
+              </a:spcAft>
+              <a:buClr>
+                <a:schemeClr val="dk1"/>
+              </a:buClr>
+              <a:buSzPts val="5200"/>
+              <a:buFont typeface="Arial"/>
+              <a:buNone/>
+              <a:defRPr sz="5200" b="0" i="0" u="none" strike="noStrike" cap="none">
+                <a:solidFill>
+                  <a:schemeClr val="dk1"/>
+                </a:solidFill>
+                <a:latin typeface="Arial"/>
+                <a:ea typeface="Arial"/>
+                <a:cs typeface="Arial"/>
+                <a:sym typeface="Arial"/>
+              </a:defRPr>
+            </a:lvl2pPr>
+            <a:lvl3pPr marR="0" lvl="2" algn="ctr" rtl="0">
+              <a:lnSpc>
+                <a:spcPct val="100000"/>
+              </a:lnSpc>
+              <a:spcBef>
+                <a:spcPts val="0"/>
+              </a:spcBef>
+              <a:spcAft>
+                <a:spcPts val="0"/>
+              </a:spcAft>
+              <a:buClr>
+                <a:schemeClr val="dk1"/>
+              </a:buClr>
+              <a:buSzPts val="5200"/>
+              <a:buFont typeface="Arial"/>
+              <a:buNone/>
+              <a:defRPr sz="5200" b="0" i="0" u="none" strike="noStrike" cap="none">
+                <a:solidFill>
+                  <a:schemeClr val="dk1"/>
+                </a:solidFill>
+                <a:latin typeface="Arial"/>
+                <a:ea typeface="Arial"/>
+                <a:cs typeface="Arial"/>
+                <a:sym typeface="Arial"/>
+              </a:defRPr>
+            </a:lvl3pPr>
+            <a:lvl4pPr marR="0" lvl="3" algn="ctr" rtl="0">
+              <a:lnSpc>
+                <a:spcPct val="100000"/>
+              </a:lnSpc>
+              <a:spcBef>
+                <a:spcPts val="0"/>
+              </a:spcBef>
+              <a:spcAft>
+                <a:spcPts val="0"/>
+              </a:spcAft>
+              <a:buClr>
+                <a:schemeClr val="dk1"/>
+              </a:buClr>
+              <a:buSzPts val="5200"/>
+              <a:buFont typeface="Arial"/>
+              <a:buNone/>
+              <a:defRPr sz="5200" b="0" i="0" u="none" strike="noStrike" cap="none">
+                <a:solidFill>
+                  <a:schemeClr val="dk1"/>
+                </a:solidFill>
+                <a:latin typeface="Arial"/>
+                <a:ea typeface="Arial"/>
+                <a:cs typeface="Arial"/>
+                <a:sym typeface="Arial"/>
+              </a:defRPr>
+            </a:lvl4pPr>
+            <a:lvl5pPr marR="0" lvl="4" algn="ctr" rtl="0">
+              <a:lnSpc>
+                <a:spcPct val="100000"/>
+              </a:lnSpc>
+              <a:spcBef>
+                <a:spcPts val="0"/>
+              </a:spcBef>
+              <a:spcAft>
+                <a:spcPts val="0"/>
+              </a:spcAft>
+              <a:buClr>
+                <a:schemeClr val="dk1"/>
+              </a:buClr>
+              <a:buSzPts val="5200"/>
+              <a:buFont typeface="Arial"/>
+              <a:buNone/>
+              <a:defRPr sz="5200" b="0" i="0" u="none" strike="noStrike" cap="none">
+                <a:solidFill>
+                  <a:schemeClr val="dk1"/>
+                </a:solidFill>
+                <a:latin typeface="Arial"/>
+                <a:ea typeface="Arial"/>
+                <a:cs typeface="Arial"/>
+                <a:sym typeface="Arial"/>
+              </a:defRPr>
+            </a:lvl5pPr>
+            <a:lvl6pPr marR="0" lvl="5" algn="ctr" rtl="0">
+              <a:lnSpc>
+                <a:spcPct val="100000"/>
+              </a:lnSpc>
+              <a:spcBef>
+                <a:spcPts val="0"/>
+              </a:spcBef>
+              <a:spcAft>
+                <a:spcPts val="0"/>
+              </a:spcAft>
+              <a:buClr>
+                <a:schemeClr val="dk1"/>
+              </a:buClr>
+              <a:buSzPts val="5200"/>
+              <a:buFont typeface="Arial"/>
+              <a:buNone/>
+              <a:defRPr sz="5200" b="0" i="0" u="none" strike="noStrike" cap="none">
+                <a:solidFill>
+                  <a:schemeClr val="dk1"/>
+                </a:solidFill>
+                <a:latin typeface="Arial"/>
+                <a:ea typeface="Arial"/>
+                <a:cs typeface="Arial"/>
+                <a:sym typeface="Arial"/>
+              </a:defRPr>
+            </a:lvl6pPr>
+            <a:lvl7pPr marR="0" lvl="6" algn="ctr" rtl="0">
+              <a:lnSpc>
+                <a:spcPct val="100000"/>
+              </a:lnSpc>
+              <a:spcBef>
+                <a:spcPts val="0"/>
+              </a:spcBef>
+              <a:spcAft>
+                <a:spcPts val="0"/>
+              </a:spcAft>
+              <a:buClr>
+                <a:schemeClr val="dk1"/>
+              </a:buClr>
+              <a:buSzPts val="5200"/>
+              <a:buFont typeface="Arial"/>
+              <a:buNone/>
+              <a:defRPr sz="5200" b="0" i="0" u="none" strike="noStrike" cap="none">
+                <a:solidFill>
+                  <a:schemeClr val="dk1"/>
+                </a:solidFill>
+                <a:latin typeface="Arial"/>
+                <a:ea typeface="Arial"/>
+                <a:cs typeface="Arial"/>
+                <a:sym typeface="Arial"/>
+              </a:defRPr>
+            </a:lvl7pPr>
+            <a:lvl8pPr marR="0" lvl="7" algn="ctr" rtl="0">
+              <a:lnSpc>
+                <a:spcPct val="100000"/>
+              </a:lnSpc>
+              <a:spcBef>
+                <a:spcPts val="0"/>
+              </a:spcBef>
+              <a:spcAft>
+                <a:spcPts val="0"/>
+              </a:spcAft>
+              <a:buClr>
+                <a:schemeClr val="dk1"/>
+              </a:buClr>
+              <a:buSzPts val="5200"/>
+              <a:buFont typeface="Arial"/>
+              <a:buNone/>
+              <a:defRPr sz="5200" b="0" i="0" u="none" strike="noStrike" cap="none">
+                <a:solidFill>
+                  <a:schemeClr val="dk1"/>
+                </a:solidFill>
+                <a:latin typeface="Arial"/>
+                <a:ea typeface="Arial"/>
+                <a:cs typeface="Arial"/>
+                <a:sym typeface="Arial"/>
+              </a:defRPr>
+            </a:lvl8pPr>
+            <a:lvl9pPr marR="0" lvl="8" algn="ctr" rtl="0">
+              <a:lnSpc>
+                <a:spcPct val="100000"/>
+              </a:lnSpc>
+              <a:spcBef>
+                <a:spcPts val="0"/>
+              </a:spcBef>
+              <a:spcAft>
+                <a:spcPts val="0"/>
+              </a:spcAft>
+              <a:buClr>
+                <a:schemeClr val="dk1"/>
+              </a:buClr>
+              <a:buSzPts val="5200"/>
+              <a:buFont typeface="Arial"/>
+              <a:buNone/>
+              <a:defRPr sz="5200" b="0" i="0" u="none" strike="noStrike" cap="none">
+                <a:solidFill>
+                  <a:schemeClr val="dk1"/>
+                </a:solidFill>
+                <a:latin typeface="Arial"/>
+                <a:ea typeface="Arial"/>
+                <a:cs typeface="Arial"/>
+                <a:sym typeface="Arial"/>
+              </a:defRPr>
+            </a:lvl9pPr>
+          </a:lstStyle>
+          <a:p>
+            <a:pPr algn="r"/>
+            <a:r>
+              <a:rPr lang="nl-BE" sz="1400" dirty="0">
+                <a:latin typeface="Cascadia Mono" panose="020B0609020000020004" pitchFamily="49" charset="0"/>
+                <a:ea typeface="Cascadia Mono" panose="020B0609020000020004" pitchFamily="49" charset="0"/>
+                <a:cs typeface="Cascadia Mono" panose="020B0609020000020004" pitchFamily="49" charset="0"/>
+                <a:sym typeface="Montserrat"/>
+              </a:rPr>
+              <a:t>Python Fundamentals</a:t>
+            </a:r>
+          </a:p>
+        </p:txBody>
+      </p:sp>
+      <p:sp>
+        <p:nvSpPr>
+          <p:cNvPr id="4" name="Google Shape;69;p15">
+            <a:extLst>
+              <a:ext uri="{FF2B5EF4-FFF2-40B4-BE49-F238E27FC236}">
+                <a16:creationId xmlns:a16="http://schemas.microsoft.com/office/drawing/2014/main" id="{EDFC8C4E-0AE2-4C91-7263-313DC7CC1FCD}"/>
+              </a:ext>
+            </a:extLst>
+          </p:cNvPr>
+          <p:cNvSpPr txBox="1">
+            <a:spLocks/>
+          </p:cNvSpPr>
+          <p:nvPr/>
+        </p:nvSpPr>
+        <p:spPr>
+          <a:xfrm>
+            <a:off x="107431" y="6372226"/>
+            <a:ext cx="5769493" cy="438149"/>
+          </a:xfrm>
+          <a:prstGeom prst="rect">
+            <a:avLst/>
+          </a:prstGeom>
+          <a:noFill/>
+          <a:ln>
+            <a:noFill/>
+          </a:ln>
+        </p:spPr>
+        <p:txBody>
+          <a:bodyPr spcFirstLastPara="1" wrap="square" lIns="91425" tIns="91425" rIns="91425" bIns="91425" anchor="t" anchorCtr="0">
+            <a:noAutofit/>
+          </a:bodyPr>
+          <a:lstStyle>
+            <a:defPPr marR="0" lvl="0" algn="l" rtl="0">
+              <a:lnSpc>
+                <a:spcPct val="100000"/>
+              </a:lnSpc>
+              <a:spcBef>
+                <a:spcPts val="0"/>
+              </a:spcBef>
+              <a:spcAft>
+                <a:spcPts val="0"/>
+              </a:spcAft>
+            </a:defPPr>
+            <a:lvl1pPr marR="0" lvl="0" algn="ctr" rtl="0">
+              <a:lnSpc>
+                <a:spcPct val="100000"/>
+              </a:lnSpc>
+              <a:spcBef>
+                <a:spcPts val="0"/>
+              </a:spcBef>
+              <a:spcAft>
+                <a:spcPts val="0"/>
+              </a:spcAft>
+              <a:buClr>
+                <a:schemeClr val="dk1"/>
+              </a:buClr>
+              <a:buSzPts val="5200"/>
+              <a:buFont typeface="Arial"/>
+              <a:buNone/>
+              <a:defRPr sz="5200" b="0" i="0" u="none" strike="noStrike" cap="none">
+                <a:solidFill>
+                  <a:schemeClr val="dk1"/>
+                </a:solidFill>
+                <a:latin typeface="Arial"/>
+                <a:ea typeface="Arial"/>
+                <a:cs typeface="Arial"/>
+                <a:sym typeface="Arial"/>
+              </a:defRPr>
+            </a:lvl1pPr>
+            <a:lvl2pPr marR="0" lvl="1" algn="ctr" rtl="0">
+              <a:lnSpc>
+                <a:spcPct val="100000"/>
+              </a:lnSpc>
+              <a:spcBef>
+                <a:spcPts val="0"/>
+              </a:spcBef>
+              <a:spcAft>
+                <a:spcPts val="0"/>
+              </a:spcAft>
+              <a:buClr>
+                <a:schemeClr val="dk1"/>
+              </a:buClr>
+              <a:buSzPts val="5200"/>
+              <a:buFont typeface="Arial"/>
+              <a:buNone/>
+              <a:defRPr sz="5200" b="0" i="0" u="none" strike="noStrike" cap="none">
+                <a:solidFill>
+                  <a:schemeClr val="dk1"/>
+                </a:solidFill>
+                <a:latin typeface="Arial"/>
+                <a:ea typeface="Arial"/>
+                <a:cs typeface="Arial"/>
+                <a:sym typeface="Arial"/>
+              </a:defRPr>
+            </a:lvl2pPr>
+            <a:lvl3pPr marR="0" lvl="2" algn="ctr" rtl="0">
+              <a:lnSpc>
+                <a:spcPct val="100000"/>
+              </a:lnSpc>
+              <a:spcBef>
+                <a:spcPts val="0"/>
+              </a:spcBef>
+              <a:spcAft>
+                <a:spcPts val="0"/>
+              </a:spcAft>
+              <a:buClr>
+                <a:schemeClr val="dk1"/>
+              </a:buClr>
+              <a:buSzPts val="5200"/>
+              <a:buFont typeface="Arial"/>
+              <a:buNone/>
+              <a:defRPr sz="5200" b="0" i="0" u="none" strike="noStrike" cap="none">
+                <a:solidFill>
+                  <a:schemeClr val="dk1"/>
+                </a:solidFill>
+                <a:latin typeface="Arial"/>
+                <a:ea typeface="Arial"/>
+                <a:cs typeface="Arial"/>
+                <a:sym typeface="Arial"/>
+              </a:defRPr>
+            </a:lvl3pPr>
+            <a:lvl4pPr marR="0" lvl="3" algn="ctr" rtl="0">
+              <a:lnSpc>
+                <a:spcPct val="100000"/>
+              </a:lnSpc>
+              <a:spcBef>
+                <a:spcPts val="0"/>
+              </a:spcBef>
+              <a:spcAft>
+                <a:spcPts val="0"/>
+              </a:spcAft>
+              <a:buClr>
+                <a:schemeClr val="dk1"/>
+              </a:buClr>
+              <a:buSzPts val="5200"/>
+              <a:buFont typeface="Arial"/>
+              <a:buNone/>
+              <a:defRPr sz="5200" b="0" i="0" u="none" strike="noStrike" cap="none">
+                <a:solidFill>
+                  <a:schemeClr val="dk1"/>
+                </a:solidFill>
+                <a:latin typeface="Arial"/>
+                <a:ea typeface="Arial"/>
+                <a:cs typeface="Arial"/>
+                <a:sym typeface="Arial"/>
+              </a:defRPr>
+            </a:lvl4pPr>
+            <a:lvl5pPr marR="0" lvl="4" algn="ctr" rtl="0">
+              <a:lnSpc>
+                <a:spcPct val="100000"/>
+              </a:lnSpc>
+              <a:spcBef>
+                <a:spcPts val="0"/>
+              </a:spcBef>
+              <a:spcAft>
+                <a:spcPts val="0"/>
+              </a:spcAft>
+              <a:buClr>
+                <a:schemeClr val="dk1"/>
+              </a:buClr>
+              <a:buSzPts val="5200"/>
+              <a:buFont typeface="Arial"/>
+              <a:buNone/>
+              <a:defRPr sz="5200" b="0" i="0" u="none" strike="noStrike" cap="none">
+                <a:solidFill>
+                  <a:schemeClr val="dk1"/>
+                </a:solidFill>
+                <a:latin typeface="Arial"/>
+                <a:ea typeface="Arial"/>
+                <a:cs typeface="Arial"/>
+                <a:sym typeface="Arial"/>
+              </a:defRPr>
+            </a:lvl5pPr>
+            <a:lvl6pPr marR="0" lvl="5" algn="ctr" rtl="0">
+              <a:lnSpc>
+                <a:spcPct val="100000"/>
+              </a:lnSpc>
+              <a:spcBef>
+                <a:spcPts val="0"/>
+              </a:spcBef>
+              <a:spcAft>
+                <a:spcPts val="0"/>
+              </a:spcAft>
+              <a:buClr>
+                <a:schemeClr val="dk1"/>
+              </a:buClr>
+              <a:buSzPts val="5200"/>
+              <a:buFont typeface="Arial"/>
+              <a:buNone/>
+              <a:defRPr sz="5200" b="0" i="0" u="none" strike="noStrike" cap="none">
+                <a:solidFill>
+                  <a:schemeClr val="dk1"/>
+                </a:solidFill>
+                <a:latin typeface="Arial"/>
+                <a:ea typeface="Arial"/>
+                <a:cs typeface="Arial"/>
+                <a:sym typeface="Arial"/>
+              </a:defRPr>
+            </a:lvl6pPr>
+            <a:lvl7pPr marR="0" lvl="6" algn="ctr" rtl="0">
+              <a:lnSpc>
+                <a:spcPct val="100000"/>
+              </a:lnSpc>
+              <a:spcBef>
+                <a:spcPts val="0"/>
+              </a:spcBef>
+              <a:spcAft>
+                <a:spcPts val="0"/>
+              </a:spcAft>
+              <a:buClr>
+                <a:schemeClr val="dk1"/>
+              </a:buClr>
+              <a:buSzPts val="5200"/>
+              <a:buFont typeface="Arial"/>
+              <a:buNone/>
+              <a:defRPr sz="5200" b="0" i="0" u="none" strike="noStrike" cap="none">
+                <a:solidFill>
+                  <a:schemeClr val="dk1"/>
+                </a:solidFill>
+                <a:latin typeface="Arial"/>
+                <a:ea typeface="Arial"/>
+                <a:cs typeface="Arial"/>
+                <a:sym typeface="Arial"/>
+              </a:defRPr>
+            </a:lvl7pPr>
+            <a:lvl8pPr marR="0" lvl="7" algn="ctr" rtl="0">
+              <a:lnSpc>
+                <a:spcPct val="100000"/>
+              </a:lnSpc>
+              <a:spcBef>
+                <a:spcPts val="0"/>
+              </a:spcBef>
+              <a:spcAft>
+                <a:spcPts val="0"/>
+              </a:spcAft>
+              <a:buClr>
+                <a:schemeClr val="dk1"/>
+              </a:buClr>
+              <a:buSzPts val="5200"/>
+              <a:buFont typeface="Arial"/>
+              <a:buNone/>
+              <a:defRPr sz="5200" b="0" i="0" u="none" strike="noStrike" cap="none">
+                <a:solidFill>
+                  <a:schemeClr val="dk1"/>
+                </a:solidFill>
+                <a:latin typeface="Arial"/>
+                <a:ea typeface="Arial"/>
+                <a:cs typeface="Arial"/>
+                <a:sym typeface="Arial"/>
+              </a:defRPr>
+            </a:lvl8pPr>
+            <a:lvl9pPr marR="0" lvl="8" algn="ctr" rtl="0">
+              <a:lnSpc>
+                <a:spcPct val="100000"/>
+              </a:lnSpc>
+              <a:spcBef>
+                <a:spcPts val="0"/>
+              </a:spcBef>
+              <a:spcAft>
+                <a:spcPts val="0"/>
+              </a:spcAft>
+              <a:buClr>
+                <a:schemeClr val="dk1"/>
+              </a:buClr>
+              <a:buSzPts val="5200"/>
+              <a:buFont typeface="Arial"/>
+              <a:buNone/>
+              <a:defRPr sz="5200" b="0" i="0" u="none" strike="noStrike" cap="none">
+                <a:solidFill>
+                  <a:schemeClr val="dk1"/>
+                </a:solidFill>
+                <a:latin typeface="Arial"/>
+                <a:ea typeface="Arial"/>
+                <a:cs typeface="Arial"/>
+                <a:sym typeface="Arial"/>
+              </a:defRPr>
+            </a:lvl9pPr>
+          </a:lstStyle>
+          <a:p>
+            <a:pPr algn="l"/>
+            <a:r>
+              <a:rPr lang="nl-BE" sz="1400" dirty="0">
+                <a:latin typeface="Cascadia Mono" panose="020B0609020000020004" pitchFamily="49" charset="0"/>
+                <a:ea typeface="Cascadia Mono" panose="020B0609020000020004" pitchFamily="49" charset="0"/>
+                <a:cs typeface="Cascadia Mono" panose="020B0609020000020004" pitchFamily="49" charset="0"/>
+                <a:sym typeface="Montserrat"/>
+                <a:hlinkClick r:id="rId4"/>
+              </a:rPr>
+              <a:t>www.intecbrussel.be</a:t>
+            </a:r>
+            <a:r>
+              <a:rPr lang="nl-BE" sz="1400" dirty="0">
+                <a:latin typeface="Cascadia Mono" panose="020B0609020000020004" pitchFamily="49" charset="0"/>
+                <a:ea typeface="Cascadia Mono" panose="020B0609020000020004" pitchFamily="49" charset="0"/>
+                <a:cs typeface="Cascadia Mono" panose="020B0609020000020004" pitchFamily="49" charset="0"/>
+                <a:sym typeface="Montserrat"/>
+              </a:rPr>
+              <a:t> | </a:t>
+            </a:r>
+            <a:r>
+              <a:rPr lang="nl-BE" sz="1400" dirty="0">
+                <a:latin typeface="Cascadia Mono" panose="020B0609020000020004" pitchFamily="49" charset="0"/>
+                <a:ea typeface="Cascadia Mono" panose="020B0609020000020004" pitchFamily="49" charset="0"/>
+                <a:cs typeface="Cascadia Mono" panose="020B0609020000020004" pitchFamily="49" charset="0"/>
+                <a:sym typeface="Montserrat"/>
+                <a:hlinkClick r:id="rId5"/>
+              </a:rPr>
+              <a:t>yilmaz.mustafa@intecbrussel.be</a:t>
+            </a:r>
+            <a:endParaRPr lang="nl-BE" sz="1400" dirty="0">
+              <a:latin typeface="Cascadia Mono" panose="020B0609020000020004" pitchFamily="49" charset="0"/>
+              <a:ea typeface="Cascadia Mono" panose="020B0609020000020004" pitchFamily="49" charset="0"/>
+              <a:cs typeface="Cascadia Mono" panose="020B0609020000020004" pitchFamily="49" charset="0"/>
+              <a:sym typeface="Montserrat"/>
+            </a:endParaRPr>
+          </a:p>
+          <a:p>
+            <a:pPr algn="l"/>
+            <a:endParaRPr lang="nl-BE" sz="1400" dirty="0">
+              <a:latin typeface="Cascadia Mono" panose="020B0609020000020004" pitchFamily="49" charset="0"/>
+              <a:ea typeface="Cascadia Mono" panose="020B0609020000020004" pitchFamily="49" charset="0"/>
+              <a:cs typeface="Cascadia Mono" panose="020B0609020000020004" pitchFamily="49" charset="0"/>
+              <a:sym typeface="Montserrat"/>
+            </a:endParaRPr>
+          </a:p>
+        </p:txBody>
+      </p:sp>
     </p:spTree>
   </p:cSld>
   <p:clrMapOvr>
@@ -9908,6 +15243,668 @@
               <a:latin typeface="Montserrat"/>
               <a:ea typeface="Montserrat"/>
               <a:cs typeface="Montserrat"/>
+              <a:sym typeface="Montserrat"/>
+            </a:endParaRPr>
+          </a:p>
+        </p:txBody>
+      </p:sp>
+      <p:pic>
+        <p:nvPicPr>
+          <p:cNvPr id="2" name="Picture 1">
+            <a:extLst>
+              <a:ext uri="{FF2B5EF4-FFF2-40B4-BE49-F238E27FC236}">
+                <a16:creationId xmlns:a16="http://schemas.microsoft.com/office/drawing/2014/main" id="{B52434AC-F8D0-50BB-CA74-DC5BCBA3A5D4}"/>
+              </a:ext>
+            </a:extLst>
+          </p:cNvPr>
+          <p:cNvPicPr>
+            <a:picLocks noChangeAspect="1"/>
+          </p:cNvPicPr>
+          <p:nvPr/>
+        </p:nvPicPr>
+        <p:blipFill>
+          <a:blip r:embed="rId3"/>
+          <a:stretch>
+            <a:fillRect/>
+          </a:stretch>
+        </p:blipFill>
+        <p:spPr>
+          <a:xfrm>
+            <a:off x="317513" y="305109"/>
+            <a:ext cx="552140" cy="552140"/>
+          </a:xfrm>
+          <a:prstGeom prst="roundRect">
+            <a:avLst>
+              <a:gd name="adj" fmla="val 8594"/>
+            </a:avLst>
+          </a:prstGeom>
+          <a:solidFill>
+            <a:srgbClr val="FFFFFF">
+              <a:shade val="85000"/>
+            </a:srgbClr>
+          </a:solidFill>
+          <a:ln>
+            <a:noFill/>
+          </a:ln>
+          <a:effectLst>
+            <a:reflection blurRad="12700" stA="38000" endPos="28000" dist="5000" dir="5400000" sy="-100000" algn="bl" rotWithShape="0"/>
+          </a:effectLst>
+        </p:spPr>
+      </p:pic>
+      <p:sp>
+        <p:nvSpPr>
+          <p:cNvPr id="3" name="Google Shape;69;p15">
+            <a:extLst>
+              <a:ext uri="{FF2B5EF4-FFF2-40B4-BE49-F238E27FC236}">
+                <a16:creationId xmlns:a16="http://schemas.microsoft.com/office/drawing/2014/main" id="{77F85E92-429B-1089-C68E-3CC3C408678E}"/>
+              </a:ext>
+            </a:extLst>
+          </p:cNvPr>
+          <p:cNvSpPr txBox="1">
+            <a:spLocks/>
+          </p:cNvSpPr>
+          <p:nvPr/>
+        </p:nvSpPr>
+        <p:spPr>
+          <a:xfrm>
+            <a:off x="6447895" y="250245"/>
+            <a:ext cx="3140592" cy="438149"/>
+          </a:xfrm>
+          <a:prstGeom prst="rect">
+            <a:avLst/>
+          </a:prstGeom>
+          <a:noFill/>
+          <a:ln>
+            <a:noFill/>
+          </a:ln>
+        </p:spPr>
+        <p:txBody>
+          <a:bodyPr spcFirstLastPara="1" wrap="square" lIns="91425" tIns="91425" rIns="91425" bIns="91425" anchor="t" anchorCtr="0">
+            <a:noAutofit/>
+          </a:bodyPr>
+          <a:lstStyle>
+            <a:defPPr marR="0" lvl="0" algn="l" rtl="0">
+              <a:lnSpc>
+                <a:spcPct val="100000"/>
+              </a:lnSpc>
+              <a:spcBef>
+                <a:spcPts val="0"/>
+              </a:spcBef>
+              <a:spcAft>
+                <a:spcPts val="0"/>
+              </a:spcAft>
+            </a:defPPr>
+            <a:lvl1pPr marR="0" lvl="0" algn="ctr" rtl="0">
+              <a:lnSpc>
+                <a:spcPct val="100000"/>
+              </a:lnSpc>
+              <a:spcBef>
+                <a:spcPts val="0"/>
+              </a:spcBef>
+              <a:spcAft>
+                <a:spcPts val="0"/>
+              </a:spcAft>
+              <a:buClr>
+                <a:schemeClr val="dk1"/>
+              </a:buClr>
+              <a:buSzPts val="5200"/>
+              <a:buFont typeface="Arial"/>
+              <a:buNone/>
+              <a:defRPr sz="5200" b="0" i="0" u="none" strike="noStrike" cap="none">
+                <a:solidFill>
+                  <a:schemeClr val="dk1"/>
+                </a:solidFill>
+                <a:latin typeface="Arial"/>
+                <a:ea typeface="Arial"/>
+                <a:cs typeface="Arial"/>
+                <a:sym typeface="Arial"/>
+              </a:defRPr>
+            </a:lvl1pPr>
+            <a:lvl2pPr marR="0" lvl="1" algn="ctr" rtl="0">
+              <a:lnSpc>
+                <a:spcPct val="100000"/>
+              </a:lnSpc>
+              <a:spcBef>
+                <a:spcPts val="0"/>
+              </a:spcBef>
+              <a:spcAft>
+                <a:spcPts val="0"/>
+              </a:spcAft>
+              <a:buClr>
+                <a:schemeClr val="dk1"/>
+              </a:buClr>
+              <a:buSzPts val="5200"/>
+              <a:buFont typeface="Arial"/>
+              <a:buNone/>
+              <a:defRPr sz="5200" b="0" i="0" u="none" strike="noStrike" cap="none">
+                <a:solidFill>
+                  <a:schemeClr val="dk1"/>
+                </a:solidFill>
+                <a:latin typeface="Arial"/>
+                <a:ea typeface="Arial"/>
+                <a:cs typeface="Arial"/>
+                <a:sym typeface="Arial"/>
+              </a:defRPr>
+            </a:lvl2pPr>
+            <a:lvl3pPr marR="0" lvl="2" algn="ctr" rtl="0">
+              <a:lnSpc>
+                <a:spcPct val="100000"/>
+              </a:lnSpc>
+              <a:spcBef>
+                <a:spcPts val="0"/>
+              </a:spcBef>
+              <a:spcAft>
+                <a:spcPts val="0"/>
+              </a:spcAft>
+              <a:buClr>
+                <a:schemeClr val="dk1"/>
+              </a:buClr>
+              <a:buSzPts val="5200"/>
+              <a:buFont typeface="Arial"/>
+              <a:buNone/>
+              <a:defRPr sz="5200" b="0" i="0" u="none" strike="noStrike" cap="none">
+                <a:solidFill>
+                  <a:schemeClr val="dk1"/>
+                </a:solidFill>
+                <a:latin typeface="Arial"/>
+                <a:ea typeface="Arial"/>
+                <a:cs typeface="Arial"/>
+                <a:sym typeface="Arial"/>
+              </a:defRPr>
+            </a:lvl3pPr>
+            <a:lvl4pPr marR="0" lvl="3" algn="ctr" rtl="0">
+              <a:lnSpc>
+                <a:spcPct val="100000"/>
+              </a:lnSpc>
+              <a:spcBef>
+                <a:spcPts val="0"/>
+              </a:spcBef>
+              <a:spcAft>
+                <a:spcPts val="0"/>
+              </a:spcAft>
+              <a:buClr>
+                <a:schemeClr val="dk1"/>
+              </a:buClr>
+              <a:buSzPts val="5200"/>
+              <a:buFont typeface="Arial"/>
+              <a:buNone/>
+              <a:defRPr sz="5200" b="0" i="0" u="none" strike="noStrike" cap="none">
+                <a:solidFill>
+                  <a:schemeClr val="dk1"/>
+                </a:solidFill>
+                <a:latin typeface="Arial"/>
+                <a:ea typeface="Arial"/>
+                <a:cs typeface="Arial"/>
+                <a:sym typeface="Arial"/>
+              </a:defRPr>
+            </a:lvl4pPr>
+            <a:lvl5pPr marR="0" lvl="4" algn="ctr" rtl="0">
+              <a:lnSpc>
+                <a:spcPct val="100000"/>
+              </a:lnSpc>
+              <a:spcBef>
+                <a:spcPts val="0"/>
+              </a:spcBef>
+              <a:spcAft>
+                <a:spcPts val="0"/>
+              </a:spcAft>
+              <a:buClr>
+                <a:schemeClr val="dk1"/>
+              </a:buClr>
+              <a:buSzPts val="5200"/>
+              <a:buFont typeface="Arial"/>
+              <a:buNone/>
+              <a:defRPr sz="5200" b="0" i="0" u="none" strike="noStrike" cap="none">
+                <a:solidFill>
+                  <a:schemeClr val="dk1"/>
+                </a:solidFill>
+                <a:latin typeface="Arial"/>
+                <a:ea typeface="Arial"/>
+                <a:cs typeface="Arial"/>
+                <a:sym typeface="Arial"/>
+              </a:defRPr>
+            </a:lvl5pPr>
+            <a:lvl6pPr marR="0" lvl="5" algn="ctr" rtl="0">
+              <a:lnSpc>
+                <a:spcPct val="100000"/>
+              </a:lnSpc>
+              <a:spcBef>
+                <a:spcPts val="0"/>
+              </a:spcBef>
+              <a:spcAft>
+                <a:spcPts val="0"/>
+              </a:spcAft>
+              <a:buClr>
+                <a:schemeClr val="dk1"/>
+              </a:buClr>
+              <a:buSzPts val="5200"/>
+              <a:buFont typeface="Arial"/>
+              <a:buNone/>
+              <a:defRPr sz="5200" b="0" i="0" u="none" strike="noStrike" cap="none">
+                <a:solidFill>
+                  <a:schemeClr val="dk1"/>
+                </a:solidFill>
+                <a:latin typeface="Arial"/>
+                <a:ea typeface="Arial"/>
+                <a:cs typeface="Arial"/>
+                <a:sym typeface="Arial"/>
+              </a:defRPr>
+            </a:lvl6pPr>
+            <a:lvl7pPr marR="0" lvl="6" algn="ctr" rtl="0">
+              <a:lnSpc>
+                <a:spcPct val="100000"/>
+              </a:lnSpc>
+              <a:spcBef>
+                <a:spcPts val="0"/>
+              </a:spcBef>
+              <a:spcAft>
+                <a:spcPts val="0"/>
+              </a:spcAft>
+              <a:buClr>
+                <a:schemeClr val="dk1"/>
+              </a:buClr>
+              <a:buSzPts val="5200"/>
+              <a:buFont typeface="Arial"/>
+              <a:buNone/>
+              <a:defRPr sz="5200" b="0" i="0" u="none" strike="noStrike" cap="none">
+                <a:solidFill>
+                  <a:schemeClr val="dk1"/>
+                </a:solidFill>
+                <a:latin typeface="Arial"/>
+                <a:ea typeface="Arial"/>
+                <a:cs typeface="Arial"/>
+                <a:sym typeface="Arial"/>
+              </a:defRPr>
+            </a:lvl7pPr>
+            <a:lvl8pPr marR="0" lvl="7" algn="ctr" rtl="0">
+              <a:lnSpc>
+                <a:spcPct val="100000"/>
+              </a:lnSpc>
+              <a:spcBef>
+                <a:spcPts val="0"/>
+              </a:spcBef>
+              <a:spcAft>
+                <a:spcPts val="0"/>
+              </a:spcAft>
+              <a:buClr>
+                <a:schemeClr val="dk1"/>
+              </a:buClr>
+              <a:buSzPts val="5200"/>
+              <a:buFont typeface="Arial"/>
+              <a:buNone/>
+              <a:defRPr sz="5200" b="0" i="0" u="none" strike="noStrike" cap="none">
+                <a:solidFill>
+                  <a:schemeClr val="dk1"/>
+                </a:solidFill>
+                <a:latin typeface="Arial"/>
+                <a:ea typeface="Arial"/>
+                <a:cs typeface="Arial"/>
+                <a:sym typeface="Arial"/>
+              </a:defRPr>
+            </a:lvl8pPr>
+            <a:lvl9pPr marR="0" lvl="8" algn="ctr" rtl="0">
+              <a:lnSpc>
+                <a:spcPct val="100000"/>
+              </a:lnSpc>
+              <a:spcBef>
+                <a:spcPts val="0"/>
+              </a:spcBef>
+              <a:spcAft>
+                <a:spcPts val="0"/>
+              </a:spcAft>
+              <a:buClr>
+                <a:schemeClr val="dk1"/>
+              </a:buClr>
+              <a:buSzPts val="5200"/>
+              <a:buFont typeface="Arial"/>
+              <a:buNone/>
+              <a:defRPr sz="5200" b="0" i="0" u="none" strike="noStrike" cap="none">
+                <a:solidFill>
+                  <a:schemeClr val="dk1"/>
+                </a:solidFill>
+                <a:latin typeface="Arial"/>
+                <a:ea typeface="Arial"/>
+                <a:cs typeface="Arial"/>
+                <a:sym typeface="Arial"/>
+              </a:defRPr>
+            </a:lvl9pPr>
+          </a:lstStyle>
+          <a:p>
+            <a:pPr algn="r"/>
+            <a:r>
+              <a:rPr lang="nl-BE" sz="1400" dirty="0">
+                <a:latin typeface="Cascadia Mono" panose="020B0609020000020004" pitchFamily="49" charset="0"/>
+                <a:ea typeface="Cascadia Mono" panose="020B0609020000020004" pitchFamily="49" charset="0"/>
+                <a:cs typeface="Cascadia Mono" panose="020B0609020000020004" pitchFamily="49" charset="0"/>
+                <a:sym typeface="Montserrat"/>
+              </a:rPr>
+              <a:t>Python Fundamentals</a:t>
+            </a:r>
+          </a:p>
+        </p:txBody>
+      </p:sp>
+      <p:sp>
+        <p:nvSpPr>
+          <p:cNvPr id="4" name="Google Shape;69;p15">
+            <a:extLst>
+              <a:ext uri="{FF2B5EF4-FFF2-40B4-BE49-F238E27FC236}">
+                <a16:creationId xmlns:a16="http://schemas.microsoft.com/office/drawing/2014/main" id="{1B31AA2E-22CC-FA6B-E32C-5F9787508040}"/>
+              </a:ext>
+            </a:extLst>
+          </p:cNvPr>
+          <p:cNvSpPr txBox="1">
+            <a:spLocks/>
+          </p:cNvSpPr>
+          <p:nvPr/>
+        </p:nvSpPr>
+        <p:spPr>
+          <a:xfrm>
+            <a:off x="107431" y="6372226"/>
+            <a:ext cx="5769493" cy="438149"/>
+          </a:xfrm>
+          <a:prstGeom prst="rect">
+            <a:avLst/>
+          </a:prstGeom>
+          <a:noFill/>
+          <a:ln>
+            <a:noFill/>
+          </a:ln>
+        </p:spPr>
+        <p:txBody>
+          <a:bodyPr spcFirstLastPara="1" wrap="square" lIns="91425" tIns="91425" rIns="91425" bIns="91425" anchor="t" anchorCtr="0">
+            <a:noAutofit/>
+          </a:bodyPr>
+          <a:lstStyle>
+            <a:defPPr marR="0" lvl="0" algn="l" rtl="0">
+              <a:lnSpc>
+                <a:spcPct val="100000"/>
+              </a:lnSpc>
+              <a:spcBef>
+                <a:spcPts val="0"/>
+              </a:spcBef>
+              <a:spcAft>
+                <a:spcPts val="0"/>
+              </a:spcAft>
+            </a:defPPr>
+            <a:lvl1pPr marR="0" lvl="0" algn="ctr" rtl="0">
+              <a:lnSpc>
+                <a:spcPct val="100000"/>
+              </a:lnSpc>
+              <a:spcBef>
+                <a:spcPts val="0"/>
+              </a:spcBef>
+              <a:spcAft>
+                <a:spcPts val="0"/>
+              </a:spcAft>
+              <a:buClr>
+                <a:schemeClr val="dk1"/>
+              </a:buClr>
+              <a:buSzPts val="5200"/>
+              <a:buFont typeface="Arial"/>
+              <a:buNone/>
+              <a:defRPr sz="5200" b="0" i="0" u="none" strike="noStrike" cap="none">
+                <a:solidFill>
+                  <a:schemeClr val="dk1"/>
+                </a:solidFill>
+                <a:latin typeface="Arial"/>
+                <a:ea typeface="Arial"/>
+                <a:cs typeface="Arial"/>
+                <a:sym typeface="Arial"/>
+              </a:defRPr>
+            </a:lvl1pPr>
+            <a:lvl2pPr marR="0" lvl="1" algn="ctr" rtl="0">
+              <a:lnSpc>
+                <a:spcPct val="100000"/>
+              </a:lnSpc>
+              <a:spcBef>
+                <a:spcPts val="0"/>
+              </a:spcBef>
+              <a:spcAft>
+                <a:spcPts val="0"/>
+              </a:spcAft>
+              <a:buClr>
+                <a:schemeClr val="dk1"/>
+              </a:buClr>
+              <a:buSzPts val="5200"/>
+              <a:buFont typeface="Arial"/>
+              <a:buNone/>
+              <a:defRPr sz="5200" b="0" i="0" u="none" strike="noStrike" cap="none">
+                <a:solidFill>
+                  <a:schemeClr val="dk1"/>
+                </a:solidFill>
+                <a:latin typeface="Arial"/>
+                <a:ea typeface="Arial"/>
+                <a:cs typeface="Arial"/>
+                <a:sym typeface="Arial"/>
+              </a:defRPr>
+            </a:lvl2pPr>
+            <a:lvl3pPr marR="0" lvl="2" algn="ctr" rtl="0">
+              <a:lnSpc>
+                <a:spcPct val="100000"/>
+              </a:lnSpc>
+              <a:spcBef>
+                <a:spcPts val="0"/>
+              </a:spcBef>
+              <a:spcAft>
+                <a:spcPts val="0"/>
+              </a:spcAft>
+              <a:buClr>
+                <a:schemeClr val="dk1"/>
+              </a:buClr>
+              <a:buSzPts val="5200"/>
+              <a:buFont typeface="Arial"/>
+              <a:buNone/>
+              <a:defRPr sz="5200" b="0" i="0" u="none" strike="noStrike" cap="none">
+                <a:solidFill>
+                  <a:schemeClr val="dk1"/>
+                </a:solidFill>
+                <a:latin typeface="Arial"/>
+                <a:ea typeface="Arial"/>
+                <a:cs typeface="Arial"/>
+                <a:sym typeface="Arial"/>
+              </a:defRPr>
+            </a:lvl3pPr>
+            <a:lvl4pPr marR="0" lvl="3" algn="ctr" rtl="0">
+              <a:lnSpc>
+                <a:spcPct val="100000"/>
+              </a:lnSpc>
+              <a:spcBef>
+                <a:spcPts val="0"/>
+              </a:spcBef>
+              <a:spcAft>
+                <a:spcPts val="0"/>
+              </a:spcAft>
+              <a:buClr>
+                <a:schemeClr val="dk1"/>
+              </a:buClr>
+              <a:buSzPts val="5200"/>
+              <a:buFont typeface="Arial"/>
+              <a:buNone/>
+              <a:defRPr sz="5200" b="0" i="0" u="none" strike="noStrike" cap="none">
+                <a:solidFill>
+                  <a:schemeClr val="dk1"/>
+                </a:solidFill>
+                <a:latin typeface="Arial"/>
+                <a:ea typeface="Arial"/>
+                <a:cs typeface="Arial"/>
+                <a:sym typeface="Arial"/>
+              </a:defRPr>
+            </a:lvl4pPr>
+            <a:lvl5pPr marR="0" lvl="4" algn="ctr" rtl="0">
+              <a:lnSpc>
+                <a:spcPct val="100000"/>
+              </a:lnSpc>
+              <a:spcBef>
+                <a:spcPts val="0"/>
+              </a:spcBef>
+              <a:spcAft>
+                <a:spcPts val="0"/>
+              </a:spcAft>
+              <a:buClr>
+                <a:schemeClr val="dk1"/>
+              </a:buClr>
+              <a:buSzPts val="5200"/>
+              <a:buFont typeface="Arial"/>
+              <a:buNone/>
+              <a:defRPr sz="5200" b="0" i="0" u="none" strike="noStrike" cap="none">
+                <a:solidFill>
+                  <a:schemeClr val="dk1"/>
+                </a:solidFill>
+                <a:latin typeface="Arial"/>
+                <a:ea typeface="Arial"/>
+                <a:cs typeface="Arial"/>
+                <a:sym typeface="Arial"/>
+              </a:defRPr>
+            </a:lvl5pPr>
+            <a:lvl6pPr marR="0" lvl="5" algn="ctr" rtl="0">
+              <a:lnSpc>
+                <a:spcPct val="100000"/>
+              </a:lnSpc>
+              <a:spcBef>
+                <a:spcPts val="0"/>
+              </a:spcBef>
+              <a:spcAft>
+                <a:spcPts val="0"/>
+              </a:spcAft>
+              <a:buClr>
+                <a:schemeClr val="dk1"/>
+              </a:buClr>
+              <a:buSzPts val="5200"/>
+              <a:buFont typeface="Arial"/>
+              <a:buNone/>
+              <a:defRPr sz="5200" b="0" i="0" u="none" strike="noStrike" cap="none">
+                <a:solidFill>
+                  <a:schemeClr val="dk1"/>
+                </a:solidFill>
+                <a:latin typeface="Arial"/>
+                <a:ea typeface="Arial"/>
+                <a:cs typeface="Arial"/>
+                <a:sym typeface="Arial"/>
+              </a:defRPr>
+            </a:lvl6pPr>
+            <a:lvl7pPr marR="0" lvl="6" algn="ctr" rtl="0">
+              <a:lnSpc>
+                <a:spcPct val="100000"/>
+              </a:lnSpc>
+              <a:spcBef>
+                <a:spcPts val="0"/>
+              </a:spcBef>
+              <a:spcAft>
+                <a:spcPts val="0"/>
+              </a:spcAft>
+              <a:buClr>
+                <a:schemeClr val="dk1"/>
+              </a:buClr>
+              <a:buSzPts val="5200"/>
+              <a:buFont typeface="Arial"/>
+              <a:buNone/>
+              <a:defRPr sz="5200" b="0" i="0" u="none" strike="noStrike" cap="none">
+                <a:solidFill>
+                  <a:schemeClr val="dk1"/>
+                </a:solidFill>
+                <a:latin typeface="Arial"/>
+                <a:ea typeface="Arial"/>
+                <a:cs typeface="Arial"/>
+                <a:sym typeface="Arial"/>
+              </a:defRPr>
+            </a:lvl7pPr>
+            <a:lvl8pPr marR="0" lvl="7" algn="ctr" rtl="0">
+              <a:lnSpc>
+                <a:spcPct val="100000"/>
+              </a:lnSpc>
+              <a:spcBef>
+                <a:spcPts val="0"/>
+              </a:spcBef>
+              <a:spcAft>
+                <a:spcPts val="0"/>
+              </a:spcAft>
+              <a:buClr>
+                <a:schemeClr val="dk1"/>
+              </a:buClr>
+              <a:buSzPts val="5200"/>
+              <a:buFont typeface="Arial"/>
+              <a:buNone/>
+              <a:defRPr sz="5200" b="0" i="0" u="none" strike="noStrike" cap="none">
+                <a:solidFill>
+                  <a:schemeClr val="dk1"/>
+                </a:solidFill>
+                <a:latin typeface="Arial"/>
+                <a:ea typeface="Arial"/>
+                <a:cs typeface="Arial"/>
+                <a:sym typeface="Arial"/>
+              </a:defRPr>
+            </a:lvl8pPr>
+            <a:lvl9pPr marR="0" lvl="8" algn="ctr" rtl="0">
+              <a:lnSpc>
+                <a:spcPct val="100000"/>
+              </a:lnSpc>
+              <a:spcBef>
+                <a:spcPts val="0"/>
+              </a:spcBef>
+              <a:spcAft>
+                <a:spcPts val="0"/>
+              </a:spcAft>
+              <a:buClr>
+                <a:schemeClr val="dk1"/>
+              </a:buClr>
+              <a:buSzPts val="5200"/>
+              <a:buFont typeface="Arial"/>
+              <a:buNone/>
+              <a:defRPr sz="5200" b="0" i="0" u="none" strike="noStrike" cap="none">
+                <a:solidFill>
+                  <a:schemeClr val="dk1"/>
+                </a:solidFill>
+                <a:latin typeface="Arial"/>
+                <a:ea typeface="Arial"/>
+                <a:cs typeface="Arial"/>
+                <a:sym typeface="Arial"/>
+              </a:defRPr>
+            </a:lvl9pPr>
+          </a:lstStyle>
+          <a:p>
+            <a:pPr algn="l"/>
+            <a:r>
+              <a:rPr lang="nl-BE" sz="1400" dirty="0">
+                <a:latin typeface="Cascadia Mono" panose="020B0609020000020004" pitchFamily="49" charset="0"/>
+                <a:ea typeface="Cascadia Mono" panose="020B0609020000020004" pitchFamily="49" charset="0"/>
+                <a:cs typeface="Cascadia Mono" panose="020B0609020000020004" pitchFamily="49" charset="0"/>
+                <a:sym typeface="Montserrat"/>
+                <a:hlinkClick r:id="rId4"/>
+              </a:rPr>
+              <a:t>www.intecbrussel.be</a:t>
+            </a:r>
+            <a:r>
+              <a:rPr lang="nl-BE" sz="1400" dirty="0">
+                <a:latin typeface="Cascadia Mono" panose="020B0609020000020004" pitchFamily="49" charset="0"/>
+                <a:ea typeface="Cascadia Mono" panose="020B0609020000020004" pitchFamily="49" charset="0"/>
+                <a:cs typeface="Cascadia Mono" panose="020B0609020000020004" pitchFamily="49" charset="0"/>
+                <a:sym typeface="Montserrat"/>
+              </a:rPr>
+              <a:t> | </a:t>
+            </a:r>
+            <a:r>
+              <a:rPr lang="nl-BE" sz="1400" dirty="0">
+                <a:latin typeface="Cascadia Mono" panose="020B0609020000020004" pitchFamily="49" charset="0"/>
+                <a:ea typeface="Cascadia Mono" panose="020B0609020000020004" pitchFamily="49" charset="0"/>
+                <a:cs typeface="Cascadia Mono" panose="020B0609020000020004" pitchFamily="49" charset="0"/>
+                <a:sym typeface="Montserrat"/>
+                <a:hlinkClick r:id="rId5"/>
+              </a:rPr>
+              <a:t>yilmaz.mustafa@intecbrussel.be</a:t>
+            </a:r>
+            <a:endParaRPr lang="nl-BE" sz="1400" dirty="0">
+              <a:latin typeface="Cascadia Mono" panose="020B0609020000020004" pitchFamily="49" charset="0"/>
+              <a:ea typeface="Cascadia Mono" panose="020B0609020000020004" pitchFamily="49" charset="0"/>
+              <a:cs typeface="Cascadia Mono" panose="020B0609020000020004" pitchFamily="49" charset="0"/>
+              <a:sym typeface="Montserrat"/>
+            </a:endParaRPr>
+          </a:p>
+          <a:p>
+            <a:pPr algn="l"/>
+            <a:endParaRPr lang="nl-BE" sz="1400" dirty="0">
+              <a:latin typeface="Cascadia Mono" panose="020B0609020000020004" pitchFamily="49" charset="0"/>
+              <a:ea typeface="Cascadia Mono" panose="020B0609020000020004" pitchFamily="49" charset="0"/>
+              <a:cs typeface="Cascadia Mono" panose="020B0609020000020004" pitchFamily="49" charset="0"/>
               <a:sym typeface="Montserrat"/>
             </a:endParaRPr>
           </a:p>
@@ -10080,6 +16077,668 @@
           </a:p>
         </p:txBody>
       </p:sp>
+      <p:pic>
+        <p:nvPicPr>
+          <p:cNvPr id="2" name="Picture 1">
+            <a:extLst>
+              <a:ext uri="{FF2B5EF4-FFF2-40B4-BE49-F238E27FC236}">
+                <a16:creationId xmlns:a16="http://schemas.microsoft.com/office/drawing/2014/main" id="{7E291828-1D5F-7D23-7869-F49F663DE986}"/>
+              </a:ext>
+            </a:extLst>
+          </p:cNvPr>
+          <p:cNvPicPr>
+            <a:picLocks noChangeAspect="1"/>
+          </p:cNvPicPr>
+          <p:nvPr/>
+        </p:nvPicPr>
+        <p:blipFill>
+          <a:blip r:embed="rId3"/>
+          <a:stretch>
+            <a:fillRect/>
+          </a:stretch>
+        </p:blipFill>
+        <p:spPr>
+          <a:xfrm>
+            <a:off x="317513" y="305109"/>
+            <a:ext cx="552140" cy="552140"/>
+          </a:xfrm>
+          <a:prstGeom prst="roundRect">
+            <a:avLst>
+              <a:gd name="adj" fmla="val 8594"/>
+            </a:avLst>
+          </a:prstGeom>
+          <a:solidFill>
+            <a:srgbClr val="FFFFFF">
+              <a:shade val="85000"/>
+            </a:srgbClr>
+          </a:solidFill>
+          <a:ln>
+            <a:noFill/>
+          </a:ln>
+          <a:effectLst>
+            <a:reflection blurRad="12700" stA="38000" endPos="28000" dist="5000" dir="5400000" sy="-100000" algn="bl" rotWithShape="0"/>
+          </a:effectLst>
+        </p:spPr>
+      </p:pic>
+      <p:sp>
+        <p:nvSpPr>
+          <p:cNvPr id="3" name="Google Shape;69;p15">
+            <a:extLst>
+              <a:ext uri="{FF2B5EF4-FFF2-40B4-BE49-F238E27FC236}">
+                <a16:creationId xmlns:a16="http://schemas.microsoft.com/office/drawing/2014/main" id="{8B4FC4D9-3A38-7C97-CFAF-4FA4200B22A1}"/>
+              </a:ext>
+            </a:extLst>
+          </p:cNvPr>
+          <p:cNvSpPr txBox="1">
+            <a:spLocks/>
+          </p:cNvSpPr>
+          <p:nvPr/>
+        </p:nvSpPr>
+        <p:spPr>
+          <a:xfrm>
+            <a:off x="6447895" y="250245"/>
+            <a:ext cx="3140592" cy="438149"/>
+          </a:xfrm>
+          <a:prstGeom prst="rect">
+            <a:avLst/>
+          </a:prstGeom>
+          <a:noFill/>
+          <a:ln>
+            <a:noFill/>
+          </a:ln>
+        </p:spPr>
+        <p:txBody>
+          <a:bodyPr spcFirstLastPara="1" wrap="square" lIns="91425" tIns="91425" rIns="91425" bIns="91425" anchor="t" anchorCtr="0">
+            <a:noAutofit/>
+          </a:bodyPr>
+          <a:lstStyle>
+            <a:defPPr marR="0" lvl="0" algn="l" rtl="0">
+              <a:lnSpc>
+                <a:spcPct val="100000"/>
+              </a:lnSpc>
+              <a:spcBef>
+                <a:spcPts val="0"/>
+              </a:spcBef>
+              <a:spcAft>
+                <a:spcPts val="0"/>
+              </a:spcAft>
+            </a:defPPr>
+            <a:lvl1pPr marR="0" lvl="0" algn="ctr" rtl="0">
+              <a:lnSpc>
+                <a:spcPct val="100000"/>
+              </a:lnSpc>
+              <a:spcBef>
+                <a:spcPts val="0"/>
+              </a:spcBef>
+              <a:spcAft>
+                <a:spcPts val="0"/>
+              </a:spcAft>
+              <a:buClr>
+                <a:schemeClr val="dk1"/>
+              </a:buClr>
+              <a:buSzPts val="5200"/>
+              <a:buFont typeface="Arial"/>
+              <a:buNone/>
+              <a:defRPr sz="5200" b="0" i="0" u="none" strike="noStrike" cap="none">
+                <a:solidFill>
+                  <a:schemeClr val="dk1"/>
+                </a:solidFill>
+                <a:latin typeface="Arial"/>
+                <a:ea typeface="Arial"/>
+                <a:cs typeface="Arial"/>
+                <a:sym typeface="Arial"/>
+              </a:defRPr>
+            </a:lvl1pPr>
+            <a:lvl2pPr marR="0" lvl="1" algn="ctr" rtl="0">
+              <a:lnSpc>
+                <a:spcPct val="100000"/>
+              </a:lnSpc>
+              <a:spcBef>
+                <a:spcPts val="0"/>
+              </a:spcBef>
+              <a:spcAft>
+                <a:spcPts val="0"/>
+              </a:spcAft>
+              <a:buClr>
+                <a:schemeClr val="dk1"/>
+              </a:buClr>
+              <a:buSzPts val="5200"/>
+              <a:buFont typeface="Arial"/>
+              <a:buNone/>
+              <a:defRPr sz="5200" b="0" i="0" u="none" strike="noStrike" cap="none">
+                <a:solidFill>
+                  <a:schemeClr val="dk1"/>
+                </a:solidFill>
+                <a:latin typeface="Arial"/>
+                <a:ea typeface="Arial"/>
+                <a:cs typeface="Arial"/>
+                <a:sym typeface="Arial"/>
+              </a:defRPr>
+            </a:lvl2pPr>
+            <a:lvl3pPr marR="0" lvl="2" algn="ctr" rtl="0">
+              <a:lnSpc>
+                <a:spcPct val="100000"/>
+              </a:lnSpc>
+              <a:spcBef>
+                <a:spcPts val="0"/>
+              </a:spcBef>
+              <a:spcAft>
+                <a:spcPts val="0"/>
+              </a:spcAft>
+              <a:buClr>
+                <a:schemeClr val="dk1"/>
+              </a:buClr>
+              <a:buSzPts val="5200"/>
+              <a:buFont typeface="Arial"/>
+              <a:buNone/>
+              <a:defRPr sz="5200" b="0" i="0" u="none" strike="noStrike" cap="none">
+                <a:solidFill>
+                  <a:schemeClr val="dk1"/>
+                </a:solidFill>
+                <a:latin typeface="Arial"/>
+                <a:ea typeface="Arial"/>
+                <a:cs typeface="Arial"/>
+                <a:sym typeface="Arial"/>
+              </a:defRPr>
+            </a:lvl3pPr>
+            <a:lvl4pPr marR="0" lvl="3" algn="ctr" rtl="0">
+              <a:lnSpc>
+                <a:spcPct val="100000"/>
+              </a:lnSpc>
+              <a:spcBef>
+                <a:spcPts val="0"/>
+              </a:spcBef>
+              <a:spcAft>
+                <a:spcPts val="0"/>
+              </a:spcAft>
+              <a:buClr>
+                <a:schemeClr val="dk1"/>
+              </a:buClr>
+              <a:buSzPts val="5200"/>
+              <a:buFont typeface="Arial"/>
+              <a:buNone/>
+              <a:defRPr sz="5200" b="0" i="0" u="none" strike="noStrike" cap="none">
+                <a:solidFill>
+                  <a:schemeClr val="dk1"/>
+                </a:solidFill>
+                <a:latin typeface="Arial"/>
+                <a:ea typeface="Arial"/>
+                <a:cs typeface="Arial"/>
+                <a:sym typeface="Arial"/>
+              </a:defRPr>
+            </a:lvl4pPr>
+            <a:lvl5pPr marR="0" lvl="4" algn="ctr" rtl="0">
+              <a:lnSpc>
+                <a:spcPct val="100000"/>
+              </a:lnSpc>
+              <a:spcBef>
+                <a:spcPts val="0"/>
+              </a:spcBef>
+              <a:spcAft>
+                <a:spcPts val="0"/>
+              </a:spcAft>
+              <a:buClr>
+                <a:schemeClr val="dk1"/>
+              </a:buClr>
+              <a:buSzPts val="5200"/>
+              <a:buFont typeface="Arial"/>
+              <a:buNone/>
+              <a:defRPr sz="5200" b="0" i="0" u="none" strike="noStrike" cap="none">
+                <a:solidFill>
+                  <a:schemeClr val="dk1"/>
+                </a:solidFill>
+                <a:latin typeface="Arial"/>
+                <a:ea typeface="Arial"/>
+                <a:cs typeface="Arial"/>
+                <a:sym typeface="Arial"/>
+              </a:defRPr>
+            </a:lvl5pPr>
+            <a:lvl6pPr marR="0" lvl="5" algn="ctr" rtl="0">
+              <a:lnSpc>
+                <a:spcPct val="100000"/>
+              </a:lnSpc>
+              <a:spcBef>
+                <a:spcPts val="0"/>
+              </a:spcBef>
+              <a:spcAft>
+                <a:spcPts val="0"/>
+              </a:spcAft>
+              <a:buClr>
+                <a:schemeClr val="dk1"/>
+              </a:buClr>
+              <a:buSzPts val="5200"/>
+              <a:buFont typeface="Arial"/>
+              <a:buNone/>
+              <a:defRPr sz="5200" b="0" i="0" u="none" strike="noStrike" cap="none">
+                <a:solidFill>
+                  <a:schemeClr val="dk1"/>
+                </a:solidFill>
+                <a:latin typeface="Arial"/>
+                <a:ea typeface="Arial"/>
+                <a:cs typeface="Arial"/>
+                <a:sym typeface="Arial"/>
+              </a:defRPr>
+            </a:lvl6pPr>
+            <a:lvl7pPr marR="0" lvl="6" algn="ctr" rtl="0">
+              <a:lnSpc>
+                <a:spcPct val="100000"/>
+              </a:lnSpc>
+              <a:spcBef>
+                <a:spcPts val="0"/>
+              </a:spcBef>
+              <a:spcAft>
+                <a:spcPts val="0"/>
+              </a:spcAft>
+              <a:buClr>
+                <a:schemeClr val="dk1"/>
+              </a:buClr>
+              <a:buSzPts val="5200"/>
+              <a:buFont typeface="Arial"/>
+              <a:buNone/>
+              <a:defRPr sz="5200" b="0" i="0" u="none" strike="noStrike" cap="none">
+                <a:solidFill>
+                  <a:schemeClr val="dk1"/>
+                </a:solidFill>
+                <a:latin typeface="Arial"/>
+                <a:ea typeface="Arial"/>
+                <a:cs typeface="Arial"/>
+                <a:sym typeface="Arial"/>
+              </a:defRPr>
+            </a:lvl7pPr>
+            <a:lvl8pPr marR="0" lvl="7" algn="ctr" rtl="0">
+              <a:lnSpc>
+                <a:spcPct val="100000"/>
+              </a:lnSpc>
+              <a:spcBef>
+                <a:spcPts val="0"/>
+              </a:spcBef>
+              <a:spcAft>
+                <a:spcPts val="0"/>
+              </a:spcAft>
+              <a:buClr>
+                <a:schemeClr val="dk1"/>
+              </a:buClr>
+              <a:buSzPts val="5200"/>
+              <a:buFont typeface="Arial"/>
+              <a:buNone/>
+              <a:defRPr sz="5200" b="0" i="0" u="none" strike="noStrike" cap="none">
+                <a:solidFill>
+                  <a:schemeClr val="dk1"/>
+                </a:solidFill>
+                <a:latin typeface="Arial"/>
+                <a:ea typeface="Arial"/>
+                <a:cs typeface="Arial"/>
+                <a:sym typeface="Arial"/>
+              </a:defRPr>
+            </a:lvl8pPr>
+            <a:lvl9pPr marR="0" lvl="8" algn="ctr" rtl="0">
+              <a:lnSpc>
+                <a:spcPct val="100000"/>
+              </a:lnSpc>
+              <a:spcBef>
+                <a:spcPts val="0"/>
+              </a:spcBef>
+              <a:spcAft>
+                <a:spcPts val="0"/>
+              </a:spcAft>
+              <a:buClr>
+                <a:schemeClr val="dk1"/>
+              </a:buClr>
+              <a:buSzPts val="5200"/>
+              <a:buFont typeface="Arial"/>
+              <a:buNone/>
+              <a:defRPr sz="5200" b="0" i="0" u="none" strike="noStrike" cap="none">
+                <a:solidFill>
+                  <a:schemeClr val="dk1"/>
+                </a:solidFill>
+                <a:latin typeface="Arial"/>
+                <a:ea typeface="Arial"/>
+                <a:cs typeface="Arial"/>
+                <a:sym typeface="Arial"/>
+              </a:defRPr>
+            </a:lvl9pPr>
+          </a:lstStyle>
+          <a:p>
+            <a:pPr algn="r"/>
+            <a:r>
+              <a:rPr lang="nl-BE" sz="1400" dirty="0">
+                <a:latin typeface="Cascadia Mono" panose="020B0609020000020004" pitchFamily="49" charset="0"/>
+                <a:ea typeface="Cascadia Mono" panose="020B0609020000020004" pitchFamily="49" charset="0"/>
+                <a:cs typeface="Cascadia Mono" panose="020B0609020000020004" pitchFamily="49" charset="0"/>
+                <a:sym typeface="Montserrat"/>
+              </a:rPr>
+              <a:t>Python Fundamentals</a:t>
+            </a:r>
+          </a:p>
+        </p:txBody>
+      </p:sp>
+      <p:sp>
+        <p:nvSpPr>
+          <p:cNvPr id="4" name="Google Shape;69;p15">
+            <a:extLst>
+              <a:ext uri="{FF2B5EF4-FFF2-40B4-BE49-F238E27FC236}">
+                <a16:creationId xmlns:a16="http://schemas.microsoft.com/office/drawing/2014/main" id="{E2B39D20-70D4-BDE3-B6D7-4E3CB3638DA8}"/>
+              </a:ext>
+            </a:extLst>
+          </p:cNvPr>
+          <p:cNvSpPr txBox="1">
+            <a:spLocks/>
+          </p:cNvSpPr>
+          <p:nvPr/>
+        </p:nvSpPr>
+        <p:spPr>
+          <a:xfrm>
+            <a:off x="107431" y="6372226"/>
+            <a:ext cx="5769493" cy="438149"/>
+          </a:xfrm>
+          <a:prstGeom prst="rect">
+            <a:avLst/>
+          </a:prstGeom>
+          <a:noFill/>
+          <a:ln>
+            <a:noFill/>
+          </a:ln>
+        </p:spPr>
+        <p:txBody>
+          <a:bodyPr spcFirstLastPara="1" wrap="square" lIns="91425" tIns="91425" rIns="91425" bIns="91425" anchor="t" anchorCtr="0">
+            <a:noAutofit/>
+          </a:bodyPr>
+          <a:lstStyle>
+            <a:defPPr marR="0" lvl="0" algn="l" rtl="0">
+              <a:lnSpc>
+                <a:spcPct val="100000"/>
+              </a:lnSpc>
+              <a:spcBef>
+                <a:spcPts val="0"/>
+              </a:spcBef>
+              <a:spcAft>
+                <a:spcPts val="0"/>
+              </a:spcAft>
+            </a:defPPr>
+            <a:lvl1pPr marR="0" lvl="0" algn="ctr" rtl="0">
+              <a:lnSpc>
+                <a:spcPct val="100000"/>
+              </a:lnSpc>
+              <a:spcBef>
+                <a:spcPts val="0"/>
+              </a:spcBef>
+              <a:spcAft>
+                <a:spcPts val="0"/>
+              </a:spcAft>
+              <a:buClr>
+                <a:schemeClr val="dk1"/>
+              </a:buClr>
+              <a:buSzPts val="5200"/>
+              <a:buFont typeface="Arial"/>
+              <a:buNone/>
+              <a:defRPr sz="5200" b="0" i="0" u="none" strike="noStrike" cap="none">
+                <a:solidFill>
+                  <a:schemeClr val="dk1"/>
+                </a:solidFill>
+                <a:latin typeface="Arial"/>
+                <a:ea typeface="Arial"/>
+                <a:cs typeface="Arial"/>
+                <a:sym typeface="Arial"/>
+              </a:defRPr>
+            </a:lvl1pPr>
+            <a:lvl2pPr marR="0" lvl="1" algn="ctr" rtl="0">
+              <a:lnSpc>
+                <a:spcPct val="100000"/>
+              </a:lnSpc>
+              <a:spcBef>
+                <a:spcPts val="0"/>
+              </a:spcBef>
+              <a:spcAft>
+                <a:spcPts val="0"/>
+              </a:spcAft>
+              <a:buClr>
+                <a:schemeClr val="dk1"/>
+              </a:buClr>
+              <a:buSzPts val="5200"/>
+              <a:buFont typeface="Arial"/>
+              <a:buNone/>
+              <a:defRPr sz="5200" b="0" i="0" u="none" strike="noStrike" cap="none">
+                <a:solidFill>
+                  <a:schemeClr val="dk1"/>
+                </a:solidFill>
+                <a:latin typeface="Arial"/>
+                <a:ea typeface="Arial"/>
+                <a:cs typeface="Arial"/>
+                <a:sym typeface="Arial"/>
+              </a:defRPr>
+            </a:lvl2pPr>
+            <a:lvl3pPr marR="0" lvl="2" algn="ctr" rtl="0">
+              <a:lnSpc>
+                <a:spcPct val="100000"/>
+              </a:lnSpc>
+              <a:spcBef>
+                <a:spcPts val="0"/>
+              </a:spcBef>
+              <a:spcAft>
+                <a:spcPts val="0"/>
+              </a:spcAft>
+              <a:buClr>
+                <a:schemeClr val="dk1"/>
+              </a:buClr>
+              <a:buSzPts val="5200"/>
+              <a:buFont typeface="Arial"/>
+              <a:buNone/>
+              <a:defRPr sz="5200" b="0" i="0" u="none" strike="noStrike" cap="none">
+                <a:solidFill>
+                  <a:schemeClr val="dk1"/>
+                </a:solidFill>
+                <a:latin typeface="Arial"/>
+                <a:ea typeface="Arial"/>
+                <a:cs typeface="Arial"/>
+                <a:sym typeface="Arial"/>
+              </a:defRPr>
+            </a:lvl3pPr>
+            <a:lvl4pPr marR="0" lvl="3" algn="ctr" rtl="0">
+              <a:lnSpc>
+                <a:spcPct val="100000"/>
+              </a:lnSpc>
+              <a:spcBef>
+                <a:spcPts val="0"/>
+              </a:spcBef>
+              <a:spcAft>
+                <a:spcPts val="0"/>
+              </a:spcAft>
+              <a:buClr>
+                <a:schemeClr val="dk1"/>
+              </a:buClr>
+              <a:buSzPts val="5200"/>
+              <a:buFont typeface="Arial"/>
+              <a:buNone/>
+              <a:defRPr sz="5200" b="0" i="0" u="none" strike="noStrike" cap="none">
+                <a:solidFill>
+                  <a:schemeClr val="dk1"/>
+                </a:solidFill>
+                <a:latin typeface="Arial"/>
+                <a:ea typeface="Arial"/>
+                <a:cs typeface="Arial"/>
+                <a:sym typeface="Arial"/>
+              </a:defRPr>
+            </a:lvl4pPr>
+            <a:lvl5pPr marR="0" lvl="4" algn="ctr" rtl="0">
+              <a:lnSpc>
+                <a:spcPct val="100000"/>
+              </a:lnSpc>
+              <a:spcBef>
+                <a:spcPts val="0"/>
+              </a:spcBef>
+              <a:spcAft>
+                <a:spcPts val="0"/>
+              </a:spcAft>
+              <a:buClr>
+                <a:schemeClr val="dk1"/>
+              </a:buClr>
+              <a:buSzPts val="5200"/>
+              <a:buFont typeface="Arial"/>
+              <a:buNone/>
+              <a:defRPr sz="5200" b="0" i="0" u="none" strike="noStrike" cap="none">
+                <a:solidFill>
+                  <a:schemeClr val="dk1"/>
+                </a:solidFill>
+                <a:latin typeface="Arial"/>
+                <a:ea typeface="Arial"/>
+                <a:cs typeface="Arial"/>
+                <a:sym typeface="Arial"/>
+              </a:defRPr>
+            </a:lvl5pPr>
+            <a:lvl6pPr marR="0" lvl="5" algn="ctr" rtl="0">
+              <a:lnSpc>
+                <a:spcPct val="100000"/>
+              </a:lnSpc>
+              <a:spcBef>
+                <a:spcPts val="0"/>
+              </a:spcBef>
+              <a:spcAft>
+                <a:spcPts val="0"/>
+              </a:spcAft>
+              <a:buClr>
+                <a:schemeClr val="dk1"/>
+              </a:buClr>
+              <a:buSzPts val="5200"/>
+              <a:buFont typeface="Arial"/>
+              <a:buNone/>
+              <a:defRPr sz="5200" b="0" i="0" u="none" strike="noStrike" cap="none">
+                <a:solidFill>
+                  <a:schemeClr val="dk1"/>
+                </a:solidFill>
+                <a:latin typeface="Arial"/>
+                <a:ea typeface="Arial"/>
+                <a:cs typeface="Arial"/>
+                <a:sym typeface="Arial"/>
+              </a:defRPr>
+            </a:lvl6pPr>
+            <a:lvl7pPr marR="0" lvl="6" algn="ctr" rtl="0">
+              <a:lnSpc>
+                <a:spcPct val="100000"/>
+              </a:lnSpc>
+              <a:spcBef>
+                <a:spcPts val="0"/>
+              </a:spcBef>
+              <a:spcAft>
+                <a:spcPts val="0"/>
+              </a:spcAft>
+              <a:buClr>
+                <a:schemeClr val="dk1"/>
+              </a:buClr>
+              <a:buSzPts val="5200"/>
+              <a:buFont typeface="Arial"/>
+              <a:buNone/>
+              <a:defRPr sz="5200" b="0" i="0" u="none" strike="noStrike" cap="none">
+                <a:solidFill>
+                  <a:schemeClr val="dk1"/>
+                </a:solidFill>
+                <a:latin typeface="Arial"/>
+                <a:ea typeface="Arial"/>
+                <a:cs typeface="Arial"/>
+                <a:sym typeface="Arial"/>
+              </a:defRPr>
+            </a:lvl7pPr>
+            <a:lvl8pPr marR="0" lvl="7" algn="ctr" rtl="0">
+              <a:lnSpc>
+                <a:spcPct val="100000"/>
+              </a:lnSpc>
+              <a:spcBef>
+                <a:spcPts val="0"/>
+              </a:spcBef>
+              <a:spcAft>
+                <a:spcPts val="0"/>
+              </a:spcAft>
+              <a:buClr>
+                <a:schemeClr val="dk1"/>
+              </a:buClr>
+              <a:buSzPts val="5200"/>
+              <a:buFont typeface="Arial"/>
+              <a:buNone/>
+              <a:defRPr sz="5200" b="0" i="0" u="none" strike="noStrike" cap="none">
+                <a:solidFill>
+                  <a:schemeClr val="dk1"/>
+                </a:solidFill>
+                <a:latin typeface="Arial"/>
+                <a:ea typeface="Arial"/>
+                <a:cs typeface="Arial"/>
+                <a:sym typeface="Arial"/>
+              </a:defRPr>
+            </a:lvl8pPr>
+            <a:lvl9pPr marR="0" lvl="8" algn="ctr" rtl="0">
+              <a:lnSpc>
+                <a:spcPct val="100000"/>
+              </a:lnSpc>
+              <a:spcBef>
+                <a:spcPts val="0"/>
+              </a:spcBef>
+              <a:spcAft>
+                <a:spcPts val="0"/>
+              </a:spcAft>
+              <a:buClr>
+                <a:schemeClr val="dk1"/>
+              </a:buClr>
+              <a:buSzPts val="5200"/>
+              <a:buFont typeface="Arial"/>
+              <a:buNone/>
+              <a:defRPr sz="5200" b="0" i="0" u="none" strike="noStrike" cap="none">
+                <a:solidFill>
+                  <a:schemeClr val="dk1"/>
+                </a:solidFill>
+                <a:latin typeface="Arial"/>
+                <a:ea typeface="Arial"/>
+                <a:cs typeface="Arial"/>
+                <a:sym typeface="Arial"/>
+              </a:defRPr>
+            </a:lvl9pPr>
+          </a:lstStyle>
+          <a:p>
+            <a:pPr algn="l"/>
+            <a:r>
+              <a:rPr lang="nl-BE" sz="1400" dirty="0">
+                <a:latin typeface="Cascadia Mono" panose="020B0609020000020004" pitchFamily="49" charset="0"/>
+                <a:ea typeface="Cascadia Mono" panose="020B0609020000020004" pitchFamily="49" charset="0"/>
+                <a:cs typeface="Cascadia Mono" panose="020B0609020000020004" pitchFamily="49" charset="0"/>
+                <a:sym typeface="Montserrat"/>
+                <a:hlinkClick r:id="rId4"/>
+              </a:rPr>
+              <a:t>www.intecbrussel.be</a:t>
+            </a:r>
+            <a:r>
+              <a:rPr lang="nl-BE" sz="1400" dirty="0">
+                <a:latin typeface="Cascadia Mono" panose="020B0609020000020004" pitchFamily="49" charset="0"/>
+                <a:ea typeface="Cascadia Mono" panose="020B0609020000020004" pitchFamily="49" charset="0"/>
+                <a:cs typeface="Cascadia Mono" panose="020B0609020000020004" pitchFamily="49" charset="0"/>
+                <a:sym typeface="Montserrat"/>
+              </a:rPr>
+              <a:t> | </a:t>
+            </a:r>
+            <a:r>
+              <a:rPr lang="nl-BE" sz="1400" dirty="0">
+                <a:latin typeface="Cascadia Mono" panose="020B0609020000020004" pitchFamily="49" charset="0"/>
+                <a:ea typeface="Cascadia Mono" panose="020B0609020000020004" pitchFamily="49" charset="0"/>
+                <a:cs typeface="Cascadia Mono" panose="020B0609020000020004" pitchFamily="49" charset="0"/>
+                <a:sym typeface="Montserrat"/>
+                <a:hlinkClick r:id="rId5"/>
+              </a:rPr>
+              <a:t>yilmaz.mustafa@intecbrussel.be</a:t>
+            </a:r>
+            <a:endParaRPr lang="nl-BE" sz="1400" dirty="0">
+              <a:latin typeface="Cascadia Mono" panose="020B0609020000020004" pitchFamily="49" charset="0"/>
+              <a:ea typeface="Cascadia Mono" panose="020B0609020000020004" pitchFamily="49" charset="0"/>
+              <a:cs typeface="Cascadia Mono" panose="020B0609020000020004" pitchFamily="49" charset="0"/>
+              <a:sym typeface="Montserrat"/>
+            </a:endParaRPr>
+          </a:p>
+          <a:p>
+            <a:pPr algn="l"/>
+            <a:endParaRPr lang="nl-BE" sz="1400" dirty="0">
+              <a:latin typeface="Cascadia Mono" panose="020B0609020000020004" pitchFamily="49" charset="0"/>
+              <a:ea typeface="Cascadia Mono" panose="020B0609020000020004" pitchFamily="49" charset="0"/>
+              <a:cs typeface="Cascadia Mono" panose="020B0609020000020004" pitchFamily="49" charset="0"/>
+              <a:sym typeface="Montserrat"/>
+            </a:endParaRPr>
+          </a:p>
+        </p:txBody>
+      </p:sp>
     </p:spTree>
   </p:cSld>
   <p:clrMapOvr>
@@ -10351,6 +17010,668 @@
               <a:latin typeface="Montserrat"/>
               <a:ea typeface="Montserrat"/>
               <a:cs typeface="Montserrat"/>
+              <a:sym typeface="Montserrat"/>
+            </a:endParaRPr>
+          </a:p>
+        </p:txBody>
+      </p:sp>
+      <p:pic>
+        <p:nvPicPr>
+          <p:cNvPr id="2" name="Picture 1">
+            <a:extLst>
+              <a:ext uri="{FF2B5EF4-FFF2-40B4-BE49-F238E27FC236}">
+                <a16:creationId xmlns:a16="http://schemas.microsoft.com/office/drawing/2014/main" id="{B8B280CA-D296-F67B-2437-6FDCA18F54AE}"/>
+              </a:ext>
+            </a:extLst>
+          </p:cNvPr>
+          <p:cNvPicPr>
+            <a:picLocks noChangeAspect="1"/>
+          </p:cNvPicPr>
+          <p:nvPr/>
+        </p:nvPicPr>
+        <p:blipFill>
+          <a:blip r:embed="rId3"/>
+          <a:stretch>
+            <a:fillRect/>
+          </a:stretch>
+        </p:blipFill>
+        <p:spPr>
+          <a:xfrm>
+            <a:off x="317513" y="305109"/>
+            <a:ext cx="552140" cy="552140"/>
+          </a:xfrm>
+          <a:prstGeom prst="roundRect">
+            <a:avLst>
+              <a:gd name="adj" fmla="val 8594"/>
+            </a:avLst>
+          </a:prstGeom>
+          <a:solidFill>
+            <a:srgbClr val="FFFFFF">
+              <a:shade val="85000"/>
+            </a:srgbClr>
+          </a:solidFill>
+          <a:ln>
+            <a:noFill/>
+          </a:ln>
+          <a:effectLst>
+            <a:reflection blurRad="12700" stA="38000" endPos="28000" dist="5000" dir="5400000" sy="-100000" algn="bl" rotWithShape="0"/>
+          </a:effectLst>
+        </p:spPr>
+      </p:pic>
+      <p:sp>
+        <p:nvSpPr>
+          <p:cNvPr id="3" name="Google Shape;69;p15">
+            <a:extLst>
+              <a:ext uri="{FF2B5EF4-FFF2-40B4-BE49-F238E27FC236}">
+                <a16:creationId xmlns:a16="http://schemas.microsoft.com/office/drawing/2014/main" id="{B8B01959-350D-6C42-7CAC-3FA0E035CE2D}"/>
+              </a:ext>
+            </a:extLst>
+          </p:cNvPr>
+          <p:cNvSpPr txBox="1">
+            <a:spLocks/>
+          </p:cNvSpPr>
+          <p:nvPr/>
+        </p:nvSpPr>
+        <p:spPr>
+          <a:xfrm>
+            <a:off x="6447895" y="250245"/>
+            <a:ext cx="3140592" cy="438149"/>
+          </a:xfrm>
+          <a:prstGeom prst="rect">
+            <a:avLst/>
+          </a:prstGeom>
+          <a:noFill/>
+          <a:ln>
+            <a:noFill/>
+          </a:ln>
+        </p:spPr>
+        <p:txBody>
+          <a:bodyPr spcFirstLastPara="1" wrap="square" lIns="91425" tIns="91425" rIns="91425" bIns="91425" anchor="t" anchorCtr="0">
+            <a:noAutofit/>
+          </a:bodyPr>
+          <a:lstStyle>
+            <a:defPPr marR="0" lvl="0" algn="l" rtl="0">
+              <a:lnSpc>
+                <a:spcPct val="100000"/>
+              </a:lnSpc>
+              <a:spcBef>
+                <a:spcPts val="0"/>
+              </a:spcBef>
+              <a:spcAft>
+                <a:spcPts val="0"/>
+              </a:spcAft>
+            </a:defPPr>
+            <a:lvl1pPr marR="0" lvl="0" algn="ctr" rtl="0">
+              <a:lnSpc>
+                <a:spcPct val="100000"/>
+              </a:lnSpc>
+              <a:spcBef>
+                <a:spcPts val="0"/>
+              </a:spcBef>
+              <a:spcAft>
+                <a:spcPts val="0"/>
+              </a:spcAft>
+              <a:buClr>
+                <a:schemeClr val="dk1"/>
+              </a:buClr>
+              <a:buSzPts val="5200"/>
+              <a:buFont typeface="Arial"/>
+              <a:buNone/>
+              <a:defRPr sz="5200" b="0" i="0" u="none" strike="noStrike" cap="none">
+                <a:solidFill>
+                  <a:schemeClr val="dk1"/>
+                </a:solidFill>
+                <a:latin typeface="Arial"/>
+                <a:ea typeface="Arial"/>
+                <a:cs typeface="Arial"/>
+                <a:sym typeface="Arial"/>
+              </a:defRPr>
+            </a:lvl1pPr>
+            <a:lvl2pPr marR="0" lvl="1" algn="ctr" rtl="0">
+              <a:lnSpc>
+                <a:spcPct val="100000"/>
+              </a:lnSpc>
+              <a:spcBef>
+                <a:spcPts val="0"/>
+              </a:spcBef>
+              <a:spcAft>
+                <a:spcPts val="0"/>
+              </a:spcAft>
+              <a:buClr>
+                <a:schemeClr val="dk1"/>
+              </a:buClr>
+              <a:buSzPts val="5200"/>
+              <a:buFont typeface="Arial"/>
+              <a:buNone/>
+              <a:defRPr sz="5200" b="0" i="0" u="none" strike="noStrike" cap="none">
+                <a:solidFill>
+                  <a:schemeClr val="dk1"/>
+                </a:solidFill>
+                <a:latin typeface="Arial"/>
+                <a:ea typeface="Arial"/>
+                <a:cs typeface="Arial"/>
+                <a:sym typeface="Arial"/>
+              </a:defRPr>
+            </a:lvl2pPr>
+            <a:lvl3pPr marR="0" lvl="2" algn="ctr" rtl="0">
+              <a:lnSpc>
+                <a:spcPct val="100000"/>
+              </a:lnSpc>
+              <a:spcBef>
+                <a:spcPts val="0"/>
+              </a:spcBef>
+              <a:spcAft>
+                <a:spcPts val="0"/>
+              </a:spcAft>
+              <a:buClr>
+                <a:schemeClr val="dk1"/>
+              </a:buClr>
+              <a:buSzPts val="5200"/>
+              <a:buFont typeface="Arial"/>
+              <a:buNone/>
+              <a:defRPr sz="5200" b="0" i="0" u="none" strike="noStrike" cap="none">
+                <a:solidFill>
+                  <a:schemeClr val="dk1"/>
+                </a:solidFill>
+                <a:latin typeface="Arial"/>
+                <a:ea typeface="Arial"/>
+                <a:cs typeface="Arial"/>
+                <a:sym typeface="Arial"/>
+              </a:defRPr>
+            </a:lvl3pPr>
+            <a:lvl4pPr marR="0" lvl="3" algn="ctr" rtl="0">
+              <a:lnSpc>
+                <a:spcPct val="100000"/>
+              </a:lnSpc>
+              <a:spcBef>
+                <a:spcPts val="0"/>
+              </a:spcBef>
+              <a:spcAft>
+                <a:spcPts val="0"/>
+              </a:spcAft>
+              <a:buClr>
+                <a:schemeClr val="dk1"/>
+              </a:buClr>
+              <a:buSzPts val="5200"/>
+              <a:buFont typeface="Arial"/>
+              <a:buNone/>
+              <a:defRPr sz="5200" b="0" i="0" u="none" strike="noStrike" cap="none">
+                <a:solidFill>
+                  <a:schemeClr val="dk1"/>
+                </a:solidFill>
+                <a:latin typeface="Arial"/>
+                <a:ea typeface="Arial"/>
+                <a:cs typeface="Arial"/>
+                <a:sym typeface="Arial"/>
+              </a:defRPr>
+            </a:lvl4pPr>
+            <a:lvl5pPr marR="0" lvl="4" algn="ctr" rtl="0">
+              <a:lnSpc>
+                <a:spcPct val="100000"/>
+              </a:lnSpc>
+              <a:spcBef>
+                <a:spcPts val="0"/>
+              </a:spcBef>
+              <a:spcAft>
+                <a:spcPts val="0"/>
+              </a:spcAft>
+              <a:buClr>
+                <a:schemeClr val="dk1"/>
+              </a:buClr>
+              <a:buSzPts val="5200"/>
+              <a:buFont typeface="Arial"/>
+              <a:buNone/>
+              <a:defRPr sz="5200" b="0" i="0" u="none" strike="noStrike" cap="none">
+                <a:solidFill>
+                  <a:schemeClr val="dk1"/>
+                </a:solidFill>
+                <a:latin typeface="Arial"/>
+                <a:ea typeface="Arial"/>
+                <a:cs typeface="Arial"/>
+                <a:sym typeface="Arial"/>
+              </a:defRPr>
+            </a:lvl5pPr>
+            <a:lvl6pPr marR="0" lvl="5" algn="ctr" rtl="0">
+              <a:lnSpc>
+                <a:spcPct val="100000"/>
+              </a:lnSpc>
+              <a:spcBef>
+                <a:spcPts val="0"/>
+              </a:spcBef>
+              <a:spcAft>
+                <a:spcPts val="0"/>
+              </a:spcAft>
+              <a:buClr>
+                <a:schemeClr val="dk1"/>
+              </a:buClr>
+              <a:buSzPts val="5200"/>
+              <a:buFont typeface="Arial"/>
+              <a:buNone/>
+              <a:defRPr sz="5200" b="0" i="0" u="none" strike="noStrike" cap="none">
+                <a:solidFill>
+                  <a:schemeClr val="dk1"/>
+                </a:solidFill>
+                <a:latin typeface="Arial"/>
+                <a:ea typeface="Arial"/>
+                <a:cs typeface="Arial"/>
+                <a:sym typeface="Arial"/>
+              </a:defRPr>
+            </a:lvl6pPr>
+            <a:lvl7pPr marR="0" lvl="6" algn="ctr" rtl="0">
+              <a:lnSpc>
+                <a:spcPct val="100000"/>
+              </a:lnSpc>
+              <a:spcBef>
+                <a:spcPts val="0"/>
+              </a:spcBef>
+              <a:spcAft>
+                <a:spcPts val="0"/>
+              </a:spcAft>
+              <a:buClr>
+                <a:schemeClr val="dk1"/>
+              </a:buClr>
+              <a:buSzPts val="5200"/>
+              <a:buFont typeface="Arial"/>
+              <a:buNone/>
+              <a:defRPr sz="5200" b="0" i="0" u="none" strike="noStrike" cap="none">
+                <a:solidFill>
+                  <a:schemeClr val="dk1"/>
+                </a:solidFill>
+                <a:latin typeface="Arial"/>
+                <a:ea typeface="Arial"/>
+                <a:cs typeface="Arial"/>
+                <a:sym typeface="Arial"/>
+              </a:defRPr>
+            </a:lvl7pPr>
+            <a:lvl8pPr marR="0" lvl="7" algn="ctr" rtl="0">
+              <a:lnSpc>
+                <a:spcPct val="100000"/>
+              </a:lnSpc>
+              <a:spcBef>
+                <a:spcPts val="0"/>
+              </a:spcBef>
+              <a:spcAft>
+                <a:spcPts val="0"/>
+              </a:spcAft>
+              <a:buClr>
+                <a:schemeClr val="dk1"/>
+              </a:buClr>
+              <a:buSzPts val="5200"/>
+              <a:buFont typeface="Arial"/>
+              <a:buNone/>
+              <a:defRPr sz="5200" b="0" i="0" u="none" strike="noStrike" cap="none">
+                <a:solidFill>
+                  <a:schemeClr val="dk1"/>
+                </a:solidFill>
+                <a:latin typeface="Arial"/>
+                <a:ea typeface="Arial"/>
+                <a:cs typeface="Arial"/>
+                <a:sym typeface="Arial"/>
+              </a:defRPr>
+            </a:lvl8pPr>
+            <a:lvl9pPr marR="0" lvl="8" algn="ctr" rtl="0">
+              <a:lnSpc>
+                <a:spcPct val="100000"/>
+              </a:lnSpc>
+              <a:spcBef>
+                <a:spcPts val="0"/>
+              </a:spcBef>
+              <a:spcAft>
+                <a:spcPts val="0"/>
+              </a:spcAft>
+              <a:buClr>
+                <a:schemeClr val="dk1"/>
+              </a:buClr>
+              <a:buSzPts val="5200"/>
+              <a:buFont typeface="Arial"/>
+              <a:buNone/>
+              <a:defRPr sz="5200" b="0" i="0" u="none" strike="noStrike" cap="none">
+                <a:solidFill>
+                  <a:schemeClr val="dk1"/>
+                </a:solidFill>
+                <a:latin typeface="Arial"/>
+                <a:ea typeface="Arial"/>
+                <a:cs typeface="Arial"/>
+                <a:sym typeface="Arial"/>
+              </a:defRPr>
+            </a:lvl9pPr>
+          </a:lstStyle>
+          <a:p>
+            <a:pPr algn="r"/>
+            <a:r>
+              <a:rPr lang="nl-BE" sz="1400" dirty="0">
+                <a:latin typeface="Cascadia Mono" panose="020B0609020000020004" pitchFamily="49" charset="0"/>
+                <a:ea typeface="Cascadia Mono" panose="020B0609020000020004" pitchFamily="49" charset="0"/>
+                <a:cs typeface="Cascadia Mono" panose="020B0609020000020004" pitchFamily="49" charset="0"/>
+                <a:sym typeface="Montserrat"/>
+              </a:rPr>
+              <a:t>Python Fundamentals</a:t>
+            </a:r>
+          </a:p>
+        </p:txBody>
+      </p:sp>
+      <p:sp>
+        <p:nvSpPr>
+          <p:cNvPr id="4" name="Google Shape;69;p15">
+            <a:extLst>
+              <a:ext uri="{FF2B5EF4-FFF2-40B4-BE49-F238E27FC236}">
+                <a16:creationId xmlns:a16="http://schemas.microsoft.com/office/drawing/2014/main" id="{219CAD7F-6D83-F3BC-076A-BD1F66084396}"/>
+              </a:ext>
+            </a:extLst>
+          </p:cNvPr>
+          <p:cNvSpPr txBox="1">
+            <a:spLocks/>
+          </p:cNvSpPr>
+          <p:nvPr/>
+        </p:nvSpPr>
+        <p:spPr>
+          <a:xfrm>
+            <a:off x="107431" y="6372226"/>
+            <a:ext cx="5769493" cy="438149"/>
+          </a:xfrm>
+          <a:prstGeom prst="rect">
+            <a:avLst/>
+          </a:prstGeom>
+          <a:noFill/>
+          <a:ln>
+            <a:noFill/>
+          </a:ln>
+        </p:spPr>
+        <p:txBody>
+          <a:bodyPr spcFirstLastPara="1" wrap="square" lIns="91425" tIns="91425" rIns="91425" bIns="91425" anchor="t" anchorCtr="0">
+            <a:noAutofit/>
+          </a:bodyPr>
+          <a:lstStyle>
+            <a:defPPr marR="0" lvl="0" algn="l" rtl="0">
+              <a:lnSpc>
+                <a:spcPct val="100000"/>
+              </a:lnSpc>
+              <a:spcBef>
+                <a:spcPts val="0"/>
+              </a:spcBef>
+              <a:spcAft>
+                <a:spcPts val="0"/>
+              </a:spcAft>
+            </a:defPPr>
+            <a:lvl1pPr marR="0" lvl="0" algn="ctr" rtl="0">
+              <a:lnSpc>
+                <a:spcPct val="100000"/>
+              </a:lnSpc>
+              <a:spcBef>
+                <a:spcPts val="0"/>
+              </a:spcBef>
+              <a:spcAft>
+                <a:spcPts val="0"/>
+              </a:spcAft>
+              <a:buClr>
+                <a:schemeClr val="dk1"/>
+              </a:buClr>
+              <a:buSzPts val="5200"/>
+              <a:buFont typeface="Arial"/>
+              <a:buNone/>
+              <a:defRPr sz="5200" b="0" i="0" u="none" strike="noStrike" cap="none">
+                <a:solidFill>
+                  <a:schemeClr val="dk1"/>
+                </a:solidFill>
+                <a:latin typeface="Arial"/>
+                <a:ea typeface="Arial"/>
+                <a:cs typeface="Arial"/>
+                <a:sym typeface="Arial"/>
+              </a:defRPr>
+            </a:lvl1pPr>
+            <a:lvl2pPr marR="0" lvl="1" algn="ctr" rtl="0">
+              <a:lnSpc>
+                <a:spcPct val="100000"/>
+              </a:lnSpc>
+              <a:spcBef>
+                <a:spcPts val="0"/>
+              </a:spcBef>
+              <a:spcAft>
+                <a:spcPts val="0"/>
+              </a:spcAft>
+              <a:buClr>
+                <a:schemeClr val="dk1"/>
+              </a:buClr>
+              <a:buSzPts val="5200"/>
+              <a:buFont typeface="Arial"/>
+              <a:buNone/>
+              <a:defRPr sz="5200" b="0" i="0" u="none" strike="noStrike" cap="none">
+                <a:solidFill>
+                  <a:schemeClr val="dk1"/>
+                </a:solidFill>
+                <a:latin typeface="Arial"/>
+                <a:ea typeface="Arial"/>
+                <a:cs typeface="Arial"/>
+                <a:sym typeface="Arial"/>
+              </a:defRPr>
+            </a:lvl2pPr>
+            <a:lvl3pPr marR="0" lvl="2" algn="ctr" rtl="0">
+              <a:lnSpc>
+                <a:spcPct val="100000"/>
+              </a:lnSpc>
+              <a:spcBef>
+                <a:spcPts val="0"/>
+              </a:spcBef>
+              <a:spcAft>
+                <a:spcPts val="0"/>
+              </a:spcAft>
+              <a:buClr>
+                <a:schemeClr val="dk1"/>
+              </a:buClr>
+              <a:buSzPts val="5200"/>
+              <a:buFont typeface="Arial"/>
+              <a:buNone/>
+              <a:defRPr sz="5200" b="0" i="0" u="none" strike="noStrike" cap="none">
+                <a:solidFill>
+                  <a:schemeClr val="dk1"/>
+                </a:solidFill>
+                <a:latin typeface="Arial"/>
+                <a:ea typeface="Arial"/>
+                <a:cs typeface="Arial"/>
+                <a:sym typeface="Arial"/>
+              </a:defRPr>
+            </a:lvl3pPr>
+            <a:lvl4pPr marR="0" lvl="3" algn="ctr" rtl="0">
+              <a:lnSpc>
+                <a:spcPct val="100000"/>
+              </a:lnSpc>
+              <a:spcBef>
+                <a:spcPts val="0"/>
+              </a:spcBef>
+              <a:spcAft>
+                <a:spcPts val="0"/>
+              </a:spcAft>
+              <a:buClr>
+                <a:schemeClr val="dk1"/>
+              </a:buClr>
+              <a:buSzPts val="5200"/>
+              <a:buFont typeface="Arial"/>
+              <a:buNone/>
+              <a:defRPr sz="5200" b="0" i="0" u="none" strike="noStrike" cap="none">
+                <a:solidFill>
+                  <a:schemeClr val="dk1"/>
+                </a:solidFill>
+                <a:latin typeface="Arial"/>
+                <a:ea typeface="Arial"/>
+                <a:cs typeface="Arial"/>
+                <a:sym typeface="Arial"/>
+              </a:defRPr>
+            </a:lvl4pPr>
+            <a:lvl5pPr marR="0" lvl="4" algn="ctr" rtl="0">
+              <a:lnSpc>
+                <a:spcPct val="100000"/>
+              </a:lnSpc>
+              <a:spcBef>
+                <a:spcPts val="0"/>
+              </a:spcBef>
+              <a:spcAft>
+                <a:spcPts val="0"/>
+              </a:spcAft>
+              <a:buClr>
+                <a:schemeClr val="dk1"/>
+              </a:buClr>
+              <a:buSzPts val="5200"/>
+              <a:buFont typeface="Arial"/>
+              <a:buNone/>
+              <a:defRPr sz="5200" b="0" i="0" u="none" strike="noStrike" cap="none">
+                <a:solidFill>
+                  <a:schemeClr val="dk1"/>
+                </a:solidFill>
+                <a:latin typeface="Arial"/>
+                <a:ea typeface="Arial"/>
+                <a:cs typeface="Arial"/>
+                <a:sym typeface="Arial"/>
+              </a:defRPr>
+            </a:lvl5pPr>
+            <a:lvl6pPr marR="0" lvl="5" algn="ctr" rtl="0">
+              <a:lnSpc>
+                <a:spcPct val="100000"/>
+              </a:lnSpc>
+              <a:spcBef>
+                <a:spcPts val="0"/>
+              </a:spcBef>
+              <a:spcAft>
+                <a:spcPts val="0"/>
+              </a:spcAft>
+              <a:buClr>
+                <a:schemeClr val="dk1"/>
+              </a:buClr>
+              <a:buSzPts val="5200"/>
+              <a:buFont typeface="Arial"/>
+              <a:buNone/>
+              <a:defRPr sz="5200" b="0" i="0" u="none" strike="noStrike" cap="none">
+                <a:solidFill>
+                  <a:schemeClr val="dk1"/>
+                </a:solidFill>
+                <a:latin typeface="Arial"/>
+                <a:ea typeface="Arial"/>
+                <a:cs typeface="Arial"/>
+                <a:sym typeface="Arial"/>
+              </a:defRPr>
+            </a:lvl6pPr>
+            <a:lvl7pPr marR="0" lvl="6" algn="ctr" rtl="0">
+              <a:lnSpc>
+                <a:spcPct val="100000"/>
+              </a:lnSpc>
+              <a:spcBef>
+                <a:spcPts val="0"/>
+              </a:spcBef>
+              <a:spcAft>
+                <a:spcPts val="0"/>
+              </a:spcAft>
+              <a:buClr>
+                <a:schemeClr val="dk1"/>
+              </a:buClr>
+              <a:buSzPts val="5200"/>
+              <a:buFont typeface="Arial"/>
+              <a:buNone/>
+              <a:defRPr sz="5200" b="0" i="0" u="none" strike="noStrike" cap="none">
+                <a:solidFill>
+                  <a:schemeClr val="dk1"/>
+                </a:solidFill>
+                <a:latin typeface="Arial"/>
+                <a:ea typeface="Arial"/>
+                <a:cs typeface="Arial"/>
+                <a:sym typeface="Arial"/>
+              </a:defRPr>
+            </a:lvl7pPr>
+            <a:lvl8pPr marR="0" lvl="7" algn="ctr" rtl="0">
+              <a:lnSpc>
+                <a:spcPct val="100000"/>
+              </a:lnSpc>
+              <a:spcBef>
+                <a:spcPts val="0"/>
+              </a:spcBef>
+              <a:spcAft>
+                <a:spcPts val="0"/>
+              </a:spcAft>
+              <a:buClr>
+                <a:schemeClr val="dk1"/>
+              </a:buClr>
+              <a:buSzPts val="5200"/>
+              <a:buFont typeface="Arial"/>
+              <a:buNone/>
+              <a:defRPr sz="5200" b="0" i="0" u="none" strike="noStrike" cap="none">
+                <a:solidFill>
+                  <a:schemeClr val="dk1"/>
+                </a:solidFill>
+                <a:latin typeface="Arial"/>
+                <a:ea typeface="Arial"/>
+                <a:cs typeface="Arial"/>
+                <a:sym typeface="Arial"/>
+              </a:defRPr>
+            </a:lvl8pPr>
+            <a:lvl9pPr marR="0" lvl="8" algn="ctr" rtl="0">
+              <a:lnSpc>
+                <a:spcPct val="100000"/>
+              </a:lnSpc>
+              <a:spcBef>
+                <a:spcPts val="0"/>
+              </a:spcBef>
+              <a:spcAft>
+                <a:spcPts val="0"/>
+              </a:spcAft>
+              <a:buClr>
+                <a:schemeClr val="dk1"/>
+              </a:buClr>
+              <a:buSzPts val="5200"/>
+              <a:buFont typeface="Arial"/>
+              <a:buNone/>
+              <a:defRPr sz="5200" b="0" i="0" u="none" strike="noStrike" cap="none">
+                <a:solidFill>
+                  <a:schemeClr val="dk1"/>
+                </a:solidFill>
+                <a:latin typeface="Arial"/>
+                <a:ea typeface="Arial"/>
+                <a:cs typeface="Arial"/>
+                <a:sym typeface="Arial"/>
+              </a:defRPr>
+            </a:lvl9pPr>
+          </a:lstStyle>
+          <a:p>
+            <a:pPr algn="l"/>
+            <a:r>
+              <a:rPr lang="nl-BE" sz="1400" dirty="0">
+                <a:latin typeface="Cascadia Mono" panose="020B0609020000020004" pitchFamily="49" charset="0"/>
+                <a:ea typeface="Cascadia Mono" panose="020B0609020000020004" pitchFamily="49" charset="0"/>
+                <a:cs typeface="Cascadia Mono" panose="020B0609020000020004" pitchFamily="49" charset="0"/>
+                <a:sym typeface="Montserrat"/>
+                <a:hlinkClick r:id="rId4"/>
+              </a:rPr>
+              <a:t>www.intecbrussel.be</a:t>
+            </a:r>
+            <a:r>
+              <a:rPr lang="nl-BE" sz="1400" dirty="0">
+                <a:latin typeface="Cascadia Mono" panose="020B0609020000020004" pitchFamily="49" charset="0"/>
+                <a:ea typeface="Cascadia Mono" panose="020B0609020000020004" pitchFamily="49" charset="0"/>
+                <a:cs typeface="Cascadia Mono" panose="020B0609020000020004" pitchFamily="49" charset="0"/>
+                <a:sym typeface="Montserrat"/>
+              </a:rPr>
+              <a:t> | </a:t>
+            </a:r>
+            <a:r>
+              <a:rPr lang="nl-BE" sz="1400" dirty="0">
+                <a:latin typeface="Cascadia Mono" panose="020B0609020000020004" pitchFamily="49" charset="0"/>
+                <a:ea typeface="Cascadia Mono" panose="020B0609020000020004" pitchFamily="49" charset="0"/>
+                <a:cs typeface="Cascadia Mono" panose="020B0609020000020004" pitchFamily="49" charset="0"/>
+                <a:sym typeface="Montserrat"/>
+                <a:hlinkClick r:id="rId5"/>
+              </a:rPr>
+              <a:t>yilmaz.mustafa@intecbrussel.be</a:t>
+            </a:r>
+            <a:endParaRPr lang="nl-BE" sz="1400" dirty="0">
+              <a:latin typeface="Cascadia Mono" panose="020B0609020000020004" pitchFamily="49" charset="0"/>
+              <a:ea typeface="Cascadia Mono" panose="020B0609020000020004" pitchFamily="49" charset="0"/>
+              <a:cs typeface="Cascadia Mono" panose="020B0609020000020004" pitchFamily="49" charset="0"/>
+              <a:sym typeface="Montserrat"/>
+            </a:endParaRPr>
+          </a:p>
+          <a:p>
+            <a:pPr algn="l"/>
+            <a:endParaRPr lang="nl-BE" sz="1400" dirty="0">
+              <a:latin typeface="Cascadia Mono" panose="020B0609020000020004" pitchFamily="49" charset="0"/>
+              <a:ea typeface="Cascadia Mono" panose="020B0609020000020004" pitchFamily="49" charset="0"/>
+              <a:cs typeface="Cascadia Mono" panose="020B0609020000020004" pitchFamily="49" charset="0"/>
               <a:sym typeface="Montserrat"/>
             </a:endParaRPr>
           </a:p>
@@ -11155,6 +18476,15 @@
 </file>
 
 <file path=customXml/item1.xml><?xml version="1.0" encoding="utf-8"?>
+<?mso-contentType ?>
+<FormTemplates xmlns="http://schemas.microsoft.com/sharepoint/v3/contenttype/forms">
+  <Display>DocumentLibraryForm</Display>
+  <Edit>DocumentLibraryForm</Edit>
+  <New>DocumentLibraryForm</New>
+</FormTemplates>
+</file>
+
+<file path=customXml/item2.xml><?xml version="1.0" encoding="utf-8"?>
 <ct:contentTypeSchema xmlns:ct="http://schemas.microsoft.com/office/2006/metadata/contentType" xmlns:ma="http://schemas.microsoft.com/office/2006/metadata/properties/metaAttributes" ct:_="" ma:_="" ma:contentTypeName="Document" ma:contentTypeID="0x0101009725262E7164374C9F63042B19F6DB56" ma:contentTypeVersion="10" ma:contentTypeDescription="Een nieuw document maken." ma:contentTypeScope="" ma:versionID="9e1f8431b3c372cb423fc65d591fab3f">
   <xsd:schema xmlns:xsd="http://www.w3.org/2001/XMLSchema" xmlns:xs="http://www.w3.org/2001/XMLSchema" xmlns:p="http://schemas.microsoft.com/office/2006/metadata/properties" xmlns:ns2="4fce6d0c-2df1-41ae-b231-b2281c3c593b" targetNamespace="http://schemas.microsoft.com/office/2006/metadata/properties" ma:root="true" ma:fieldsID="72604dd2a23f2de62f944fe915218d79" ns2:_="">
     <xsd:import namespace="4fce6d0c-2df1-41ae-b231-b2281c3c593b"/>
@@ -11338,15 +18668,6 @@
 </ct:contentTypeSchema>
 </file>
 
-<file path=customXml/item2.xml><?xml version="1.0" encoding="utf-8"?>
-<?mso-contentType ?>
-<FormTemplates xmlns="http://schemas.microsoft.com/sharepoint/v3/contenttype/forms">
-  <Display>DocumentLibraryForm</Display>
-  <Edit>DocumentLibraryForm</Edit>
-  <New>DocumentLibraryForm</New>
-</FormTemplates>
-</file>
-
 <file path=customXml/item3.xml><?xml version="1.0" encoding="utf-8"?>
 <p:properties xmlns:p="http://schemas.microsoft.com/office/2006/metadata/properties" xmlns:xsi="http://www.w3.org/2001/XMLSchema-instance" xmlns:pc="http://schemas.microsoft.com/office/infopath/2007/PartnerControls">
   <documentManagement/>
@@ -11354,13 +18675,36 @@
 </file>
 
 <file path=customXml/itemProps1.xml><?xml version="1.0" encoding="utf-8"?>
-<ds:datastoreItem xmlns:ds="http://schemas.openxmlformats.org/officeDocument/2006/customXml" ds:itemID="{14227816-8469-4579-B065-3CE7F150060C}"/>
+<ds:datastoreItem xmlns:ds="http://schemas.openxmlformats.org/officeDocument/2006/customXml" ds:itemID="{70326AE2-7596-4CE2-B4BE-E1B50D7BA418}">
+  <ds:schemaRefs>
+    <ds:schemaRef ds:uri="http://schemas.microsoft.com/sharepoint/v3/contenttype/forms"/>
+  </ds:schemaRefs>
+</ds:datastoreItem>
 </file>
 
 <file path=customXml/itemProps2.xml><?xml version="1.0" encoding="utf-8"?>
-<ds:datastoreItem xmlns:ds="http://schemas.openxmlformats.org/officeDocument/2006/customXml" ds:itemID="{70326AE2-7596-4CE2-B4BE-E1B50D7BA418}"/>
+<ds:datastoreItem xmlns:ds="http://schemas.openxmlformats.org/officeDocument/2006/customXml" ds:itemID="{14227816-8469-4579-B065-3CE7F150060C}">
+  <ds:schemaRefs>
+    <ds:schemaRef ds:uri="http://schemas.microsoft.com/office/2006/metadata/contentType"/>
+    <ds:schemaRef ds:uri="http://schemas.microsoft.com/office/2006/metadata/properties/metaAttributes"/>
+    <ds:schemaRef ds:uri="http://www.w3.org/2001/XMLSchema"/>
+    <ds:schemaRef ds:uri="http://schemas.microsoft.com/office/2006/metadata/properties"/>
+    <ds:schemaRef ds:uri="4fce6d0c-2df1-41ae-b231-b2281c3c593b"/>
+    <ds:schemaRef ds:uri="http://schemas.microsoft.com/office/2006/documentManagement/types"/>
+    <ds:schemaRef ds:uri="http://schemas.microsoft.com/office/infopath/2007/PartnerControls"/>
+    <ds:schemaRef ds:uri="http://schemas.openxmlformats.org/package/2006/metadata/core-properties"/>
+    <ds:schemaRef ds:uri="http://purl.org/dc/elements/1.1/"/>
+    <ds:schemaRef ds:uri="http://purl.org/dc/terms/"/>
+    <ds:schemaRef ds:uri="http://schemas.microsoft.com/internal/obd"/>
+  </ds:schemaRefs>
+</ds:datastoreItem>
 </file>
 
 <file path=customXml/itemProps3.xml><?xml version="1.0" encoding="utf-8"?>
-<ds:datastoreItem xmlns:ds="http://schemas.openxmlformats.org/officeDocument/2006/customXml" ds:itemID="{187230AE-E301-4C30-BBB7-837BD9D8B922}"/>
+<ds:datastoreItem xmlns:ds="http://schemas.openxmlformats.org/officeDocument/2006/customXml" ds:itemID="{187230AE-E301-4C30-BBB7-837BD9D8B922}">
+  <ds:schemaRefs>
+    <ds:schemaRef ds:uri="http://schemas.microsoft.com/office/2006/metadata/properties"/>
+    <ds:schemaRef ds:uri="http://schemas.microsoft.com/office/infopath/2007/PartnerControls"/>
+  </ds:schemaRefs>
+</ds:datastoreItem>
 </file>